--- a/whats-new-cloud-native-dev-dotnet8/slide_deck.pptx
+++ b/whats-new-cloud-native-dev-dotnet8/slide_deck.pptx
@@ -9,10 +9,14 @@
     <p:sldId id="257" r:id="rId3"/>
     <p:sldId id="258" r:id="rId4"/>
     <p:sldId id="263" r:id="rId5"/>
-    <p:sldId id="262" r:id="rId6"/>
-    <p:sldId id="261" r:id="rId7"/>
-    <p:sldId id="260" r:id="rId8"/>
-    <p:sldId id="259" r:id="rId9"/>
+    <p:sldId id="264" r:id="rId6"/>
+    <p:sldId id="265" r:id="rId7"/>
+    <p:sldId id="262" r:id="rId8"/>
+    <p:sldId id="266" r:id="rId9"/>
+    <p:sldId id="267" r:id="rId10"/>
+    <p:sldId id="261" r:id="rId11"/>
+    <p:sldId id="260" r:id="rId12"/>
+    <p:sldId id="259" r:id="rId13"/>
   </p:sldIdLst>
   <p:sldSz cx="12192000" cy="6858000"/>
   <p:notesSz cx="6858000" cy="9144000"/>
@@ -124,11 +128,15 @@
         <p14:section name="Native AOT" id="{31F51142-40B7-4CEE-962D-6F37FAD3A7A2}">
           <p14:sldIdLst>
             <p14:sldId id="263"/>
+            <p14:sldId id="264"/>
+            <p14:sldId id="265"/>
           </p14:sldIdLst>
         </p14:section>
         <p14:section name="Resiliency" id="{AC5EC272-2D1B-468A-A6E1-5B9681C049E7}">
           <p14:sldIdLst>
             <p14:sldId id="262"/>
+            <p14:sldId id="266"/>
+            <p14:sldId id="267"/>
           </p14:sldIdLst>
         </p14:section>
         <p14:section name="Open Telemetry" id="{48B0B115-B9DF-4647-AD04-F084920AEB36}">
@@ -3470,6 +3478,258 @@
 </p:sld>
 </file>
 
+<file path=ppt/slides/slide10.xml><?xml version="1.0" encoding="utf-8"?>
+<p:sld xmlns:a="http://schemas.openxmlformats.org/drawingml/2006/main" xmlns:r="http://schemas.openxmlformats.org/officeDocument/2006/relationships" xmlns:p="http://schemas.openxmlformats.org/presentationml/2006/main">
+  <p:cSld>
+    <p:spTree>
+      <p:nvGrpSpPr>
+        <p:cNvPr id="1" name=""/>
+        <p:cNvGrpSpPr/>
+        <p:nvPr/>
+      </p:nvGrpSpPr>
+      <p:grpSpPr>
+        <a:xfrm>
+          <a:off x="0" y="0"/>
+          <a:ext cx="0" cy="0"/>
+          <a:chOff x="0" y="0"/>
+          <a:chExt cx="0" cy="0"/>
+        </a:xfrm>
+      </p:grpSpPr>
+      <p:sp>
+        <p:nvSpPr>
+          <p:cNvPr id="4" name="Title 3">
+            <a:extLst>
+              <a:ext uri="{FF2B5EF4-FFF2-40B4-BE49-F238E27FC236}">
+                <a16:creationId xmlns:a16="http://schemas.microsoft.com/office/drawing/2014/main" id="{13AB46B6-6F9A-086E-4E9F-689A28982F82}"/>
+              </a:ext>
+            </a:extLst>
+          </p:cNvPr>
+          <p:cNvSpPr>
+            <a:spLocks noGrp="1"/>
+          </p:cNvSpPr>
+          <p:nvPr>
+            <p:ph type="title"/>
+          </p:nvPr>
+        </p:nvSpPr>
+        <p:spPr/>
+        <p:txBody>
+          <a:bodyPr/>
+          <a:lstStyle/>
+          <a:p>
+            <a:r>
+              <a:rPr lang="en-GB" dirty="0"/>
+              <a:t>Open Telemetry Improvement</a:t>
+            </a:r>
+            <a:endParaRPr lang="en-AU" dirty="0"/>
+          </a:p>
+        </p:txBody>
+      </p:sp>
+      <p:sp>
+        <p:nvSpPr>
+          <p:cNvPr id="5" name="Text Placeholder 4">
+            <a:extLst>
+              <a:ext uri="{FF2B5EF4-FFF2-40B4-BE49-F238E27FC236}">
+                <a16:creationId xmlns:a16="http://schemas.microsoft.com/office/drawing/2014/main" id="{239FE560-E3D2-C5D4-7E61-3C34AC9F81A8}"/>
+              </a:ext>
+            </a:extLst>
+          </p:cNvPr>
+          <p:cNvSpPr>
+            <a:spLocks noGrp="1"/>
+          </p:cNvSpPr>
+          <p:nvPr>
+            <p:ph type="body" idx="1"/>
+          </p:nvPr>
+        </p:nvSpPr>
+        <p:spPr/>
+        <p:txBody>
+          <a:bodyPr/>
+          <a:lstStyle/>
+          <a:p>
+            <a:endParaRPr lang="en-AU"/>
+          </a:p>
+        </p:txBody>
+      </p:sp>
+    </p:spTree>
+    <p:extLst>
+      <p:ext uri="{BB962C8B-B14F-4D97-AF65-F5344CB8AC3E}">
+        <p14:creationId xmlns:p14="http://schemas.microsoft.com/office/powerpoint/2010/main" val="3593118543"/>
+      </p:ext>
+    </p:extLst>
+  </p:cSld>
+  <p:clrMapOvr>
+    <a:masterClrMapping/>
+  </p:clrMapOvr>
+</p:sld>
+</file>
+
+<file path=ppt/slides/slide11.xml><?xml version="1.0" encoding="utf-8"?>
+<p:sld xmlns:a="http://schemas.openxmlformats.org/drawingml/2006/main" xmlns:r="http://schemas.openxmlformats.org/officeDocument/2006/relationships" xmlns:p="http://schemas.openxmlformats.org/presentationml/2006/main">
+  <p:cSld>
+    <p:spTree>
+      <p:nvGrpSpPr>
+        <p:cNvPr id="1" name=""/>
+        <p:cNvGrpSpPr/>
+        <p:nvPr/>
+      </p:nvGrpSpPr>
+      <p:grpSpPr>
+        <a:xfrm>
+          <a:off x="0" y="0"/>
+          <a:ext cx="0" cy="0"/>
+          <a:chOff x="0" y="0"/>
+          <a:chExt cx="0" cy="0"/>
+        </a:xfrm>
+      </p:grpSpPr>
+      <p:sp>
+        <p:nvSpPr>
+          <p:cNvPr id="4" name="Title 3">
+            <a:extLst>
+              <a:ext uri="{FF2B5EF4-FFF2-40B4-BE49-F238E27FC236}">
+                <a16:creationId xmlns:a16="http://schemas.microsoft.com/office/drawing/2014/main" id="{AA1C4710-A126-C372-A67C-F36740142F95}"/>
+              </a:ext>
+            </a:extLst>
+          </p:cNvPr>
+          <p:cNvSpPr>
+            <a:spLocks noGrp="1"/>
+          </p:cNvSpPr>
+          <p:nvPr>
+            <p:ph type="title"/>
+          </p:nvPr>
+        </p:nvSpPr>
+        <p:spPr/>
+        <p:txBody>
+          <a:bodyPr/>
+          <a:lstStyle/>
+          <a:p>
+            <a:r>
+              <a:rPr lang="en-GB" dirty="0"/>
+              <a:t>.NET Aspire</a:t>
+            </a:r>
+            <a:endParaRPr lang="en-AU" dirty="0"/>
+          </a:p>
+        </p:txBody>
+      </p:sp>
+      <p:sp>
+        <p:nvSpPr>
+          <p:cNvPr id="5" name="Text Placeholder 4">
+            <a:extLst>
+              <a:ext uri="{FF2B5EF4-FFF2-40B4-BE49-F238E27FC236}">
+                <a16:creationId xmlns:a16="http://schemas.microsoft.com/office/drawing/2014/main" id="{416B9012-16C5-B06C-BD2B-8E4EF0756FB1}"/>
+              </a:ext>
+            </a:extLst>
+          </p:cNvPr>
+          <p:cNvSpPr>
+            <a:spLocks noGrp="1"/>
+          </p:cNvSpPr>
+          <p:nvPr>
+            <p:ph type="body" idx="1"/>
+          </p:nvPr>
+        </p:nvSpPr>
+        <p:spPr/>
+        <p:txBody>
+          <a:bodyPr/>
+          <a:lstStyle/>
+          <a:p>
+            <a:endParaRPr lang="en-AU"/>
+          </a:p>
+        </p:txBody>
+      </p:sp>
+    </p:spTree>
+    <p:extLst>
+      <p:ext uri="{BB962C8B-B14F-4D97-AF65-F5344CB8AC3E}">
+        <p14:creationId xmlns:p14="http://schemas.microsoft.com/office/powerpoint/2010/main" val="3026749814"/>
+      </p:ext>
+    </p:extLst>
+  </p:cSld>
+  <p:clrMapOvr>
+    <a:masterClrMapping/>
+  </p:clrMapOvr>
+</p:sld>
+</file>
+
+<file path=ppt/slides/slide12.xml><?xml version="1.0" encoding="utf-8"?>
+<p:sld xmlns:a="http://schemas.openxmlformats.org/drawingml/2006/main" xmlns:r="http://schemas.openxmlformats.org/officeDocument/2006/relationships" xmlns:p="http://schemas.openxmlformats.org/presentationml/2006/main">
+  <p:cSld>
+    <p:spTree>
+      <p:nvGrpSpPr>
+        <p:cNvPr id="1" name=""/>
+        <p:cNvGrpSpPr/>
+        <p:nvPr/>
+      </p:nvGrpSpPr>
+      <p:grpSpPr>
+        <a:xfrm>
+          <a:off x="0" y="0"/>
+          <a:ext cx="0" cy="0"/>
+          <a:chOff x="0" y="0"/>
+          <a:chExt cx="0" cy="0"/>
+        </a:xfrm>
+      </p:grpSpPr>
+      <p:sp>
+        <p:nvSpPr>
+          <p:cNvPr id="4" name="Title 3">
+            <a:extLst>
+              <a:ext uri="{FF2B5EF4-FFF2-40B4-BE49-F238E27FC236}">
+                <a16:creationId xmlns:a16="http://schemas.microsoft.com/office/drawing/2014/main" id="{FCBE0EC1-0495-D530-865F-A2FDCD50E28E}"/>
+              </a:ext>
+            </a:extLst>
+          </p:cNvPr>
+          <p:cNvSpPr>
+            <a:spLocks noGrp="1"/>
+          </p:cNvSpPr>
+          <p:nvPr>
+            <p:ph type="title"/>
+          </p:nvPr>
+        </p:nvSpPr>
+        <p:spPr/>
+        <p:txBody>
+          <a:bodyPr/>
+          <a:lstStyle/>
+          <a:p>
+            <a:r>
+              <a:rPr lang="en-GB" dirty="0"/>
+              <a:t>Thanks for listening!</a:t>
+            </a:r>
+            <a:endParaRPr lang="en-AU" dirty="0"/>
+          </a:p>
+        </p:txBody>
+      </p:sp>
+      <p:sp>
+        <p:nvSpPr>
+          <p:cNvPr id="5" name="Text Placeholder 4">
+            <a:extLst>
+              <a:ext uri="{FF2B5EF4-FFF2-40B4-BE49-F238E27FC236}">
+                <a16:creationId xmlns:a16="http://schemas.microsoft.com/office/drawing/2014/main" id="{CE50B6DF-6DBF-0DDD-ADCC-3B1838432CBF}"/>
+              </a:ext>
+            </a:extLst>
+          </p:cNvPr>
+          <p:cNvSpPr>
+            <a:spLocks noGrp="1"/>
+          </p:cNvSpPr>
+          <p:nvPr>
+            <p:ph type="body" idx="1"/>
+          </p:nvPr>
+        </p:nvSpPr>
+        <p:spPr/>
+        <p:txBody>
+          <a:bodyPr/>
+          <a:lstStyle/>
+          <a:p>
+            <a:endParaRPr lang="en-AU"/>
+          </a:p>
+        </p:txBody>
+      </p:sp>
+    </p:spTree>
+    <p:extLst>
+      <p:ext uri="{BB962C8B-B14F-4D97-AF65-F5344CB8AC3E}">
+        <p14:creationId xmlns:p14="http://schemas.microsoft.com/office/powerpoint/2010/main" val="2929817112"/>
+      </p:ext>
+    </p:extLst>
+  </p:cSld>
+  <p:clrMapOvr>
+    <a:masterClrMapping/>
+  </p:clrMapOvr>
+</p:sld>
+</file>
+
 <file path=ppt/slides/slide2.xml><?xml version="1.0" encoding="utf-8"?>
 <p:sld xmlns:a="http://schemas.openxmlformats.org/drawingml/2006/main" xmlns:r="http://schemas.openxmlformats.org/officeDocument/2006/relationships" xmlns:p="http://schemas.openxmlformats.org/presentationml/2006/main">
   <p:cSld>
@@ -3763,7 +4023,7 @@
           <a:p>
             <a:r>
               <a:rPr lang="en-GB" dirty="0"/>
-              <a:t>Native AOT Deployments</a:t>
+              <a:t>Native AOT</a:t>
             </a:r>
             <a:endParaRPr lang="en-AU" dirty="0"/>
           </a:p>
@@ -3829,7 +4089,7 @@
           <p:cNvPr id="4" name="Title 3">
             <a:extLst>
               <a:ext uri="{FF2B5EF4-FFF2-40B4-BE49-F238E27FC236}">
-                <a16:creationId xmlns:a16="http://schemas.microsoft.com/office/drawing/2014/main" id="{34B4E8A6-A076-8CDA-14AB-73E908A9F068}"/>
+                <a16:creationId xmlns:a16="http://schemas.microsoft.com/office/drawing/2014/main" id="{36472B68-A178-1959-9FEC-7EBC6B579B04}"/>
               </a:ext>
             </a:extLst>
           </p:cNvPr>
@@ -3847,7 +4107,7 @@
           <a:p>
             <a:r>
               <a:rPr lang="en-GB" dirty="0"/>
-              <a:t>Resiliency Improvements</a:t>
+              <a:t>Why Native AOT?</a:t>
             </a:r>
             <a:endParaRPr lang="en-AU" dirty="0"/>
           </a:p>
@@ -3858,7 +4118,7 @@
           <p:cNvPr id="5" name="Text Placeholder 4">
             <a:extLst>
               <a:ext uri="{FF2B5EF4-FFF2-40B4-BE49-F238E27FC236}">
-                <a16:creationId xmlns:a16="http://schemas.microsoft.com/office/drawing/2014/main" id="{5BD88284-4DEE-229D-B193-C4CE028BCC8C}"/>
+                <a16:creationId xmlns:a16="http://schemas.microsoft.com/office/drawing/2014/main" id="{0E8B857D-5DF8-6C29-3F88-631AB2CBF41D}"/>
               </a:ext>
             </a:extLst>
           </p:cNvPr>
@@ -3874,14 +4134,30 @@
           <a:bodyPr/>
           <a:lstStyle/>
           <a:p>
-            <a:endParaRPr lang="en-AU"/>
+            <a:r>
+              <a:rPr lang="en-GB" dirty="0"/>
+              <a:t>Smaller apps</a:t>
+            </a:r>
+          </a:p>
+          <a:p>
+            <a:r>
+              <a:rPr lang="en-GB" dirty="0"/>
+              <a:t>Faster startup</a:t>
+            </a:r>
+          </a:p>
+          <a:p>
+            <a:r>
+              <a:rPr lang="en-GB" dirty="0"/>
+              <a:t>Less memory use</a:t>
+            </a:r>
+            <a:endParaRPr lang="en-AU" dirty="0"/>
           </a:p>
         </p:txBody>
       </p:sp>
     </p:spTree>
     <p:extLst>
       <p:ext uri="{BB962C8B-B14F-4D97-AF65-F5344CB8AC3E}">
-        <p14:creationId xmlns:p14="http://schemas.microsoft.com/office/powerpoint/2010/main" val="1199755510"/>
+        <p14:creationId xmlns:p14="http://schemas.microsoft.com/office/powerpoint/2010/main" val="87336337"/>
       </p:ext>
     </p:extLst>
   </p:cSld>
@@ -3913,7 +4189,7 @@
           <p:cNvPr id="4" name="Title 3">
             <a:extLst>
               <a:ext uri="{FF2B5EF4-FFF2-40B4-BE49-F238E27FC236}">
-                <a16:creationId xmlns:a16="http://schemas.microsoft.com/office/drawing/2014/main" id="{13AB46B6-6F9A-086E-4E9F-689A28982F82}"/>
+                <a16:creationId xmlns:a16="http://schemas.microsoft.com/office/drawing/2014/main" id="{9C5F3F56-184D-C324-9FD0-9004A515C337}"/>
               </a:ext>
             </a:extLst>
           </p:cNvPr>
@@ -3930,42 +4206,91 @@
           <a:lstStyle/>
           <a:p>
             <a:r>
-              <a:rPr lang="en-GB" dirty="0"/>
-              <a:t>Open Telemetry Improvement</a:t>
-            </a:r>
-            <a:endParaRPr lang="en-AU" dirty="0"/>
-          </a:p>
-        </p:txBody>
-      </p:sp>
-      <p:sp>
-        <p:nvSpPr>
-          <p:cNvPr id="5" name="Text Placeholder 4">
-            <a:extLst>
-              <a:ext uri="{FF2B5EF4-FFF2-40B4-BE49-F238E27FC236}">
-                <a16:creationId xmlns:a16="http://schemas.microsoft.com/office/drawing/2014/main" id="{239FE560-E3D2-C5D4-7E61-3C34AC9F81A8}"/>
-              </a:ext>
-            </a:extLst>
-          </p:cNvPr>
-          <p:cNvSpPr>
-            <a:spLocks noGrp="1"/>
-          </p:cNvSpPr>
-          <p:nvPr>
-            <p:ph type="body" idx="1"/>
-          </p:nvPr>
-        </p:nvSpPr>
-        <p:spPr/>
-        <p:txBody>
-          <a:bodyPr/>
-          <a:lstStyle/>
-          <a:p>
-            <a:endParaRPr lang="en-AU"/>
+              <a:rPr lang="en-AU" dirty="0"/>
+              <a:t>How does native AOT work?</a:t>
+            </a:r>
+          </a:p>
+        </p:txBody>
+      </p:sp>
+      <p:sp>
+        <p:nvSpPr>
+          <p:cNvPr id="5" name="Content Placeholder 4">
+            <a:extLst>
+              <a:ext uri="{FF2B5EF4-FFF2-40B4-BE49-F238E27FC236}">
+                <a16:creationId xmlns:a16="http://schemas.microsoft.com/office/drawing/2014/main" id="{AD5781B7-8509-4495-41B9-1028316DE080}"/>
+              </a:ext>
+            </a:extLst>
+          </p:cNvPr>
+          <p:cNvSpPr>
+            <a:spLocks noGrp="1"/>
+          </p:cNvSpPr>
+          <p:nvPr>
+            <p:ph idx="1"/>
+          </p:nvPr>
+        </p:nvSpPr>
+        <p:spPr/>
+        <p:txBody>
+          <a:bodyPr/>
+          <a:lstStyle/>
+          <a:p>
+            <a:r>
+              <a:rPr lang="en-AU" dirty="0"/>
+              <a:t>C# is compiled to IL on build.</a:t>
+            </a:r>
+          </a:p>
+          <a:p>
+            <a:r>
+              <a:rPr lang="en-AU" dirty="0"/>
+              <a:t>IL is compiled to platform code on publish.</a:t>
+            </a:r>
+          </a:p>
+          <a:p>
+            <a:r>
+              <a:rPr lang="en-AU" dirty="0"/>
+              <a:t>Published app:</a:t>
+            </a:r>
+          </a:p>
+          <a:p>
+            <a:pPr lvl="1"/>
+            <a:r>
+              <a:rPr lang="en-AU" dirty="0"/>
+              <a:t>Has no JIT (Just-in-time) complier</a:t>
+            </a:r>
+          </a:p>
+          <a:p>
+            <a:pPr lvl="1"/>
+            <a:r>
+              <a:rPr lang="en-AU" dirty="0"/>
+              <a:t>Still contains a runtime &amp; GC (is still “managed”)</a:t>
+            </a:r>
+          </a:p>
+          <a:p>
+            <a:pPr lvl="1"/>
+            <a:r>
+              <a:rPr lang="en-AU" dirty="0"/>
+              <a:t>Is single-file</a:t>
+            </a:r>
+          </a:p>
+          <a:p>
+            <a:pPr lvl="1"/>
+            <a:r>
+              <a:rPr lang="en-AU" dirty="0"/>
+              <a:t>Is trimmed to reduce app size</a:t>
+            </a:r>
+          </a:p>
+          <a:p>
+            <a:pPr lvl="1"/>
+            <a:r>
+              <a:rPr lang="en-AU" dirty="0"/>
+              <a:t>Is OS &amp; architecture specific, e.g. linux-x64</a:t>
+            </a:r>
           </a:p>
         </p:txBody>
       </p:sp>
     </p:spTree>
     <p:extLst>
       <p:ext uri="{BB962C8B-B14F-4D97-AF65-F5344CB8AC3E}">
-        <p14:creationId xmlns:p14="http://schemas.microsoft.com/office/powerpoint/2010/main" val="3593118543"/>
+        <p14:creationId xmlns:p14="http://schemas.microsoft.com/office/powerpoint/2010/main" val="1954448877"/>
       </p:ext>
     </p:extLst>
   </p:cSld>
@@ -3997,7 +4322,7 @@
           <p:cNvPr id="4" name="Title 3">
             <a:extLst>
               <a:ext uri="{FF2B5EF4-FFF2-40B4-BE49-F238E27FC236}">
-                <a16:creationId xmlns:a16="http://schemas.microsoft.com/office/drawing/2014/main" id="{AA1C4710-A126-C372-A67C-F36740142F95}"/>
+                <a16:creationId xmlns:a16="http://schemas.microsoft.com/office/drawing/2014/main" id="{34B4E8A6-A076-8CDA-14AB-73E908A9F068}"/>
               </a:ext>
             </a:extLst>
           </p:cNvPr>
@@ -4015,7 +4340,7 @@
           <a:p>
             <a:r>
               <a:rPr lang="en-GB" dirty="0"/>
-              <a:t>.NET Aspire</a:t>
+              <a:t>Resiliency Improvements</a:t>
             </a:r>
             <a:endParaRPr lang="en-AU" dirty="0"/>
           </a:p>
@@ -4026,7 +4351,7 @@
           <p:cNvPr id="5" name="Text Placeholder 4">
             <a:extLst>
               <a:ext uri="{FF2B5EF4-FFF2-40B4-BE49-F238E27FC236}">
-                <a16:creationId xmlns:a16="http://schemas.microsoft.com/office/drawing/2014/main" id="{416B9012-16C5-B06C-BD2B-8E4EF0756FB1}"/>
+                <a16:creationId xmlns:a16="http://schemas.microsoft.com/office/drawing/2014/main" id="{5BD88284-4DEE-229D-B193-C4CE028BCC8C}"/>
               </a:ext>
             </a:extLst>
           </p:cNvPr>
@@ -4049,7 +4374,7 @@
     </p:spTree>
     <p:extLst>
       <p:ext uri="{BB962C8B-B14F-4D97-AF65-F5344CB8AC3E}">
-        <p14:creationId xmlns:p14="http://schemas.microsoft.com/office/powerpoint/2010/main" val="3026749814"/>
+        <p14:creationId xmlns:p14="http://schemas.microsoft.com/office/powerpoint/2010/main" val="1199755510"/>
       </p:ext>
     </p:extLst>
   </p:cSld>
@@ -4078,62 +4403,410 @@
       </p:grpSpPr>
       <p:sp>
         <p:nvSpPr>
-          <p:cNvPr id="4" name="Title 3">
-            <a:extLst>
-              <a:ext uri="{FF2B5EF4-FFF2-40B4-BE49-F238E27FC236}">
-                <a16:creationId xmlns:a16="http://schemas.microsoft.com/office/drawing/2014/main" id="{FCBE0EC1-0495-D530-865F-A2FDCD50E28E}"/>
-              </a:ext>
-            </a:extLst>
-          </p:cNvPr>
-          <p:cNvSpPr>
-            <a:spLocks noGrp="1"/>
-          </p:cNvSpPr>
-          <p:nvPr>
-            <p:ph type="title"/>
-          </p:nvPr>
-        </p:nvSpPr>
-        <p:spPr/>
-        <p:txBody>
-          <a:bodyPr/>
-          <a:lstStyle/>
-          <a:p>
-            <a:r>
-              <a:rPr lang="en-GB" dirty="0"/>
-              <a:t>Thanks for listening!</a:t>
-            </a:r>
-            <a:endParaRPr lang="en-AU" dirty="0"/>
-          </a:p>
-        </p:txBody>
-      </p:sp>
-      <p:sp>
-        <p:nvSpPr>
-          <p:cNvPr id="5" name="Text Placeholder 4">
-            <a:extLst>
-              <a:ext uri="{FF2B5EF4-FFF2-40B4-BE49-F238E27FC236}">
-                <a16:creationId xmlns:a16="http://schemas.microsoft.com/office/drawing/2014/main" id="{CE50B6DF-6DBF-0DDD-ADCC-3B1838432CBF}"/>
-              </a:ext>
-            </a:extLst>
-          </p:cNvPr>
-          <p:cNvSpPr>
-            <a:spLocks noGrp="1"/>
-          </p:cNvSpPr>
-          <p:nvPr>
-            <p:ph type="body" idx="1"/>
-          </p:nvPr>
-        </p:nvSpPr>
-        <p:spPr/>
-        <p:txBody>
-          <a:bodyPr/>
-          <a:lstStyle/>
-          <a:p>
-            <a:endParaRPr lang="en-AU"/>
+          <p:cNvPr id="6" name="Title 5">
+            <a:extLst>
+              <a:ext uri="{FF2B5EF4-FFF2-40B4-BE49-F238E27FC236}">
+                <a16:creationId xmlns:a16="http://schemas.microsoft.com/office/drawing/2014/main" id="{22BFB6FC-B2C6-6C1F-0597-E3CBFFD5A639}"/>
+              </a:ext>
+            </a:extLst>
+          </p:cNvPr>
+          <p:cNvSpPr>
+            <a:spLocks noGrp="1"/>
+          </p:cNvSpPr>
+          <p:nvPr>
+            <p:ph type="ctrTitle"/>
+          </p:nvPr>
+        </p:nvSpPr>
+        <p:spPr/>
+        <p:txBody>
+          <a:bodyPr/>
+          <a:lstStyle/>
+          <a:p>
+            <a:r>
+              <a:rPr lang="en-AU" dirty="0"/>
+              <a:t>Failures will happen!</a:t>
+            </a:r>
+          </a:p>
+        </p:txBody>
+      </p:sp>
+      <p:sp>
+        <p:nvSpPr>
+          <p:cNvPr id="7" name="Subtitle 6">
+            <a:extLst>
+              <a:ext uri="{FF2B5EF4-FFF2-40B4-BE49-F238E27FC236}">
+                <a16:creationId xmlns:a16="http://schemas.microsoft.com/office/drawing/2014/main" id="{59E5AA5D-AE2C-C89E-1E1D-E3546CBA3BD5}"/>
+              </a:ext>
+            </a:extLst>
+          </p:cNvPr>
+          <p:cNvSpPr>
+            <a:spLocks noGrp="1"/>
+          </p:cNvSpPr>
+          <p:nvPr>
+            <p:ph type="subTitle" idx="1"/>
+          </p:nvPr>
+        </p:nvSpPr>
+        <p:spPr/>
+        <p:txBody>
+          <a:bodyPr/>
+          <a:lstStyle/>
+          <a:p>
+            <a:r>
+              <a:rPr lang="en-AU" dirty="0"/>
+              <a:t>Network outages</a:t>
+            </a:r>
+          </a:p>
+          <a:p>
+            <a:r>
+              <a:rPr lang="en-AU" dirty="0"/>
+              <a:t>Transient service errors</a:t>
+            </a:r>
+          </a:p>
+          <a:p>
+            <a:r>
+              <a:rPr lang="en-AU" dirty="0"/>
+              <a:t>Remote service outage</a:t>
+            </a:r>
           </a:p>
         </p:txBody>
       </p:sp>
     </p:spTree>
     <p:extLst>
       <p:ext uri="{BB962C8B-B14F-4D97-AF65-F5344CB8AC3E}">
-        <p14:creationId xmlns:p14="http://schemas.microsoft.com/office/powerpoint/2010/main" val="2929817112"/>
+        <p14:creationId xmlns:p14="http://schemas.microsoft.com/office/powerpoint/2010/main" val="2072064123"/>
+      </p:ext>
+    </p:extLst>
+  </p:cSld>
+  <p:clrMapOvr>
+    <a:masterClrMapping/>
+  </p:clrMapOvr>
+</p:sld>
+</file>
+
+<file path=ppt/slides/slide9.xml><?xml version="1.0" encoding="utf-8"?>
+<p:sld xmlns:a="http://schemas.openxmlformats.org/drawingml/2006/main" xmlns:r="http://schemas.openxmlformats.org/officeDocument/2006/relationships" xmlns:p="http://schemas.openxmlformats.org/presentationml/2006/main">
+  <p:cSld>
+    <p:spTree>
+      <p:nvGrpSpPr>
+        <p:cNvPr id="1" name=""/>
+        <p:cNvGrpSpPr/>
+        <p:nvPr/>
+      </p:nvGrpSpPr>
+      <p:grpSpPr>
+        <a:xfrm>
+          <a:off x="0" y="0"/>
+          <a:ext cx="0" cy="0"/>
+          <a:chOff x="0" y="0"/>
+          <a:chExt cx="0" cy="0"/>
+        </a:xfrm>
+      </p:grpSpPr>
+      <p:sp>
+        <p:nvSpPr>
+          <p:cNvPr id="2" name="Title 1">
+            <a:extLst>
+              <a:ext uri="{FF2B5EF4-FFF2-40B4-BE49-F238E27FC236}">
+                <a16:creationId xmlns:a16="http://schemas.microsoft.com/office/drawing/2014/main" id="{195EA104-91C8-A314-5491-91F4CC12523E}"/>
+              </a:ext>
+            </a:extLst>
+          </p:cNvPr>
+          <p:cNvSpPr>
+            <a:spLocks noGrp="1"/>
+          </p:cNvSpPr>
+          <p:nvPr>
+            <p:ph type="title"/>
+          </p:nvPr>
+        </p:nvSpPr>
+        <p:spPr/>
+        <p:txBody>
+          <a:bodyPr/>
+          <a:lstStyle/>
+          <a:p>
+            <a:r>
+              <a:rPr lang="en-AU" dirty="0"/>
+              <a:t>Two new packages!</a:t>
+            </a:r>
+          </a:p>
+        </p:txBody>
+      </p:sp>
+      <p:graphicFrame>
+        <p:nvGraphicFramePr>
+          <p:cNvPr id="4" name="Content Placeholder 3">
+            <a:extLst>
+              <a:ext uri="{FF2B5EF4-FFF2-40B4-BE49-F238E27FC236}">
+                <a16:creationId xmlns:a16="http://schemas.microsoft.com/office/drawing/2014/main" id="{D504D8CE-6676-4F40-DFD1-157D76ECF8AD}"/>
+              </a:ext>
+            </a:extLst>
+          </p:cNvPr>
+          <p:cNvGraphicFramePr>
+            <a:graphicFrameLocks noGrp="1"/>
+          </p:cNvGraphicFramePr>
+          <p:nvPr>
+            <p:ph idx="1"/>
+            <p:extLst>
+              <p:ext uri="{D42A27DB-BD31-4B8C-83A1-F6EECF244321}">
+                <p14:modId xmlns:p14="http://schemas.microsoft.com/office/powerpoint/2010/main" val="1880830907"/>
+              </p:ext>
+            </p:extLst>
+          </p:nvPr>
+        </p:nvGraphicFramePr>
+        <p:xfrm>
+          <a:off x="838200" y="1825625"/>
+          <a:ext cx="10515600" cy="1651000"/>
+        </p:xfrm>
+        <a:graphic>
+          <a:graphicData uri="http://schemas.openxmlformats.org/drawingml/2006/table">
+            <a:tbl>
+              <a:tblPr firstRow="1" bandRow="1">
+                <a:tableStyleId>{5C22544A-7EE6-4342-B048-85BDC9FD1C3A}</a:tableStyleId>
+              </a:tblPr>
+              <a:tblGrid>
+                <a:gridCol w="5257800">
+                  <a:extLst>
+                    <a:ext uri="{9D8B030D-6E8A-4147-A177-3AD203B41FA5}">
+                      <a16:colId xmlns:a16="http://schemas.microsoft.com/office/drawing/2014/main" val="2981037931"/>
+                    </a:ext>
+                  </a:extLst>
+                </a:gridCol>
+                <a:gridCol w="5257800">
+                  <a:extLst>
+                    <a:ext uri="{9D8B030D-6E8A-4147-A177-3AD203B41FA5}">
+                      <a16:colId xmlns:a16="http://schemas.microsoft.com/office/drawing/2014/main" val="842719906"/>
+                    </a:ext>
+                  </a:extLst>
+                </a:gridCol>
+              </a:tblGrid>
+              <a:tr h="370840">
+                <a:tc>
+                  <a:txBody>
+                    <a:bodyPr/>
+                    <a:lstStyle/>
+                    <a:p>
+                      <a:pPr algn="l" fontAlgn="t"/>
+                      <a:r>
+                        <a:rPr lang="en-AU">
+                          <a:effectLst/>
+                        </a:rPr>
+                        <a:t>NuGet package</a:t>
+                      </a:r>
+                    </a:p>
+                  </a:txBody>
+                  <a:tcPr/>
+                </a:tc>
+                <a:tc>
+                  <a:txBody>
+                    <a:bodyPr/>
+                    <a:lstStyle/>
+                    <a:p>
+                      <a:pPr algn="l" fontAlgn="t"/>
+                      <a:r>
+                        <a:rPr lang="en-AU">
+                          <a:effectLst/>
+                        </a:rPr>
+                        <a:t>Description</a:t>
+                      </a:r>
+                    </a:p>
+                  </a:txBody>
+                  <a:tcPr/>
+                </a:tc>
+                <a:extLst>
+                  <a:ext uri="{0D108BD9-81ED-4DB2-BD59-A6C34878D82A}">
+                    <a16:rowId xmlns:a16="http://schemas.microsoft.com/office/drawing/2014/main" val="581564670"/>
+                  </a:ext>
+                </a:extLst>
+              </a:tr>
+              <a:tr h="370840">
+                <a:tc>
+                  <a:txBody>
+                    <a:bodyPr/>
+                    <a:lstStyle/>
+                    <a:p>
+                      <a:pPr algn="l" fontAlgn="t"/>
+                      <a:r>
+                        <a:rPr lang="en-AU" u="none" strike="noStrike">
+                          <a:effectLst/>
+                          <a:hlinkClick r:id="rId2"/>
+                        </a:rPr>
+                        <a:t>📦 Microsoft.Extensions.Resilience</a:t>
+                      </a:r>
+                      <a:endParaRPr lang="en-AU">
+                        <a:effectLst/>
+                      </a:endParaRPr>
+                    </a:p>
+                  </a:txBody>
+                  <a:tcPr/>
+                </a:tc>
+                <a:tc>
+                  <a:txBody>
+                    <a:bodyPr/>
+                    <a:lstStyle/>
+                    <a:p>
+                      <a:pPr algn="l" fontAlgn="t"/>
+                      <a:r>
+                        <a:rPr lang="en-GB">
+                          <a:effectLst/>
+                        </a:rPr>
+                        <a:t>This NuGet package provides mechanisms to harden apps against transient failures.</a:t>
+                      </a:r>
+                    </a:p>
+                  </a:txBody>
+                  <a:tcPr/>
+                </a:tc>
+                <a:extLst>
+                  <a:ext uri="{0D108BD9-81ED-4DB2-BD59-A6C34878D82A}">
+                    <a16:rowId xmlns:a16="http://schemas.microsoft.com/office/drawing/2014/main" val="820126845"/>
+                  </a:ext>
+                </a:extLst>
+              </a:tr>
+              <a:tr h="370840">
+                <a:tc>
+                  <a:txBody>
+                    <a:bodyPr/>
+                    <a:lstStyle/>
+                    <a:p>
+                      <a:pPr algn="l" fontAlgn="t"/>
+                      <a:r>
+                        <a:rPr lang="en-AU" u="none" strike="noStrike">
+                          <a:effectLst/>
+                          <a:hlinkClick r:id="rId3"/>
+                        </a:rPr>
+                        <a:t>📦 Microsoft.Extensions.Http.Resilience</a:t>
+                      </a:r>
+                      <a:endParaRPr lang="en-AU">
+                        <a:effectLst/>
+                      </a:endParaRPr>
+                    </a:p>
+                  </a:txBody>
+                  <a:tcPr/>
+                </a:tc>
+                <a:tc>
+                  <a:txBody>
+                    <a:bodyPr/>
+                    <a:lstStyle/>
+                    <a:p>
+                      <a:pPr algn="l" fontAlgn="t"/>
+                      <a:r>
+                        <a:rPr lang="en-GB" dirty="0">
+                          <a:effectLst/>
+                        </a:rPr>
+                        <a:t>This NuGet package provides resilience mechanisms specifically for the </a:t>
+                      </a:r>
+                      <a:r>
+                        <a:rPr lang="en-GB" u="none" strike="noStrike" dirty="0" err="1">
+                          <a:effectLst/>
+                          <a:hlinkClick r:id="rId4"/>
+                        </a:rPr>
+                        <a:t>HttpClient</a:t>
+                      </a:r>
+                      <a:r>
+                        <a:rPr lang="en-GB" dirty="0">
+                          <a:effectLst/>
+                        </a:rPr>
+                        <a:t> class.</a:t>
+                      </a:r>
+                    </a:p>
+                  </a:txBody>
+                  <a:tcPr/>
+                </a:tc>
+                <a:extLst>
+                  <a:ext uri="{0D108BD9-81ED-4DB2-BD59-A6C34878D82A}">
+                    <a16:rowId xmlns:a16="http://schemas.microsoft.com/office/drawing/2014/main" val="974012122"/>
+                  </a:ext>
+                </a:extLst>
+              </a:tr>
+            </a:tbl>
+          </a:graphicData>
+        </a:graphic>
+      </p:graphicFrame>
+      <p:sp>
+        <p:nvSpPr>
+          <p:cNvPr id="5" name="Rectangle 4">
+            <a:extLst>
+              <a:ext uri="{FF2B5EF4-FFF2-40B4-BE49-F238E27FC236}">
+                <a16:creationId xmlns:a16="http://schemas.microsoft.com/office/drawing/2014/main" id="{8B6D24FA-2543-D6BD-7BC8-C94C1B733874}"/>
+              </a:ext>
+            </a:extLst>
+          </p:cNvPr>
+          <p:cNvSpPr/>
+          <p:nvPr/>
+        </p:nvSpPr>
+        <p:spPr>
+          <a:xfrm>
+            <a:off x="838200" y="5071730"/>
+            <a:ext cx="10515600" cy="1127051"/>
+          </a:xfrm>
+          <a:prstGeom prst="rect">
+            <a:avLst/>
+          </a:prstGeom>
+        </p:spPr>
+        <p:style>
+          <a:lnRef idx="2">
+            <a:schemeClr val="accent1">
+              <a:shade val="15000"/>
+            </a:schemeClr>
+          </a:lnRef>
+          <a:fillRef idx="1">
+            <a:schemeClr val="accent1"/>
+          </a:fillRef>
+          <a:effectRef idx="0">
+            <a:schemeClr val="accent1"/>
+          </a:effectRef>
+          <a:fontRef idx="minor">
+            <a:schemeClr val="lt1"/>
+          </a:fontRef>
+        </p:style>
+        <p:txBody>
+          <a:bodyPr rtlCol="0" anchor="ctr"/>
+          <a:lstStyle/>
+          <a:p>
+            <a:pPr algn="ctr"/>
+            <a:r>
+              <a:rPr lang="en-GB" b="0" i="0" dirty="0">
+                <a:solidFill>
+                  <a:schemeClr val="bg1"/>
+                </a:solidFill>
+                <a:effectLst/>
+                <a:latin typeface="Segoe UI" panose="020B0502040204020203" pitchFamily="34" charset="0"/>
+              </a:rPr>
+              <a:t>The </a:t>
+            </a:r>
+            <a:r>
+              <a:rPr lang="en-GB" b="1" i="0" u="none" strike="noStrike" dirty="0" err="1">
+                <a:solidFill>
+                  <a:schemeClr val="bg1"/>
+                </a:solidFill>
+                <a:effectLst/>
+                <a:latin typeface="Segoe UI" panose="020B0502040204020203" pitchFamily="34" charset="0"/>
+                <a:hlinkClick r:id="rId5">
+                  <a:extLst>
+                    <a:ext uri="{A12FA001-AC4F-418D-AE19-62706E023703}">
+                      <ahyp:hlinkClr xmlns:ahyp="http://schemas.microsoft.com/office/drawing/2018/hyperlinkcolor" val="tx"/>
+                    </a:ext>
+                  </a:extLst>
+                </a:hlinkClick>
+              </a:rPr>
+              <a:t>Microsoft.Extensions.Http.Polly</a:t>
+            </a:r>
+            <a:r>
+              <a:rPr lang="en-GB" b="0" i="0" dirty="0">
+                <a:solidFill>
+                  <a:schemeClr val="bg1"/>
+                </a:solidFill>
+                <a:effectLst/>
+                <a:latin typeface="Segoe UI" panose="020B0502040204020203" pitchFamily="34" charset="0"/>
+              </a:rPr>
+              <a:t> NuGet package is deprecated. Use either of the aforementioned packages instead.</a:t>
+            </a:r>
+            <a:endParaRPr lang="en-AU" dirty="0">
+              <a:solidFill>
+                <a:schemeClr val="bg1"/>
+              </a:solidFill>
+            </a:endParaRPr>
+          </a:p>
+        </p:txBody>
+      </p:sp>
+    </p:spTree>
+    <p:extLst>
+      <p:ext uri="{BB962C8B-B14F-4D97-AF65-F5344CB8AC3E}">
+        <p14:creationId xmlns:p14="http://schemas.microsoft.com/office/powerpoint/2010/main" val="715692543"/>
       </p:ext>
     </p:extLst>
   </p:cSld>

--- a/whats-new-cloud-native-dev-dotnet8/slide_deck.pptx
+++ b/whats-new-cloud-native-dev-dotnet8/slide_deck.pptx
@@ -14,9 +14,10 @@
     <p:sldId id="262" r:id="rId8"/>
     <p:sldId id="266" r:id="rId9"/>
     <p:sldId id="267" r:id="rId10"/>
-    <p:sldId id="261" r:id="rId11"/>
-    <p:sldId id="260" r:id="rId12"/>
-    <p:sldId id="259" r:id="rId13"/>
+    <p:sldId id="268" r:id="rId11"/>
+    <p:sldId id="261" r:id="rId12"/>
+    <p:sldId id="260" r:id="rId13"/>
+    <p:sldId id="259" r:id="rId14"/>
   </p:sldIdLst>
   <p:sldSz cx="12192000" cy="6858000"/>
   <p:notesSz cx="6858000" cy="9144000"/>
@@ -137,6 +138,7 @@
             <p14:sldId id="262"/>
             <p14:sldId id="266"/>
             <p14:sldId id="267"/>
+            <p14:sldId id="268"/>
           </p14:sldIdLst>
         </p14:section>
         <p14:section name="Open Telemetry" id="{48B0B115-B9DF-4647-AD04-F084920AEB36}">
@@ -3497,10 +3499,10 @@
       </p:grpSpPr>
       <p:sp>
         <p:nvSpPr>
-          <p:cNvPr id="4" name="Title 3">
-            <a:extLst>
-              <a:ext uri="{FF2B5EF4-FFF2-40B4-BE49-F238E27FC236}">
-                <a16:creationId xmlns:a16="http://schemas.microsoft.com/office/drawing/2014/main" id="{13AB46B6-6F9A-086E-4E9F-689A28982F82}"/>
+          <p:cNvPr id="2" name="Title 1">
+            <a:extLst>
+              <a:ext uri="{FF2B5EF4-FFF2-40B4-BE49-F238E27FC236}">
+                <a16:creationId xmlns:a16="http://schemas.microsoft.com/office/drawing/2014/main" id="{63A35F26-3E9D-AA43-3FCA-D6D73F3028A4}"/>
               </a:ext>
             </a:extLst>
           </p:cNvPr>
@@ -3517,42 +3519,91 @@
           <a:lstStyle/>
           <a:p>
             <a:r>
-              <a:rPr lang="en-GB" dirty="0"/>
-              <a:t>Open Telemetry Improvement</a:t>
-            </a:r>
-            <a:endParaRPr lang="en-AU" dirty="0"/>
-          </a:p>
-        </p:txBody>
-      </p:sp>
-      <p:sp>
-        <p:nvSpPr>
-          <p:cNvPr id="5" name="Text Placeholder 4">
-            <a:extLst>
-              <a:ext uri="{FF2B5EF4-FFF2-40B4-BE49-F238E27FC236}">
-                <a16:creationId xmlns:a16="http://schemas.microsoft.com/office/drawing/2014/main" id="{239FE560-E3D2-C5D4-7E61-3C34AC9F81A8}"/>
-              </a:ext>
-            </a:extLst>
-          </p:cNvPr>
-          <p:cNvSpPr>
-            <a:spLocks noGrp="1"/>
-          </p:cNvSpPr>
-          <p:nvPr>
-            <p:ph type="body" idx="1"/>
-          </p:nvPr>
-        </p:nvSpPr>
-        <p:spPr/>
-        <p:txBody>
-          <a:bodyPr/>
-          <a:lstStyle/>
-          <a:p>
-            <a:endParaRPr lang="en-AU"/>
+              <a:rPr lang="en-AU" dirty="0"/>
+              <a:t>Built on Polly - .NET resilience library</a:t>
+            </a:r>
+          </a:p>
+        </p:txBody>
+      </p:sp>
+      <p:sp>
+        <p:nvSpPr>
+          <p:cNvPr id="3" name="Content Placeholder 2">
+            <a:extLst>
+              <a:ext uri="{FF2B5EF4-FFF2-40B4-BE49-F238E27FC236}">
+                <a16:creationId xmlns:a16="http://schemas.microsoft.com/office/drawing/2014/main" id="{ED066E45-362E-2584-0DD0-76B5F5305028}"/>
+              </a:ext>
+            </a:extLst>
+          </p:cNvPr>
+          <p:cNvSpPr>
+            <a:spLocks noGrp="1"/>
+          </p:cNvSpPr>
+          <p:nvPr>
+            <p:ph idx="1"/>
+          </p:nvPr>
+        </p:nvSpPr>
+        <p:spPr/>
+        <p:txBody>
+          <a:bodyPr/>
+          <a:lstStyle/>
+          <a:p>
+            <a:r>
+              <a:rPr lang="en-AU" dirty="0"/>
+              <a:t>Handles Transient failures</a:t>
+            </a:r>
+          </a:p>
+          <a:p>
+            <a:r>
+              <a:rPr lang="en-AU" dirty="0"/>
+              <a:t>Protects system resources</a:t>
+            </a:r>
+          </a:p>
+          <a:p>
+            <a:r>
+              <a:rPr lang="en-AU" dirty="0"/>
+              <a:t>Policies that you can implement include:</a:t>
+            </a:r>
+          </a:p>
+          <a:p>
+            <a:pPr lvl="1"/>
+            <a:r>
+              <a:rPr lang="en-AU" dirty="0"/>
+              <a:t>Retry – Try again if something fails.</a:t>
+            </a:r>
+          </a:p>
+          <a:p>
+            <a:pPr lvl="1"/>
+            <a:r>
+              <a:rPr lang="en-AU" dirty="0"/>
+              <a:t>Circuit breaker – Stop trying if something is broken or busy.</a:t>
+            </a:r>
+          </a:p>
+          <a:p>
+            <a:pPr lvl="1"/>
+            <a:r>
+              <a:rPr lang="en-AU" dirty="0"/>
+              <a:t>Timeout – Give up if something takes too long.</a:t>
+            </a:r>
+          </a:p>
+          <a:p>
+            <a:pPr lvl="1"/>
+            <a:r>
+              <a:rPr lang="en-AU" dirty="0"/>
+              <a:t>Fallback – Do something else if something fails.</a:t>
+            </a:r>
+          </a:p>
+          <a:p>
+            <a:pPr lvl="1"/>
+            <a:r>
+              <a:rPr lang="en-AU" dirty="0"/>
+              <a:t>Rate limiting – Limit how many requests you make or accept.</a:t>
+            </a:r>
           </a:p>
         </p:txBody>
       </p:sp>
     </p:spTree>
     <p:extLst>
       <p:ext uri="{BB962C8B-B14F-4D97-AF65-F5344CB8AC3E}">
-        <p14:creationId xmlns:p14="http://schemas.microsoft.com/office/powerpoint/2010/main" val="3593118543"/>
+        <p14:creationId xmlns:p14="http://schemas.microsoft.com/office/powerpoint/2010/main" val="1294719519"/>
       </p:ext>
     </p:extLst>
   </p:cSld>
@@ -3584,6 +3635,90 @@
           <p:cNvPr id="4" name="Title 3">
             <a:extLst>
               <a:ext uri="{FF2B5EF4-FFF2-40B4-BE49-F238E27FC236}">
+                <a16:creationId xmlns:a16="http://schemas.microsoft.com/office/drawing/2014/main" id="{13AB46B6-6F9A-086E-4E9F-689A28982F82}"/>
+              </a:ext>
+            </a:extLst>
+          </p:cNvPr>
+          <p:cNvSpPr>
+            <a:spLocks noGrp="1"/>
+          </p:cNvSpPr>
+          <p:nvPr>
+            <p:ph type="title"/>
+          </p:nvPr>
+        </p:nvSpPr>
+        <p:spPr/>
+        <p:txBody>
+          <a:bodyPr/>
+          <a:lstStyle/>
+          <a:p>
+            <a:r>
+              <a:rPr lang="en-GB" dirty="0"/>
+              <a:t>Open Telemetry Improvements</a:t>
+            </a:r>
+            <a:endParaRPr lang="en-AU" dirty="0"/>
+          </a:p>
+        </p:txBody>
+      </p:sp>
+      <p:sp>
+        <p:nvSpPr>
+          <p:cNvPr id="5" name="Text Placeholder 4">
+            <a:extLst>
+              <a:ext uri="{FF2B5EF4-FFF2-40B4-BE49-F238E27FC236}">
+                <a16:creationId xmlns:a16="http://schemas.microsoft.com/office/drawing/2014/main" id="{239FE560-E3D2-C5D4-7E61-3C34AC9F81A8}"/>
+              </a:ext>
+            </a:extLst>
+          </p:cNvPr>
+          <p:cNvSpPr>
+            <a:spLocks noGrp="1"/>
+          </p:cNvSpPr>
+          <p:nvPr>
+            <p:ph type="body" idx="1"/>
+          </p:nvPr>
+        </p:nvSpPr>
+        <p:spPr/>
+        <p:txBody>
+          <a:bodyPr/>
+          <a:lstStyle/>
+          <a:p>
+            <a:endParaRPr lang="en-AU"/>
+          </a:p>
+        </p:txBody>
+      </p:sp>
+    </p:spTree>
+    <p:extLst>
+      <p:ext uri="{BB962C8B-B14F-4D97-AF65-F5344CB8AC3E}">
+        <p14:creationId xmlns:p14="http://schemas.microsoft.com/office/powerpoint/2010/main" val="3593118543"/>
+      </p:ext>
+    </p:extLst>
+  </p:cSld>
+  <p:clrMapOvr>
+    <a:masterClrMapping/>
+  </p:clrMapOvr>
+</p:sld>
+</file>
+
+<file path=ppt/slides/slide12.xml><?xml version="1.0" encoding="utf-8"?>
+<p:sld xmlns:a="http://schemas.openxmlformats.org/drawingml/2006/main" xmlns:r="http://schemas.openxmlformats.org/officeDocument/2006/relationships" xmlns:p="http://schemas.openxmlformats.org/presentationml/2006/main">
+  <p:cSld>
+    <p:spTree>
+      <p:nvGrpSpPr>
+        <p:cNvPr id="1" name=""/>
+        <p:cNvGrpSpPr/>
+        <p:nvPr/>
+      </p:nvGrpSpPr>
+      <p:grpSpPr>
+        <a:xfrm>
+          <a:off x="0" y="0"/>
+          <a:ext cx="0" cy="0"/>
+          <a:chOff x="0" y="0"/>
+          <a:chExt cx="0" cy="0"/>
+        </a:xfrm>
+      </p:grpSpPr>
+      <p:sp>
+        <p:nvSpPr>
+          <p:cNvPr id="4" name="Title 3">
+            <a:extLst>
+              <a:ext uri="{FF2B5EF4-FFF2-40B4-BE49-F238E27FC236}">
                 <a16:creationId xmlns:a16="http://schemas.microsoft.com/office/drawing/2014/main" id="{AA1C4710-A126-C372-A67C-F36740142F95}"/>
               </a:ext>
             </a:extLst>
@@ -3646,7 +3781,7 @@
 </p:sld>
 </file>
 
-<file path=ppt/slides/slide12.xml><?xml version="1.0" encoding="utf-8"?>
+<file path=ppt/slides/slide13.xml><?xml version="1.0" encoding="utf-8"?>
 <p:sld xmlns:a="http://schemas.openxmlformats.org/drawingml/2006/main" xmlns:r="http://schemas.openxmlformats.org/officeDocument/2006/relationships" xmlns:p="http://schemas.openxmlformats.org/presentationml/2006/main">
   <p:cSld>
     <p:spTree>

--- a/whats-new-cloud-native-dev-dotnet8/slide_deck.pptx
+++ b/whats-new-cloud-native-dev-dotnet8/slide_deck.pptx
@@ -157,6 +157,9 @@
           </p14:sldIdLst>
         </p14:section>
       </p14:sectionLst>
+    </p:ext>
+    <p:ext uri="{EFAFB233-063F-42B5-8137-9DF3F51BA10A}">
+      <p15:sldGuideLst xmlns:p15="http://schemas.microsoft.com/office/powerpoint/2012/main"/>
     </p:ext>
   </p:extLst>
 </p:presentation>
@@ -3811,7 +3814,7 @@
             <a:spLocks noGrp="1"/>
           </p:cNvSpPr>
           <p:nvPr>
-            <p:ph type="title"/>
+            <p:ph type="ctrTitle"/>
           </p:nvPr>
         </p:nvSpPr>
         <p:spPr/>
@@ -3829,26 +3832,29 @@
       </p:sp>
       <p:sp>
         <p:nvSpPr>
-          <p:cNvPr id="5" name="Text Placeholder 4">
-            <a:extLst>
-              <a:ext uri="{FF2B5EF4-FFF2-40B4-BE49-F238E27FC236}">
-                <a16:creationId xmlns:a16="http://schemas.microsoft.com/office/drawing/2014/main" id="{CE50B6DF-6DBF-0DDD-ADCC-3B1838432CBF}"/>
-              </a:ext>
-            </a:extLst>
-          </p:cNvPr>
-          <p:cNvSpPr>
-            <a:spLocks noGrp="1"/>
-          </p:cNvSpPr>
-          <p:nvPr>
-            <p:ph type="body" idx="1"/>
-          </p:nvPr>
-        </p:nvSpPr>
-        <p:spPr/>
-        <p:txBody>
-          <a:bodyPr/>
-          <a:lstStyle/>
-          <a:p>
-            <a:endParaRPr lang="en-AU"/>
+          <p:cNvPr id="2" name="Subtitle 1">
+            <a:extLst>
+              <a:ext uri="{FF2B5EF4-FFF2-40B4-BE49-F238E27FC236}">
+                <a16:creationId xmlns:a16="http://schemas.microsoft.com/office/drawing/2014/main" id="{8DE72F54-D803-AEE7-D706-6F1C1F30C03F}"/>
+              </a:ext>
+            </a:extLst>
+          </p:cNvPr>
+          <p:cNvSpPr>
+            <a:spLocks noGrp="1"/>
+          </p:cNvSpPr>
+          <p:nvPr>
+            <p:ph type="subTitle" idx="1"/>
+          </p:nvPr>
+        </p:nvSpPr>
+        <p:spPr/>
+        <p:txBody>
+          <a:bodyPr/>
+          <a:lstStyle/>
+          <a:p>
+            <a:r>
+              <a:rPr lang="en-NZ"/>
+              <a:t>https://github.com/willvelida/talks/tree/main/whats-new-cloud-native-dev-dotnet8</a:t>
+            </a:r>
           </a:p>
         </p:txBody>
       </p:sp>

--- a/whats-new-cloud-native-dev-dotnet8/slide_deck.pptx
+++ b/whats-new-cloud-native-dev-dotnet8/slide_deck.pptx
@@ -4,20 +4,26 @@
   <p:sldMasterIdLst>
     <p:sldMasterId id="2147483648" r:id="rId1"/>
   </p:sldMasterIdLst>
+  <p:notesMasterIdLst>
+    <p:notesMasterId r:id="rId18"/>
+  </p:notesMasterIdLst>
   <p:sldIdLst>
     <p:sldId id="256" r:id="rId2"/>
     <p:sldId id="257" r:id="rId3"/>
     <p:sldId id="258" r:id="rId4"/>
     <p:sldId id="263" r:id="rId5"/>
-    <p:sldId id="264" r:id="rId6"/>
-    <p:sldId id="265" r:id="rId7"/>
-    <p:sldId id="262" r:id="rId8"/>
-    <p:sldId id="266" r:id="rId9"/>
-    <p:sldId id="267" r:id="rId10"/>
-    <p:sldId id="268" r:id="rId11"/>
-    <p:sldId id="261" r:id="rId12"/>
-    <p:sldId id="260" r:id="rId13"/>
-    <p:sldId id="259" r:id="rId14"/>
+    <p:sldId id="265" r:id="rId6"/>
+    <p:sldId id="269" r:id="rId7"/>
+    <p:sldId id="270" r:id="rId8"/>
+    <p:sldId id="262" r:id="rId9"/>
+    <p:sldId id="266" r:id="rId10"/>
+    <p:sldId id="267" r:id="rId11"/>
+    <p:sldId id="268" r:id="rId12"/>
+    <p:sldId id="272" r:id="rId13"/>
+    <p:sldId id="271" r:id="rId14"/>
+    <p:sldId id="261" r:id="rId15"/>
+    <p:sldId id="260" r:id="rId16"/>
+    <p:sldId id="259" r:id="rId17"/>
   </p:sldIdLst>
   <p:sldSz cx="12192000" cy="6858000"/>
   <p:notesSz cx="6858000" cy="9144000"/>
@@ -129,8 +135,9 @@
         <p14:section name="Native AOT" id="{31F51142-40B7-4CEE-962D-6F37FAD3A7A2}">
           <p14:sldIdLst>
             <p14:sldId id="263"/>
-            <p14:sldId id="264"/>
             <p14:sldId id="265"/>
+            <p14:sldId id="269"/>
+            <p14:sldId id="270"/>
           </p14:sldIdLst>
         </p14:section>
         <p14:section name="Resiliency" id="{AC5EC272-2D1B-468A-A6E1-5B9681C049E7}">
@@ -139,6 +146,8 @@
             <p14:sldId id="266"/>
             <p14:sldId id="267"/>
             <p14:sldId id="268"/>
+            <p14:sldId id="272"/>
+            <p14:sldId id="271"/>
           </p14:sldIdLst>
         </p14:section>
         <p14:section name="Open Telemetry" id="{48B0B115-B9DF-4647-AD04-F084920AEB36}">
@@ -163,6 +172,1127 @@
     </p:ext>
   </p:extLst>
 </p:presentation>
+</file>
+
+<file path=ppt/notesMasters/notesMaster1.xml><?xml version="1.0" encoding="utf-8"?>
+<p:notesMaster xmlns:a="http://schemas.openxmlformats.org/drawingml/2006/main" xmlns:r="http://schemas.openxmlformats.org/officeDocument/2006/relationships" xmlns:p="http://schemas.openxmlformats.org/presentationml/2006/main">
+  <p:cSld>
+    <p:bg>
+      <p:bgRef idx="1001">
+        <a:schemeClr val="bg1"/>
+      </p:bgRef>
+    </p:bg>
+    <p:spTree>
+      <p:nvGrpSpPr>
+        <p:cNvPr id="1" name=""/>
+        <p:cNvGrpSpPr/>
+        <p:nvPr/>
+      </p:nvGrpSpPr>
+      <p:grpSpPr>
+        <a:xfrm>
+          <a:off x="0" y="0"/>
+          <a:ext cx="0" cy="0"/>
+          <a:chOff x="0" y="0"/>
+          <a:chExt cx="0" cy="0"/>
+        </a:xfrm>
+      </p:grpSpPr>
+      <p:sp>
+        <p:nvSpPr>
+          <p:cNvPr id="2" name="Header Placeholder 1"/>
+          <p:cNvSpPr>
+            <a:spLocks noGrp="1"/>
+          </p:cNvSpPr>
+          <p:nvPr>
+            <p:ph type="hdr" sz="quarter"/>
+          </p:nvPr>
+        </p:nvSpPr>
+        <p:spPr>
+          <a:xfrm>
+            <a:off x="0" y="0"/>
+            <a:ext cx="2971800" cy="458788"/>
+          </a:xfrm>
+          <a:prstGeom prst="rect">
+            <a:avLst/>
+          </a:prstGeom>
+        </p:spPr>
+        <p:txBody>
+          <a:bodyPr vert="horz" lIns="91440" tIns="45720" rIns="91440" bIns="45720" rtlCol="0"/>
+          <a:lstStyle>
+            <a:lvl1pPr algn="l">
+              <a:defRPr sz="1200"/>
+            </a:lvl1pPr>
+          </a:lstStyle>
+          <a:p>
+            <a:endParaRPr lang="en-NZ"/>
+          </a:p>
+        </p:txBody>
+      </p:sp>
+      <p:sp>
+        <p:nvSpPr>
+          <p:cNvPr id="3" name="Date Placeholder 2"/>
+          <p:cNvSpPr>
+            <a:spLocks noGrp="1"/>
+          </p:cNvSpPr>
+          <p:nvPr>
+            <p:ph type="dt" idx="1"/>
+          </p:nvPr>
+        </p:nvSpPr>
+        <p:spPr>
+          <a:xfrm>
+            <a:off x="3884613" y="0"/>
+            <a:ext cx="2971800" cy="458788"/>
+          </a:xfrm>
+          <a:prstGeom prst="rect">
+            <a:avLst/>
+          </a:prstGeom>
+        </p:spPr>
+        <p:txBody>
+          <a:bodyPr vert="horz" lIns="91440" tIns="45720" rIns="91440" bIns="45720" rtlCol="0"/>
+          <a:lstStyle>
+            <a:lvl1pPr algn="r">
+              <a:defRPr sz="1200"/>
+            </a:lvl1pPr>
+          </a:lstStyle>
+          <a:p>
+            <a:fld id="{4E9EBDE7-6793-4FAE-98E5-AABB28AEFCC5}" type="datetimeFigureOut">
+              <a:rPr lang="en-NZ" smtClean="0"/>
+              <a:t>5/12/2023</a:t>
+            </a:fld>
+            <a:endParaRPr lang="en-NZ"/>
+          </a:p>
+        </p:txBody>
+      </p:sp>
+      <p:sp>
+        <p:nvSpPr>
+          <p:cNvPr id="4" name="Slide Image Placeholder 3"/>
+          <p:cNvSpPr>
+            <a:spLocks noGrp="1" noRot="1" noChangeAspect="1"/>
+          </p:cNvSpPr>
+          <p:nvPr>
+            <p:ph type="sldImg" idx="2"/>
+          </p:nvPr>
+        </p:nvSpPr>
+        <p:spPr>
+          <a:xfrm>
+            <a:off x="685800" y="1143000"/>
+            <a:ext cx="5486400" cy="3086100"/>
+          </a:xfrm>
+          <a:prstGeom prst="rect">
+            <a:avLst/>
+          </a:prstGeom>
+          <a:noFill/>
+          <a:ln w="12700">
+            <a:solidFill>
+              <a:prstClr val="black"/>
+            </a:solidFill>
+          </a:ln>
+        </p:spPr>
+        <p:txBody>
+          <a:bodyPr vert="horz" lIns="91440" tIns="45720" rIns="91440" bIns="45720" rtlCol="0" anchor="ctr"/>
+          <a:lstStyle/>
+          <a:p>
+            <a:endParaRPr lang="en-NZ"/>
+          </a:p>
+        </p:txBody>
+      </p:sp>
+      <p:sp>
+        <p:nvSpPr>
+          <p:cNvPr id="5" name="Notes Placeholder 4"/>
+          <p:cNvSpPr>
+            <a:spLocks noGrp="1"/>
+          </p:cNvSpPr>
+          <p:nvPr>
+            <p:ph type="body" sz="quarter" idx="3"/>
+          </p:nvPr>
+        </p:nvSpPr>
+        <p:spPr>
+          <a:xfrm>
+            <a:off x="685800" y="4400550"/>
+            <a:ext cx="5486400" cy="3600450"/>
+          </a:xfrm>
+          <a:prstGeom prst="rect">
+            <a:avLst/>
+          </a:prstGeom>
+        </p:spPr>
+        <p:txBody>
+          <a:bodyPr vert="horz" lIns="91440" tIns="45720" rIns="91440" bIns="45720" rtlCol="0"/>
+          <a:lstStyle/>
+          <a:p>
+            <a:pPr lvl="0"/>
+            <a:r>
+              <a:rPr lang="en-US"/>
+              <a:t>Click to edit Master text styles</a:t>
+            </a:r>
+          </a:p>
+          <a:p>
+            <a:pPr lvl="1"/>
+            <a:r>
+              <a:rPr lang="en-US"/>
+              <a:t>Second level</a:t>
+            </a:r>
+          </a:p>
+          <a:p>
+            <a:pPr lvl="2"/>
+            <a:r>
+              <a:rPr lang="en-US"/>
+              <a:t>Third level</a:t>
+            </a:r>
+          </a:p>
+          <a:p>
+            <a:pPr lvl="3"/>
+            <a:r>
+              <a:rPr lang="en-US"/>
+              <a:t>Fourth level</a:t>
+            </a:r>
+          </a:p>
+          <a:p>
+            <a:pPr lvl="4"/>
+            <a:r>
+              <a:rPr lang="en-US"/>
+              <a:t>Fifth level</a:t>
+            </a:r>
+            <a:endParaRPr lang="en-NZ"/>
+          </a:p>
+        </p:txBody>
+      </p:sp>
+      <p:sp>
+        <p:nvSpPr>
+          <p:cNvPr id="6" name="Footer Placeholder 5"/>
+          <p:cNvSpPr>
+            <a:spLocks noGrp="1"/>
+          </p:cNvSpPr>
+          <p:nvPr>
+            <p:ph type="ftr" sz="quarter" idx="4"/>
+          </p:nvPr>
+        </p:nvSpPr>
+        <p:spPr>
+          <a:xfrm>
+            <a:off x="0" y="8685213"/>
+            <a:ext cx="2971800" cy="458787"/>
+          </a:xfrm>
+          <a:prstGeom prst="rect">
+            <a:avLst/>
+          </a:prstGeom>
+        </p:spPr>
+        <p:txBody>
+          <a:bodyPr vert="horz" lIns="91440" tIns="45720" rIns="91440" bIns="45720" rtlCol="0" anchor="b"/>
+          <a:lstStyle>
+            <a:lvl1pPr algn="l">
+              <a:defRPr sz="1200"/>
+            </a:lvl1pPr>
+          </a:lstStyle>
+          <a:p>
+            <a:endParaRPr lang="en-NZ"/>
+          </a:p>
+        </p:txBody>
+      </p:sp>
+      <p:sp>
+        <p:nvSpPr>
+          <p:cNvPr id="7" name="Slide Number Placeholder 6"/>
+          <p:cNvSpPr>
+            <a:spLocks noGrp="1"/>
+          </p:cNvSpPr>
+          <p:nvPr>
+            <p:ph type="sldNum" sz="quarter" idx="5"/>
+          </p:nvPr>
+        </p:nvSpPr>
+        <p:spPr>
+          <a:xfrm>
+            <a:off x="3884613" y="8685213"/>
+            <a:ext cx="2971800" cy="458787"/>
+          </a:xfrm>
+          <a:prstGeom prst="rect">
+            <a:avLst/>
+          </a:prstGeom>
+        </p:spPr>
+        <p:txBody>
+          <a:bodyPr vert="horz" lIns="91440" tIns="45720" rIns="91440" bIns="45720" rtlCol="0" anchor="b"/>
+          <a:lstStyle>
+            <a:lvl1pPr algn="r">
+              <a:defRPr sz="1200"/>
+            </a:lvl1pPr>
+          </a:lstStyle>
+          <a:p>
+            <a:fld id="{360642DD-F651-47DC-B7D5-5290C747C85D}" type="slidenum">
+              <a:rPr lang="en-NZ" smtClean="0"/>
+              <a:t>‹#›</a:t>
+            </a:fld>
+            <a:endParaRPr lang="en-NZ"/>
+          </a:p>
+        </p:txBody>
+      </p:sp>
+    </p:spTree>
+    <p:extLst>
+      <p:ext uri="{BB962C8B-B14F-4D97-AF65-F5344CB8AC3E}">
+        <p14:creationId xmlns:p14="http://schemas.microsoft.com/office/powerpoint/2010/main" val="508721885"/>
+      </p:ext>
+    </p:extLst>
+  </p:cSld>
+  <p:clrMap bg1="lt1" tx1="dk1" bg2="lt2" tx2="dk2" accent1="accent1" accent2="accent2" accent3="accent3" accent4="accent4" accent5="accent5" accent6="accent6" hlink="hlink" folHlink="folHlink"/>
+  <p:notesStyle>
+    <a:lvl1pPr marL="0" algn="l" defTabSz="914400" rtl="0" eaLnBrk="1" latinLnBrk="0" hangingPunct="1">
+      <a:defRPr sz="1200" kern="1200">
+        <a:solidFill>
+          <a:schemeClr val="tx1"/>
+        </a:solidFill>
+        <a:latin typeface="+mn-lt"/>
+        <a:ea typeface="+mn-ea"/>
+        <a:cs typeface="+mn-cs"/>
+      </a:defRPr>
+    </a:lvl1pPr>
+    <a:lvl2pPr marL="457200" algn="l" defTabSz="914400" rtl="0" eaLnBrk="1" latinLnBrk="0" hangingPunct="1">
+      <a:defRPr sz="1200" kern="1200">
+        <a:solidFill>
+          <a:schemeClr val="tx1"/>
+        </a:solidFill>
+        <a:latin typeface="+mn-lt"/>
+        <a:ea typeface="+mn-ea"/>
+        <a:cs typeface="+mn-cs"/>
+      </a:defRPr>
+    </a:lvl2pPr>
+    <a:lvl3pPr marL="914400" algn="l" defTabSz="914400" rtl="0" eaLnBrk="1" latinLnBrk="0" hangingPunct="1">
+      <a:defRPr sz="1200" kern="1200">
+        <a:solidFill>
+          <a:schemeClr val="tx1"/>
+        </a:solidFill>
+        <a:latin typeface="+mn-lt"/>
+        <a:ea typeface="+mn-ea"/>
+        <a:cs typeface="+mn-cs"/>
+      </a:defRPr>
+    </a:lvl3pPr>
+    <a:lvl4pPr marL="1371600" algn="l" defTabSz="914400" rtl="0" eaLnBrk="1" latinLnBrk="0" hangingPunct="1">
+      <a:defRPr sz="1200" kern="1200">
+        <a:solidFill>
+          <a:schemeClr val="tx1"/>
+        </a:solidFill>
+        <a:latin typeface="+mn-lt"/>
+        <a:ea typeface="+mn-ea"/>
+        <a:cs typeface="+mn-cs"/>
+      </a:defRPr>
+    </a:lvl4pPr>
+    <a:lvl5pPr marL="1828800" algn="l" defTabSz="914400" rtl="0" eaLnBrk="1" latinLnBrk="0" hangingPunct="1">
+      <a:defRPr sz="1200" kern="1200">
+        <a:solidFill>
+          <a:schemeClr val="tx1"/>
+        </a:solidFill>
+        <a:latin typeface="+mn-lt"/>
+        <a:ea typeface="+mn-ea"/>
+        <a:cs typeface="+mn-cs"/>
+      </a:defRPr>
+    </a:lvl5pPr>
+    <a:lvl6pPr marL="2286000" algn="l" defTabSz="914400" rtl="0" eaLnBrk="1" latinLnBrk="0" hangingPunct="1">
+      <a:defRPr sz="1200" kern="1200">
+        <a:solidFill>
+          <a:schemeClr val="tx1"/>
+        </a:solidFill>
+        <a:latin typeface="+mn-lt"/>
+        <a:ea typeface="+mn-ea"/>
+        <a:cs typeface="+mn-cs"/>
+      </a:defRPr>
+    </a:lvl6pPr>
+    <a:lvl7pPr marL="2743200" algn="l" defTabSz="914400" rtl="0" eaLnBrk="1" latinLnBrk="0" hangingPunct="1">
+      <a:defRPr sz="1200" kern="1200">
+        <a:solidFill>
+          <a:schemeClr val="tx1"/>
+        </a:solidFill>
+        <a:latin typeface="+mn-lt"/>
+        <a:ea typeface="+mn-ea"/>
+        <a:cs typeface="+mn-cs"/>
+      </a:defRPr>
+    </a:lvl7pPr>
+    <a:lvl8pPr marL="3200400" algn="l" defTabSz="914400" rtl="0" eaLnBrk="1" latinLnBrk="0" hangingPunct="1">
+      <a:defRPr sz="1200" kern="1200">
+        <a:solidFill>
+          <a:schemeClr val="tx1"/>
+        </a:solidFill>
+        <a:latin typeface="+mn-lt"/>
+        <a:ea typeface="+mn-ea"/>
+        <a:cs typeface="+mn-cs"/>
+      </a:defRPr>
+    </a:lvl8pPr>
+    <a:lvl9pPr marL="3657600" algn="l" defTabSz="914400" rtl="0" eaLnBrk="1" latinLnBrk="0" hangingPunct="1">
+      <a:defRPr sz="1200" kern="1200">
+        <a:solidFill>
+          <a:schemeClr val="tx1"/>
+        </a:solidFill>
+        <a:latin typeface="+mn-lt"/>
+        <a:ea typeface="+mn-ea"/>
+        <a:cs typeface="+mn-cs"/>
+      </a:defRPr>
+    </a:lvl9pPr>
+  </p:notesStyle>
+</p:notesMaster>
+</file>
+
+<file path=ppt/notesSlides/notesSlide1.xml><?xml version="1.0" encoding="utf-8"?>
+<p:notes xmlns:a="http://schemas.openxmlformats.org/drawingml/2006/main" xmlns:r="http://schemas.openxmlformats.org/officeDocument/2006/relationships" xmlns:p="http://schemas.openxmlformats.org/presentationml/2006/main">
+  <p:cSld>
+    <p:spTree>
+      <p:nvGrpSpPr>
+        <p:cNvPr id="1" name=""/>
+        <p:cNvGrpSpPr/>
+        <p:nvPr/>
+      </p:nvGrpSpPr>
+      <p:grpSpPr>
+        <a:xfrm>
+          <a:off x="0" y="0"/>
+          <a:ext cx="0" cy="0"/>
+          <a:chOff x="0" y="0"/>
+          <a:chExt cx="0" cy="0"/>
+        </a:xfrm>
+      </p:grpSpPr>
+      <p:sp>
+        <p:nvSpPr>
+          <p:cNvPr id="2" name="Slide Image Placeholder 1"/>
+          <p:cNvSpPr>
+            <a:spLocks noGrp="1" noRot="1" noChangeAspect="1"/>
+          </p:cNvSpPr>
+          <p:nvPr>
+            <p:ph type="sldImg"/>
+          </p:nvPr>
+        </p:nvSpPr>
+        <p:spPr/>
+      </p:sp>
+      <p:sp>
+        <p:nvSpPr>
+          <p:cNvPr id="3" name="Notes Placeholder 2"/>
+          <p:cNvSpPr>
+            <a:spLocks noGrp="1"/>
+          </p:cNvSpPr>
+          <p:nvPr>
+            <p:ph type="body" idx="1"/>
+          </p:nvPr>
+        </p:nvSpPr>
+        <p:spPr/>
+        <p:txBody>
+          <a:bodyPr/>
+          <a:lstStyle/>
+          <a:p>
+            <a:r>
+              <a:rPr lang="en-NZ" dirty="0"/>
+              <a:t>Publishing your app as Native AOT produces an app that’s self contained and that has been ahead-of-time complied to native code.</a:t>
+            </a:r>
+          </a:p>
+          <a:p>
+            <a:r>
+              <a:rPr lang="en-NZ" dirty="0"/>
+              <a:t>They have faster startup time and smaller memory footprints</a:t>
+            </a:r>
+          </a:p>
+          <a:p>
+            <a:r>
+              <a:rPr lang="en-NZ" dirty="0"/>
+              <a:t>These apps can run on machines that don’t have the .NET runtime installed.</a:t>
+            </a:r>
+          </a:p>
+          <a:p>
+            <a:r>
+              <a:rPr lang="en-NZ" dirty="0"/>
+              <a:t>The Native AOT deployment model uses a ahead-of-time complier to compile intermediate language to native code at time of publish.</a:t>
+            </a:r>
+          </a:p>
+          <a:p>
+            <a:r>
+              <a:rPr lang="en-NZ" dirty="0"/>
+              <a:t>Native AOT apps don’t use a just in time complier when the application runs, meaning they can run in restricted environments where a JIT isn’t allowed.</a:t>
+            </a:r>
+          </a:p>
+          <a:p>
+            <a:r>
+              <a:rPr lang="en-NZ" dirty="0"/>
+              <a:t>They target a specific runtime environment, such as Linux x64 or Windows x64</a:t>
+            </a:r>
+          </a:p>
+        </p:txBody>
+      </p:sp>
+      <p:sp>
+        <p:nvSpPr>
+          <p:cNvPr id="4" name="Slide Number Placeholder 3"/>
+          <p:cNvSpPr>
+            <a:spLocks noGrp="1"/>
+          </p:cNvSpPr>
+          <p:nvPr>
+            <p:ph type="sldNum" sz="quarter" idx="5"/>
+          </p:nvPr>
+        </p:nvSpPr>
+        <p:spPr/>
+        <p:txBody>
+          <a:bodyPr/>
+          <a:lstStyle/>
+          <a:p>
+            <a:fld id="{360642DD-F651-47DC-B7D5-5290C747C85D}" type="slidenum">
+              <a:rPr lang="en-NZ" smtClean="0"/>
+              <a:t>5</a:t>
+            </a:fld>
+            <a:endParaRPr lang="en-NZ"/>
+          </a:p>
+        </p:txBody>
+      </p:sp>
+    </p:spTree>
+    <p:extLst>
+      <p:ext uri="{BB962C8B-B14F-4D97-AF65-F5344CB8AC3E}">
+        <p14:creationId xmlns:p14="http://schemas.microsoft.com/office/powerpoint/2010/main" val="1498991141"/>
+      </p:ext>
+    </p:extLst>
+  </p:cSld>
+  <p:clrMapOvr>
+    <a:masterClrMapping/>
+  </p:clrMapOvr>
+</p:notes>
+</file>
+
+<file path=ppt/notesSlides/notesSlide2.xml><?xml version="1.0" encoding="utf-8"?>
+<p:notes xmlns:a="http://schemas.openxmlformats.org/drawingml/2006/main" xmlns:r="http://schemas.openxmlformats.org/officeDocument/2006/relationships" xmlns:p="http://schemas.openxmlformats.org/presentationml/2006/main">
+  <p:cSld>
+    <p:spTree>
+      <p:nvGrpSpPr>
+        <p:cNvPr id="1" name=""/>
+        <p:cNvGrpSpPr/>
+        <p:nvPr/>
+      </p:nvGrpSpPr>
+      <p:grpSpPr>
+        <a:xfrm>
+          <a:off x="0" y="0"/>
+          <a:ext cx="0" cy="0"/>
+          <a:chOff x="0" y="0"/>
+          <a:chExt cx="0" cy="0"/>
+        </a:xfrm>
+      </p:grpSpPr>
+      <p:sp>
+        <p:nvSpPr>
+          <p:cNvPr id="2" name="Slide Image Placeholder 1"/>
+          <p:cNvSpPr>
+            <a:spLocks noGrp="1" noRot="1" noChangeAspect="1"/>
+          </p:cNvSpPr>
+          <p:nvPr>
+            <p:ph type="sldImg"/>
+          </p:nvPr>
+        </p:nvSpPr>
+        <p:spPr/>
+      </p:sp>
+      <p:sp>
+        <p:nvSpPr>
+          <p:cNvPr id="3" name="Notes Placeholder 2"/>
+          <p:cNvSpPr>
+            <a:spLocks noGrp="1"/>
+          </p:cNvSpPr>
+          <p:nvPr>
+            <p:ph type="body" idx="1"/>
+          </p:nvPr>
+        </p:nvSpPr>
+        <p:spPr/>
+        <p:txBody>
+          <a:bodyPr/>
+          <a:lstStyle/>
+          <a:p>
+            <a:r>
+              <a:rPr lang="en-NZ" dirty="0"/>
+              <a:t>Publishing and deploying a native AOT app gives us the following benefits:</a:t>
+            </a:r>
+          </a:p>
+          <a:p>
+            <a:endParaRPr lang="en-NZ" dirty="0"/>
+          </a:p>
+          <a:p>
+            <a:r>
+              <a:rPr lang="en-NZ" dirty="0"/>
+              <a:t>- when publishing with native AOT, a single executable is produced containing just the code from external dependencies need to support the program. This reduced size leads to smaller container images and reduced deployment time from smaller images.</a:t>
+            </a:r>
+          </a:p>
+          <a:p>
+            <a:r>
+              <a:rPr lang="en-NZ" dirty="0"/>
+              <a:t>- Native AOT apps can show a reduced start-up time, which means the app can serve requests quicker, and it can improve deployment where container orchestrators need to manage transition from one version of the app to another.</a:t>
+            </a:r>
+          </a:p>
+          <a:p>
+            <a:r>
+              <a:rPr lang="en-NZ" dirty="0"/>
+              <a:t>- Native AOT apps can have reduced memory demands, depending on the workload. This can lead to greater deployment density and improved scalability.</a:t>
+            </a:r>
+          </a:p>
+        </p:txBody>
+      </p:sp>
+      <p:sp>
+        <p:nvSpPr>
+          <p:cNvPr id="4" name="Slide Number Placeholder 3"/>
+          <p:cNvSpPr>
+            <a:spLocks noGrp="1"/>
+          </p:cNvSpPr>
+          <p:nvPr>
+            <p:ph type="sldNum" sz="quarter" idx="5"/>
+          </p:nvPr>
+        </p:nvSpPr>
+        <p:spPr/>
+        <p:txBody>
+          <a:bodyPr/>
+          <a:lstStyle/>
+          <a:p>
+            <a:fld id="{360642DD-F651-47DC-B7D5-5290C747C85D}" type="slidenum">
+              <a:rPr lang="en-NZ" smtClean="0"/>
+              <a:t>6</a:t>
+            </a:fld>
+            <a:endParaRPr lang="en-NZ"/>
+          </a:p>
+        </p:txBody>
+      </p:sp>
+    </p:spTree>
+    <p:extLst>
+      <p:ext uri="{BB962C8B-B14F-4D97-AF65-F5344CB8AC3E}">
+        <p14:creationId xmlns:p14="http://schemas.microsoft.com/office/powerpoint/2010/main" val="2467045901"/>
+      </p:ext>
+    </p:extLst>
+  </p:cSld>
+  <p:clrMapOvr>
+    <a:masterClrMapping/>
+  </p:clrMapOvr>
+</p:notes>
+</file>
+
+<file path=ppt/notesSlides/notesSlide3.xml><?xml version="1.0" encoding="utf-8"?>
+<p:notes xmlns:a="http://schemas.openxmlformats.org/drawingml/2006/main" xmlns:r="http://schemas.openxmlformats.org/officeDocument/2006/relationships" xmlns:p="http://schemas.openxmlformats.org/presentationml/2006/main">
+  <p:cSld>
+    <p:spTree>
+      <p:nvGrpSpPr>
+        <p:cNvPr id="1" name=""/>
+        <p:cNvGrpSpPr/>
+        <p:nvPr/>
+      </p:nvGrpSpPr>
+      <p:grpSpPr>
+        <a:xfrm>
+          <a:off x="0" y="0"/>
+          <a:ext cx="0" cy="0"/>
+          <a:chOff x="0" y="0"/>
+          <a:chExt cx="0" cy="0"/>
+        </a:xfrm>
+      </p:grpSpPr>
+      <p:sp>
+        <p:nvSpPr>
+          <p:cNvPr id="2" name="Slide Image Placeholder 1"/>
+          <p:cNvSpPr>
+            <a:spLocks noGrp="1" noRot="1" noChangeAspect="1"/>
+          </p:cNvSpPr>
+          <p:nvPr>
+            <p:ph type="sldImg"/>
+          </p:nvPr>
+        </p:nvSpPr>
+        <p:spPr/>
+      </p:sp>
+      <p:sp>
+        <p:nvSpPr>
+          <p:cNvPr id="3" name="Notes Placeholder 2"/>
+          <p:cNvSpPr>
+            <a:spLocks noGrp="1"/>
+          </p:cNvSpPr>
+          <p:nvPr>
+            <p:ph type="body" idx="1"/>
+          </p:nvPr>
+        </p:nvSpPr>
+        <p:spPr/>
+        <p:txBody>
+          <a:bodyPr/>
+          <a:lstStyle/>
+          <a:p>
+            <a:endParaRPr lang="en-NZ" dirty="0"/>
+          </a:p>
+        </p:txBody>
+      </p:sp>
+      <p:sp>
+        <p:nvSpPr>
+          <p:cNvPr id="4" name="Slide Number Placeholder 3"/>
+          <p:cNvSpPr>
+            <a:spLocks noGrp="1"/>
+          </p:cNvSpPr>
+          <p:nvPr>
+            <p:ph type="sldNum" sz="quarter" idx="5"/>
+          </p:nvPr>
+        </p:nvSpPr>
+        <p:spPr/>
+        <p:txBody>
+          <a:bodyPr/>
+          <a:lstStyle/>
+          <a:p>
+            <a:fld id="{360642DD-F651-47DC-B7D5-5290C747C85D}" type="slidenum">
+              <a:rPr lang="en-NZ" smtClean="0"/>
+              <a:t>7</a:t>
+            </a:fld>
+            <a:endParaRPr lang="en-NZ"/>
+          </a:p>
+        </p:txBody>
+      </p:sp>
+    </p:spTree>
+    <p:extLst>
+      <p:ext uri="{BB962C8B-B14F-4D97-AF65-F5344CB8AC3E}">
+        <p14:creationId xmlns:p14="http://schemas.microsoft.com/office/powerpoint/2010/main" val="1398543727"/>
+      </p:ext>
+    </p:extLst>
+  </p:cSld>
+  <p:clrMapOvr>
+    <a:masterClrMapping/>
+  </p:clrMapOvr>
+</p:notes>
+</file>
+
+<file path=ppt/notesSlides/notesSlide4.xml><?xml version="1.0" encoding="utf-8"?>
+<p:notes xmlns:a="http://schemas.openxmlformats.org/drawingml/2006/main" xmlns:r="http://schemas.openxmlformats.org/officeDocument/2006/relationships" xmlns:p="http://schemas.openxmlformats.org/presentationml/2006/main">
+  <p:cSld>
+    <p:spTree>
+      <p:nvGrpSpPr>
+        <p:cNvPr id="1" name=""/>
+        <p:cNvGrpSpPr/>
+        <p:nvPr/>
+      </p:nvGrpSpPr>
+      <p:grpSpPr>
+        <a:xfrm>
+          <a:off x="0" y="0"/>
+          <a:ext cx="0" cy="0"/>
+          <a:chOff x="0" y="0"/>
+          <a:chExt cx="0" cy="0"/>
+        </a:xfrm>
+      </p:grpSpPr>
+      <p:sp>
+        <p:nvSpPr>
+          <p:cNvPr id="2" name="Slide Image Placeholder 1"/>
+          <p:cNvSpPr>
+            <a:spLocks noGrp="1" noRot="1" noChangeAspect="1"/>
+          </p:cNvSpPr>
+          <p:nvPr>
+            <p:ph type="sldImg"/>
+          </p:nvPr>
+        </p:nvSpPr>
+        <p:spPr/>
+      </p:sp>
+      <p:sp>
+        <p:nvSpPr>
+          <p:cNvPr id="3" name="Notes Placeholder 2"/>
+          <p:cNvSpPr>
+            <a:spLocks noGrp="1"/>
+          </p:cNvSpPr>
+          <p:nvPr>
+            <p:ph type="body" idx="1"/>
+          </p:nvPr>
+        </p:nvSpPr>
+        <p:spPr/>
+        <p:txBody>
+          <a:bodyPr/>
+          <a:lstStyle/>
+          <a:p>
+            <a:r>
+              <a:rPr lang="en-NZ" dirty="0"/>
+              <a:t>One thing we can be sure of about when we deploy cloud services is that failures will always happen.</a:t>
+            </a:r>
+          </a:p>
+          <a:p>
+            <a:r>
+              <a:rPr lang="en-NZ" dirty="0"/>
+              <a:t>They could be network outages, transient errors, remote services going offline etc.</a:t>
+            </a:r>
+          </a:p>
+        </p:txBody>
+      </p:sp>
+      <p:sp>
+        <p:nvSpPr>
+          <p:cNvPr id="4" name="Slide Number Placeholder 3"/>
+          <p:cNvSpPr>
+            <a:spLocks noGrp="1"/>
+          </p:cNvSpPr>
+          <p:nvPr>
+            <p:ph type="sldNum" sz="quarter" idx="5"/>
+          </p:nvPr>
+        </p:nvSpPr>
+        <p:spPr/>
+        <p:txBody>
+          <a:bodyPr/>
+          <a:lstStyle/>
+          <a:p>
+            <a:fld id="{360642DD-F651-47DC-B7D5-5290C747C85D}" type="slidenum">
+              <a:rPr lang="en-NZ" smtClean="0"/>
+              <a:t>9</a:t>
+            </a:fld>
+            <a:endParaRPr lang="en-NZ"/>
+          </a:p>
+        </p:txBody>
+      </p:sp>
+    </p:spTree>
+    <p:extLst>
+      <p:ext uri="{BB962C8B-B14F-4D97-AF65-F5344CB8AC3E}">
+        <p14:creationId xmlns:p14="http://schemas.microsoft.com/office/powerpoint/2010/main" val="3425297436"/>
+      </p:ext>
+    </p:extLst>
+  </p:cSld>
+  <p:clrMapOvr>
+    <a:masterClrMapping/>
+  </p:clrMapOvr>
+</p:notes>
+</file>
+
+<file path=ppt/notesSlides/notesSlide5.xml><?xml version="1.0" encoding="utf-8"?>
+<p:notes xmlns:a="http://schemas.openxmlformats.org/drawingml/2006/main" xmlns:r="http://schemas.openxmlformats.org/officeDocument/2006/relationships" xmlns:p="http://schemas.openxmlformats.org/presentationml/2006/main">
+  <p:cSld>
+    <p:spTree>
+      <p:nvGrpSpPr>
+        <p:cNvPr id="1" name=""/>
+        <p:cNvGrpSpPr/>
+        <p:nvPr/>
+      </p:nvGrpSpPr>
+      <p:grpSpPr>
+        <a:xfrm>
+          <a:off x="0" y="0"/>
+          <a:ext cx="0" cy="0"/>
+          <a:chOff x="0" y="0"/>
+          <a:chExt cx="0" cy="0"/>
+        </a:xfrm>
+      </p:grpSpPr>
+      <p:sp>
+        <p:nvSpPr>
+          <p:cNvPr id="2" name="Slide Image Placeholder 1"/>
+          <p:cNvSpPr>
+            <a:spLocks noGrp="1" noRot="1" noChangeAspect="1"/>
+          </p:cNvSpPr>
+          <p:nvPr>
+            <p:ph type="sldImg"/>
+          </p:nvPr>
+        </p:nvSpPr>
+        <p:spPr/>
+      </p:sp>
+      <p:sp>
+        <p:nvSpPr>
+          <p:cNvPr id="3" name="Notes Placeholder 2"/>
+          <p:cNvSpPr>
+            <a:spLocks noGrp="1"/>
+          </p:cNvSpPr>
+          <p:nvPr>
+            <p:ph type="body" idx="1"/>
+          </p:nvPr>
+        </p:nvSpPr>
+        <p:spPr/>
+        <p:txBody>
+          <a:bodyPr/>
+          <a:lstStyle/>
+          <a:p>
+            <a:r>
+              <a:rPr lang="en-NZ" dirty="0"/>
+              <a:t>So Microsoft have introduced two new packages for resilience!</a:t>
+            </a:r>
+          </a:p>
+          <a:p>
+            <a:r>
+              <a:rPr lang="en-NZ" dirty="0"/>
+              <a:t>In .NET programming, resilience is achieved by designing apps that can handle failures and recover quickly.</a:t>
+            </a:r>
+          </a:p>
+          <a:p>
+            <a:endParaRPr lang="en-NZ" dirty="0"/>
+          </a:p>
+          <a:p>
+            <a:endParaRPr lang="en-NZ" dirty="0"/>
+          </a:p>
+          <a:p>
+            <a:endParaRPr lang="en-NZ" dirty="0"/>
+          </a:p>
+        </p:txBody>
+      </p:sp>
+      <p:sp>
+        <p:nvSpPr>
+          <p:cNvPr id="4" name="Slide Number Placeholder 3"/>
+          <p:cNvSpPr>
+            <a:spLocks noGrp="1"/>
+          </p:cNvSpPr>
+          <p:nvPr>
+            <p:ph type="sldNum" sz="quarter" idx="5"/>
+          </p:nvPr>
+        </p:nvSpPr>
+        <p:spPr/>
+        <p:txBody>
+          <a:bodyPr/>
+          <a:lstStyle/>
+          <a:p>
+            <a:fld id="{360642DD-F651-47DC-B7D5-5290C747C85D}" type="slidenum">
+              <a:rPr lang="en-NZ" smtClean="0"/>
+              <a:t>10</a:t>
+            </a:fld>
+            <a:endParaRPr lang="en-NZ"/>
+          </a:p>
+        </p:txBody>
+      </p:sp>
+    </p:spTree>
+    <p:extLst>
+      <p:ext uri="{BB962C8B-B14F-4D97-AF65-F5344CB8AC3E}">
+        <p14:creationId xmlns:p14="http://schemas.microsoft.com/office/powerpoint/2010/main" val="902128346"/>
+      </p:ext>
+    </p:extLst>
+  </p:cSld>
+  <p:clrMapOvr>
+    <a:masterClrMapping/>
+  </p:clrMapOvr>
+</p:notes>
+</file>
+
+<file path=ppt/notesSlides/notesSlide6.xml><?xml version="1.0" encoding="utf-8"?>
+<p:notes xmlns:a="http://schemas.openxmlformats.org/drawingml/2006/main" xmlns:r="http://schemas.openxmlformats.org/officeDocument/2006/relationships" xmlns:p="http://schemas.openxmlformats.org/presentationml/2006/main">
+  <p:cSld>
+    <p:spTree>
+      <p:nvGrpSpPr>
+        <p:cNvPr id="1" name=""/>
+        <p:cNvGrpSpPr/>
+        <p:nvPr/>
+      </p:nvGrpSpPr>
+      <p:grpSpPr>
+        <a:xfrm>
+          <a:off x="0" y="0"/>
+          <a:ext cx="0" cy="0"/>
+          <a:chOff x="0" y="0"/>
+          <a:chExt cx="0" cy="0"/>
+        </a:xfrm>
+      </p:grpSpPr>
+      <p:sp>
+        <p:nvSpPr>
+          <p:cNvPr id="2" name="Slide Image Placeholder 1"/>
+          <p:cNvSpPr>
+            <a:spLocks noGrp="1" noRot="1" noChangeAspect="1"/>
+          </p:cNvSpPr>
+          <p:nvPr>
+            <p:ph type="sldImg"/>
+          </p:nvPr>
+        </p:nvSpPr>
+        <p:spPr/>
+      </p:sp>
+      <p:sp>
+        <p:nvSpPr>
+          <p:cNvPr id="3" name="Notes Placeholder 2"/>
+          <p:cNvSpPr>
+            <a:spLocks noGrp="1"/>
+          </p:cNvSpPr>
+          <p:nvPr>
+            <p:ph type="body" idx="1"/>
+          </p:nvPr>
+        </p:nvSpPr>
+        <p:spPr/>
+        <p:txBody>
+          <a:bodyPr/>
+          <a:lstStyle/>
+          <a:p>
+            <a:r>
+              <a:rPr lang="en-NZ" dirty="0"/>
+              <a:t>The two new NuGet packages for resilience are built on top of Polly</a:t>
+            </a:r>
+          </a:p>
+          <a:p>
+            <a:r>
+              <a:rPr lang="en-NZ" dirty="0"/>
+              <a:t>Polly is a .NET resilience and transient fault-handling library that allows you to create resilience strategies such as retry, timeouts etc in a fluent and thread-safe manner.</a:t>
+            </a:r>
+          </a:p>
+        </p:txBody>
+      </p:sp>
+      <p:sp>
+        <p:nvSpPr>
+          <p:cNvPr id="4" name="Slide Number Placeholder 3"/>
+          <p:cNvSpPr>
+            <a:spLocks noGrp="1"/>
+          </p:cNvSpPr>
+          <p:nvPr>
+            <p:ph type="sldNum" sz="quarter" idx="5"/>
+          </p:nvPr>
+        </p:nvSpPr>
+        <p:spPr/>
+        <p:txBody>
+          <a:bodyPr/>
+          <a:lstStyle/>
+          <a:p>
+            <a:fld id="{360642DD-F651-47DC-B7D5-5290C747C85D}" type="slidenum">
+              <a:rPr lang="en-NZ" smtClean="0"/>
+              <a:t>11</a:t>
+            </a:fld>
+            <a:endParaRPr lang="en-NZ"/>
+          </a:p>
+        </p:txBody>
+      </p:sp>
+    </p:spTree>
+    <p:extLst>
+      <p:ext uri="{BB962C8B-B14F-4D97-AF65-F5344CB8AC3E}">
+        <p14:creationId xmlns:p14="http://schemas.microsoft.com/office/powerpoint/2010/main" val="4075320740"/>
+      </p:ext>
+    </p:extLst>
+  </p:cSld>
+  <p:clrMapOvr>
+    <a:masterClrMapping/>
+  </p:clrMapOvr>
+</p:notes>
+</file>
+
+<file path=ppt/notesSlides/notesSlide7.xml><?xml version="1.0" encoding="utf-8"?>
+<p:notes xmlns:a="http://schemas.openxmlformats.org/drawingml/2006/main" xmlns:r="http://schemas.openxmlformats.org/officeDocument/2006/relationships" xmlns:p="http://schemas.openxmlformats.org/presentationml/2006/main">
+  <p:cSld>
+    <p:spTree>
+      <p:nvGrpSpPr>
+        <p:cNvPr id="1" name=""/>
+        <p:cNvGrpSpPr/>
+        <p:nvPr/>
+      </p:nvGrpSpPr>
+      <p:grpSpPr>
+        <a:xfrm>
+          <a:off x="0" y="0"/>
+          <a:ext cx="0" cy="0"/>
+          <a:chOff x="0" y="0"/>
+          <a:chExt cx="0" cy="0"/>
+        </a:xfrm>
+      </p:grpSpPr>
+      <p:sp>
+        <p:nvSpPr>
+          <p:cNvPr id="2" name="Slide Image Placeholder 1"/>
+          <p:cNvSpPr>
+            <a:spLocks noGrp="1" noRot="1" noChangeAspect="1"/>
+          </p:cNvSpPr>
+          <p:nvPr>
+            <p:ph type="sldImg"/>
+          </p:nvPr>
+        </p:nvSpPr>
+        <p:spPr/>
+      </p:sp>
+      <p:sp>
+        <p:nvSpPr>
+          <p:cNvPr id="3" name="Notes Placeholder 2"/>
+          <p:cNvSpPr>
+            <a:spLocks noGrp="1"/>
+          </p:cNvSpPr>
+          <p:nvPr>
+            <p:ph type="body" idx="1"/>
+          </p:nvPr>
+        </p:nvSpPr>
+        <p:spPr/>
+        <p:txBody>
+          <a:bodyPr/>
+          <a:lstStyle/>
+          <a:p>
+            <a:r>
+              <a:rPr lang="en-NZ" dirty="0"/>
+              <a:t>Let’s jump into another demo.</a:t>
+            </a:r>
+          </a:p>
+        </p:txBody>
+      </p:sp>
+      <p:sp>
+        <p:nvSpPr>
+          <p:cNvPr id="4" name="Slide Number Placeholder 3"/>
+          <p:cNvSpPr>
+            <a:spLocks noGrp="1"/>
+          </p:cNvSpPr>
+          <p:nvPr>
+            <p:ph type="sldNum" sz="quarter" idx="5"/>
+          </p:nvPr>
+        </p:nvSpPr>
+        <p:spPr/>
+        <p:txBody>
+          <a:bodyPr/>
+          <a:lstStyle/>
+          <a:p>
+            <a:fld id="{360642DD-F651-47DC-B7D5-5290C747C85D}" type="slidenum">
+              <a:rPr lang="en-NZ" smtClean="0"/>
+              <a:t>12</a:t>
+            </a:fld>
+            <a:endParaRPr lang="en-NZ"/>
+          </a:p>
+        </p:txBody>
+      </p:sp>
+    </p:spTree>
+    <p:extLst>
+      <p:ext uri="{BB962C8B-B14F-4D97-AF65-F5344CB8AC3E}">
+        <p14:creationId xmlns:p14="http://schemas.microsoft.com/office/powerpoint/2010/main" val="2977197508"/>
+      </p:ext>
+    </p:extLst>
+  </p:cSld>
+  <p:clrMapOvr>
+    <a:masterClrMapping/>
+  </p:clrMapOvr>
+</p:notes>
+</file>
+
+<file path=ppt/notesSlides/notesSlide8.xml><?xml version="1.0" encoding="utf-8"?>
+<p:notes xmlns:a="http://schemas.openxmlformats.org/drawingml/2006/main" xmlns:r="http://schemas.openxmlformats.org/officeDocument/2006/relationships" xmlns:p="http://schemas.openxmlformats.org/presentationml/2006/main">
+  <p:cSld>
+    <p:spTree>
+      <p:nvGrpSpPr>
+        <p:cNvPr id="1" name=""/>
+        <p:cNvGrpSpPr/>
+        <p:nvPr/>
+      </p:nvGrpSpPr>
+      <p:grpSpPr>
+        <a:xfrm>
+          <a:off x="0" y="0"/>
+          <a:ext cx="0" cy="0"/>
+          <a:chOff x="0" y="0"/>
+          <a:chExt cx="0" cy="0"/>
+        </a:xfrm>
+      </p:grpSpPr>
+      <p:sp>
+        <p:nvSpPr>
+          <p:cNvPr id="2" name="Slide Image Placeholder 1"/>
+          <p:cNvSpPr>
+            <a:spLocks noGrp="1" noRot="1" noChangeAspect="1"/>
+          </p:cNvSpPr>
+          <p:nvPr>
+            <p:ph type="sldImg"/>
+          </p:nvPr>
+        </p:nvSpPr>
+        <p:spPr/>
+      </p:sp>
+      <p:sp>
+        <p:nvSpPr>
+          <p:cNvPr id="3" name="Notes Placeholder 2"/>
+          <p:cNvSpPr>
+            <a:spLocks noGrp="1"/>
+          </p:cNvSpPr>
+          <p:nvPr>
+            <p:ph type="body" idx="1"/>
+          </p:nvPr>
+        </p:nvSpPr>
+        <p:spPr/>
+        <p:txBody>
+          <a:bodyPr/>
+          <a:lstStyle/>
+          <a:p>
+            <a:r>
+              <a:rPr lang="en-NZ" dirty="0"/>
+              <a:t>Adding resiliency to our client</a:t>
+            </a:r>
+          </a:p>
+        </p:txBody>
+      </p:sp>
+      <p:sp>
+        <p:nvSpPr>
+          <p:cNvPr id="4" name="Slide Number Placeholder 3"/>
+          <p:cNvSpPr>
+            <a:spLocks noGrp="1"/>
+          </p:cNvSpPr>
+          <p:nvPr>
+            <p:ph type="sldNum" sz="quarter" idx="5"/>
+          </p:nvPr>
+        </p:nvSpPr>
+        <p:spPr/>
+        <p:txBody>
+          <a:bodyPr/>
+          <a:lstStyle/>
+          <a:p>
+            <a:fld id="{360642DD-F651-47DC-B7D5-5290C747C85D}" type="slidenum">
+              <a:rPr lang="en-NZ" smtClean="0"/>
+              <a:t>13</a:t>
+            </a:fld>
+            <a:endParaRPr lang="en-NZ"/>
+          </a:p>
+        </p:txBody>
+      </p:sp>
+    </p:spTree>
+    <p:extLst>
+      <p:ext uri="{BB962C8B-B14F-4D97-AF65-F5344CB8AC3E}">
+        <p14:creationId xmlns:p14="http://schemas.microsoft.com/office/powerpoint/2010/main" val="197030954"/>
+      </p:ext>
+    </p:extLst>
+  </p:cSld>
+  <p:clrMapOvr>
+    <a:masterClrMapping/>
+  </p:clrMapOvr>
+</p:notes>
 </file>
 
 <file path=ppt/slideLayouts/slideLayout1.xml><?xml version="1.0" encoding="utf-8"?>
@@ -314,7 +1444,7 @@
           <a:p>
             <a:fld id="{659407C2-D68D-4B0B-863C-653D31E8C3AB}" type="datetimeFigureOut">
               <a:rPr lang="en-AU" smtClean="0"/>
-              <a:t>4/12/2023</a:t>
+              <a:t>5/12/2023</a:t>
             </a:fld>
             <a:endParaRPr lang="en-AU"/>
           </a:p>
@@ -514,7 +1644,7 @@
           <a:p>
             <a:fld id="{659407C2-D68D-4B0B-863C-653D31E8C3AB}" type="datetimeFigureOut">
               <a:rPr lang="en-AU" smtClean="0"/>
-              <a:t>4/12/2023</a:t>
+              <a:t>5/12/2023</a:t>
             </a:fld>
             <a:endParaRPr lang="en-AU"/>
           </a:p>
@@ -724,7 +1854,7 @@
           <a:p>
             <a:fld id="{659407C2-D68D-4B0B-863C-653D31E8C3AB}" type="datetimeFigureOut">
               <a:rPr lang="en-AU" smtClean="0"/>
-              <a:t>4/12/2023</a:t>
+              <a:t>5/12/2023</a:t>
             </a:fld>
             <a:endParaRPr lang="en-AU"/>
           </a:p>
@@ -924,7 +2054,7 @@
           <a:p>
             <a:fld id="{659407C2-D68D-4B0B-863C-653D31E8C3AB}" type="datetimeFigureOut">
               <a:rPr lang="en-AU" smtClean="0"/>
-              <a:t>4/12/2023</a:t>
+              <a:t>5/12/2023</a:t>
             </a:fld>
             <a:endParaRPr lang="en-AU"/>
           </a:p>
@@ -1200,7 +2330,7 @@
           <a:p>
             <a:fld id="{659407C2-D68D-4B0B-863C-653D31E8C3AB}" type="datetimeFigureOut">
               <a:rPr lang="en-AU" smtClean="0"/>
-              <a:t>4/12/2023</a:t>
+              <a:t>5/12/2023</a:t>
             </a:fld>
             <a:endParaRPr lang="en-AU"/>
           </a:p>
@@ -1468,7 +2598,7 @@
           <a:p>
             <a:fld id="{659407C2-D68D-4B0B-863C-653D31E8C3AB}" type="datetimeFigureOut">
               <a:rPr lang="en-AU" smtClean="0"/>
-              <a:t>4/12/2023</a:t>
+              <a:t>5/12/2023</a:t>
             </a:fld>
             <a:endParaRPr lang="en-AU"/>
           </a:p>
@@ -1883,7 +3013,7 @@
           <a:p>
             <a:fld id="{659407C2-D68D-4B0B-863C-653D31E8C3AB}" type="datetimeFigureOut">
               <a:rPr lang="en-AU" smtClean="0"/>
-              <a:t>4/12/2023</a:t>
+              <a:t>5/12/2023</a:t>
             </a:fld>
             <a:endParaRPr lang="en-AU"/>
           </a:p>
@@ -2025,7 +3155,7 @@
           <a:p>
             <a:fld id="{659407C2-D68D-4B0B-863C-653D31E8C3AB}" type="datetimeFigureOut">
               <a:rPr lang="en-AU" smtClean="0"/>
-              <a:t>4/12/2023</a:t>
+              <a:t>5/12/2023</a:t>
             </a:fld>
             <a:endParaRPr lang="en-AU"/>
           </a:p>
@@ -2138,7 +3268,7 @@
           <a:p>
             <a:fld id="{659407C2-D68D-4B0B-863C-653D31E8C3AB}" type="datetimeFigureOut">
               <a:rPr lang="en-AU" smtClean="0"/>
-              <a:t>4/12/2023</a:t>
+              <a:t>5/12/2023</a:t>
             </a:fld>
             <a:endParaRPr lang="en-AU"/>
           </a:p>
@@ -2451,7 +3581,7 @@
           <a:p>
             <a:fld id="{659407C2-D68D-4B0B-863C-653D31E8C3AB}" type="datetimeFigureOut">
               <a:rPr lang="en-AU" smtClean="0"/>
-              <a:t>4/12/2023</a:t>
+              <a:t>5/12/2023</a:t>
             </a:fld>
             <a:endParaRPr lang="en-AU"/>
           </a:p>
@@ -2740,7 +3870,7 @@
           <a:p>
             <a:fld id="{659407C2-D68D-4B0B-863C-653D31E8C3AB}" type="datetimeFigureOut">
               <a:rPr lang="en-AU" smtClean="0"/>
-              <a:t>4/12/2023</a:t>
+              <a:t>5/12/2023</a:t>
             </a:fld>
             <a:endParaRPr lang="en-AU"/>
           </a:p>
@@ -2983,7 +4113,7 @@
           <a:p>
             <a:fld id="{659407C2-D68D-4B0B-863C-653D31E8C3AB}" type="datetimeFigureOut">
               <a:rPr lang="en-AU" smtClean="0"/>
-              <a:t>4/12/2023</a:t>
+              <a:t>5/12/2023</a:t>
             </a:fld>
             <a:endParaRPr lang="en-AU"/>
           </a:p>
@@ -3505,1146 +4635,6 @@
           <p:cNvPr id="2" name="Title 1">
             <a:extLst>
               <a:ext uri="{FF2B5EF4-FFF2-40B4-BE49-F238E27FC236}">
-                <a16:creationId xmlns:a16="http://schemas.microsoft.com/office/drawing/2014/main" id="{63A35F26-3E9D-AA43-3FCA-D6D73F3028A4}"/>
-              </a:ext>
-            </a:extLst>
-          </p:cNvPr>
-          <p:cNvSpPr>
-            <a:spLocks noGrp="1"/>
-          </p:cNvSpPr>
-          <p:nvPr>
-            <p:ph type="title"/>
-          </p:nvPr>
-        </p:nvSpPr>
-        <p:spPr/>
-        <p:txBody>
-          <a:bodyPr/>
-          <a:lstStyle/>
-          <a:p>
-            <a:r>
-              <a:rPr lang="en-AU" dirty="0"/>
-              <a:t>Built on Polly - .NET resilience library</a:t>
-            </a:r>
-          </a:p>
-        </p:txBody>
-      </p:sp>
-      <p:sp>
-        <p:nvSpPr>
-          <p:cNvPr id="3" name="Content Placeholder 2">
-            <a:extLst>
-              <a:ext uri="{FF2B5EF4-FFF2-40B4-BE49-F238E27FC236}">
-                <a16:creationId xmlns:a16="http://schemas.microsoft.com/office/drawing/2014/main" id="{ED066E45-362E-2584-0DD0-76B5F5305028}"/>
-              </a:ext>
-            </a:extLst>
-          </p:cNvPr>
-          <p:cNvSpPr>
-            <a:spLocks noGrp="1"/>
-          </p:cNvSpPr>
-          <p:nvPr>
-            <p:ph idx="1"/>
-          </p:nvPr>
-        </p:nvSpPr>
-        <p:spPr/>
-        <p:txBody>
-          <a:bodyPr/>
-          <a:lstStyle/>
-          <a:p>
-            <a:r>
-              <a:rPr lang="en-AU" dirty="0"/>
-              <a:t>Handles Transient failures</a:t>
-            </a:r>
-          </a:p>
-          <a:p>
-            <a:r>
-              <a:rPr lang="en-AU" dirty="0"/>
-              <a:t>Protects system resources</a:t>
-            </a:r>
-          </a:p>
-          <a:p>
-            <a:r>
-              <a:rPr lang="en-AU" dirty="0"/>
-              <a:t>Policies that you can implement include:</a:t>
-            </a:r>
-          </a:p>
-          <a:p>
-            <a:pPr lvl="1"/>
-            <a:r>
-              <a:rPr lang="en-AU" dirty="0"/>
-              <a:t>Retry – Try again if something fails.</a:t>
-            </a:r>
-          </a:p>
-          <a:p>
-            <a:pPr lvl="1"/>
-            <a:r>
-              <a:rPr lang="en-AU" dirty="0"/>
-              <a:t>Circuit breaker – Stop trying if something is broken or busy.</a:t>
-            </a:r>
-          </a:p>
-          <a:p>
-            <a:pPr lvl="1"/>
-            <a:r>
-              <a:rPr lang="en-AU" dirty="0"/>
-              <a:t>Timeout – Give up if something takes too long.</a:t>
-            </a:r>
-          </a:p>
-          <a:p>
-            <a:pPr lvl="1"/>
-            <a:r>
-              <a:rPr lang="en-AU" dirty="0"/>
-              <a:t>Fallback – Do something else if something fails.</a:t>
-            </a:r>
-          </a:p>
-          <a:p>
-            <a:pPr lvl="1"/>
-            <a:r>
-              <a:rPr lang="en-AU" dirty="0"/>
-              <a:t>Rate limiting – Limit how many requests you make or accept.</a:t>
-            </a:r>
-          </a:p>
-        </p:txBody>
-      </p:sp>
-    </p:spTree>
-    <p:extLst>
-      <p:ext uri="{BB962C8B-B14F-4D97-AF65-F5344CB8AC3E}">
-        <p14:creationId xmlns:p14="http://schemas.microsoft.com/office/powerpoint/2010/main" val="1294719519"/>
-      </p:ext>
-    </p:extLst>
-  </p:cSld>
-  <p:clrMapOvr>
-    <a:masterClrMapping/>
-  </p:clrMapOvr>
-</p:sld>
-</file>
-
-<file path=ppt/slides/slide11.xml><?xml version="1.0" encoding="utf-8"?>
-<p:sld xmlns:a="http://schemas.openxmlformats.org/drawingml/2006/main" xmlns:r="http://schemas.openxmlformats.org/officeDocument/2006/relationships" xmlns:p="http://schemas.openxmlformats.org/presentationml/2006/main">
-  <p:cSld>
-    <p:spTree>
-      <p:nvGrpSpPr>
-        <p:cNvPr id="1" name=""/>
-        <p:cNvGrpSpPr/>
-        <p:nvPr/>
-      </p:nvGrpSpPr>
-      <p:grpSpPr>
-        <a:xfrm>
-          <a:off x="0" y="0"/>
-          <a:ext cx="0" cy="0"/>
-          <a:chOff x="0" y="0"/>
-          <a:chExt cx="0" cy="0"/>
-        </a:xfrm>
-      </p:grpSpPr>
-      <p:sp>
-        <p:nvSpPr>
-          <p:cNvPr id="4" name="Title 3">
-            <a:extLst>
-              <a:ext uri="{FF2B5EF4-FFF2-40B4-BE49-F238E27FC236}">
-                <a16:creationId xmlns:a16="http://schemas.microsoft.com/office/drawing/2014/main" id="{13AB46B6-6F9A-086E-4E9F-689A28982F82}"/>
-              </a:ext>
-            </a:extLst>
-          </p:cNvPr>
-          <p:cNvSpPr>
-            <a:spLocks noGrp="1"/>
-          </p:cNvSpPr>
-          <p:nvPr>
-            <p:ph type="title"/>
-          </p:nvPr>
-        </p:nvSpPr>
-        <p:spPr/>
-        <p:txBody>
-          <a:bodyPr/>
-          <a:lstStyle/>
-          <a:p>
-            <a:r>
-              <a:rPr lang="en-GB" dirty="0"/>
-              <a:t>Open Telemetry Improvements</a:t>
-            </a:r>
-            <a:endParaRPr lang="en-AU" dirty="0"/>
-          </a:p>
-        </p:txBody>
-      </p:sp>
-      <p:sp>
-        <p:nvSpPr>
-          <p:cNvPr id="5" name="Text Placeholder 4">
-            <a:extLst>
-              <a:ext uri="{FF2B5EF4-FFF2-40B4-BE49-F238E27FC236}">
-                <a16:creationId xmlns:a16="http://schemas.microsoft.com/office/drawing/2014/main" id="{239FE560-E3D2-C5D4-7E61-3C34AC9F81A8}"/>
-              </a:ext>
-            </a:extLst>
-          </p:cNvPr>
-          <p:cNvSpPr>
-            <a:spLocks noGrp="1"/>
-          </p:cNvSpPr>
-          <p:nvPr>
-            <p:ph type="body" idx="1"/>
-          </p:nvPr>
-        </p:nvSpPr>
-        <p:spPr/>
-        <p:txBody>
-          <a:bodyPr/>
-          <a:lstStyle/>
-          <a:p>
-            <a:endParaRPr lang="en-AU"/>
-          </a:p>
-        </p:txBody>
-      </p:sp>
-    </p:spTree>
-    <p:extLst>
-      <p:ext uri="{BB962C8B-B14F-4D97-AF65-F5344CB8AC3E}">
-        <p14:creationId xmlns:p14="http://schemas.microsoft.com/office/powerpoint/2010/main" val="3593118543"/>
-      </p:ext>
-    </p:extLst>
-  </p:cSld>
-  <p:clrMapOvr>
-    <a:masterClrMapping/>
-  </p:clrMapOvr>
-</p:sld>
-</file>
-
-<file path=ppt/slides/slide12.xml><?xml version="1.0" encoding="utf-8"?>
-<p:sld xmlns:a="http://schemas.openxmlformats.org/drawingml/2006/main" xmlns:r="http://schemas.openxmlformats.org/officeDocument/2006/relationships" xmlns:p="http://schemas.openxmlformats.org/presentationml/2006/main">
-  <p:cSld>
-    <p:spTree>
-      <p:nvGrpSpPr>
-        <p:cNvPr id="1" name=""/>
-        <p:cNvGrpSpPr/>
-        <p:nvPr/>
-      </p:nvGrpSpPr>
-      <p:grpSpPr>
-        <a:xfrm>
-          <a:off x="0" y="0"/>
-          <a:ext cx="0" cy="0"/>
-          <a:chOff x="0" y="0"/>
-          <a:chExt cx="0" cy="0"/>
-        </a:xfrm>
-      </p:grpSpPr>
-      <p:sp>
-        <p:nvSpPr>
-          <p:cNvPr id="4" name="Title 3">
-            <a:extLst>
-              <a:ext uri="{FF2B5EF4-FFF2-40B4-BE49-F238E27FC236}">
-                <a16:creationId xmlns:a16="http://schemas.microsoft.com/office/drawing/2014/main" id="{AA1C4710-A126-C372-A67C-F36740142F95}"/>
-              </a:ext>
-            </a:extLst>
-          </p:cNvPr>
-          <p:cNvSpPr>
-            <a:spLocks noGrp="1"/>
-          </p:cNvSpPr>
-          <p:nvPr>
-            <p:ph type="title"/>
-          </p:nvPr>
-        </p:nvSpPr>
-        <p:spPr/>
-        <p:txBody>
-          <a:bodyPr/>
-          <a:lstStyle/>
-          <a:p>
-            <a:r>
-              <a:rPr lang="en-GB" dirty="0"/>
-              <a:t>.NET Aspire</a:t>
-            </a:r>
-            <a:endParaRPr lang="en-AU" dirty="0"/>
-          </a:p>
-        </p:txBody>
-      </p:sp>
-      <p:sp>
-        <p:nvSpPr>
-          <p:cNvPr id="5" name="Text Placeholder 4">
-            <a:extLst>
-              <a:ext uri="{FF2B5EF4-FFF2-40B4-BE49-F238E27FC236}">
-                <a16:creationId xmlns:a16="http://schemas.microsoft.com/office/drawing/2014/main" id="{416B9012-16C5-B06C-BD2B-8E4EF0756FB1}"/>
-              </a:ext>
-            </a:extLst>
-          </p:cNvPr>
-          <p:cNvSpPr>
-            <a:spLocks noGrp="1"/>
-          </p:cNvSpPr>
-          <p:nvPr>
-            <p:ph type="body" idx="1"/>
-          </p:nvPr>
-        </p:nvSpPr>
-        <p:spPr/>
-        <p:txBody>
-          <a:bodyPr/>
-          <a:lstStyle/>
-          <a:p>
-            <a:endParaRPr lang="en-AU"/>
-          </a:p>
-        </p:txBody>
-      </p:sp>
-    </p:spTree>
-    <p:extLst>
-      <p:ext uri="{BB962C8B-B14F-4D97-AF65-F5344CB8AC3E}">
-        <p14:creationId xmlns:p14="http://schemas.microsoft.com/office/powerpoint/2010/main" val="3026749814"/>
-      </p:ext>
-    </p:extLst>
-  </p:cSld>
-  <p:clrMapOvr>
-    <a:masterClrMapping/>
-  </p:clrMapOvr>
-</p:sld>
-</file>
-
-<file path=ppt/slides/slide13.xml><?xml version="1.0" encoding="utf-8"?>
-<p:sld xmlns:a="http://schemas.openxmlformats.org/drawingml/2006/main" xmlns:r="http://schemas.openxmlformats.org/officeDocument/2006/relationships" xmlns:p="http://schemas.openxmlformats.org/presentationml/2006/main">
-  <p:cSld>
-    <p:spTree>
-      <p:nvGrpSpPr>
-        <p:cNvPr id="1" name=""/>
-        <p:cNvGrpSpPr/>
-        <p:nvPr/>
-      </p:nvGrpSpPr>
-      <p:grpSpPr>
-        <a:xfrm>
-          <a:off x="0" y="0"/>
-          <a:ext cx="0" cy="0"/>
-          <a:chOff x="0" y="0"/>
-          <a:chExt cx="0" cy="0"/>
-        </a:xfrm>
-      </p:grpSpPr>
-      <p:sp>
-        <p:nvSpPr>
-          <p:cNvPr id="4" name="Title 3">
-            <a:extLst>
-              <a:ext uri="{FF2B5EF4-FFF2-40B4-BE49-F238E27FC236}">
-                <a16:creationId xmlns:a16="http://schemas.microsoft.com/office/drawing/2014/main" id="{FCBE0EC1-0495-D530-865F-A2FDCD50E28E}"/>
-              </a:ext>
-            </a:extLst>
-          </p:cNvPr>
-          <p:cNvSpPr>
-            <a:spLocks noGrp="1"/>
-          </p:cNvSpPr>
-          <p:nvPr>
-            <p:ph type="ctrTitle"/>
-          </p:nvPr>
-        </p:nvSpPr>
-        <p:spPr/>
-        <p:txBody>
-          <a:bodyPr/>
-          <a:lstStyle/>
-          <a:p>
-            <a:r>
-              <a:rPr lang="en-GB" dirty="0"/>
-              <a:t>Thanks for listening!</a:t>
-            </a:r>
-            <a:endParaRPr lang="en-AU" dirty="0"/>
-          </a:p>
-        </p:txBody>
-      </p:sp>
-      <p:sp>
-        <p:nvSpPr>
-          <p:cNvPr id="2" name="Subtitle 1">
-            <a:extLst>
-              <a:ext uri="{FF2B5EF4-FFF2-40B4-BE49-F238E27FC236}">
-                <a16:creationId xmlns:a16="http://schemas.microsoft.com/office/drawing/2014/main" id="{8DE72F54-D803-AEE7-D706-6F1C1F30C03F}"/>
-              </a:ext>
-            </a:extLst>
-          </p:cNvPr>
-          <p:cNvSpPr>
-            <a:spLocks noGrp="1"/>
-          </p:cNvSpPr>
-          <p:nvPr>
-            <p:ph type="subTitle" idx="1"/>
-          </p:nvPr>
-        </p:nvSpPr>
-        <p:spPr/>
-        <p:txBody>
-          <a:bodyPr/>
-          <a:lstStyle/>
-          <a:p>
-            <a:r>
-              <a:rPr lang="en-NZ"/>
-              <a:t>https://github.com/willvelida/talks/tree/main/whats-new-cloud-native-dev-dotnet8</a:t>
-            </a:r>
-          </a:p>
-        </p:txBody>
-      </p:sp>
-    </p:spTree>
-    <p:extLst>
-      <p:ext uri="{BB962C8B-B14F-4D97-AF65-F5344CB8AC3E}">
-        <p14:creationId xmlns:p14="http://schemas.microsoft.com/office/powerpoint/2010/main" val="2929817112"/>
-      </p:ext>
-    </p:extLst>
-  </p:cSld>
-  <p:clrMapOvr>
-    <a:masterClrMapping/>
-  </p:clrMapOvr>
-</p:sld>
-</file>
-
-<file path=ppt/slides/slide2.xml><?xml version="1.0" encoding="utf-8"?>
-<p:sld xmlns:a="http://schemas.openxmlformats.org/drawingml/2006/main" xmlns:r="http://schemas.openxmlformats.org/officeDocument/2006/relationships" xmlns:p="http://schemas.openxmlformats.org/presentationml/2006/main">
-  <p:cSld>
-    <p:spTree>
-      <p:nvGrpSpPr>
-        <p:cNvPr id="1" name=""/>
-        <p:cNvGrpSpPr/>
-        <p:nvPr/>
-      </p:nvGrpSpPr>
-      <p:grpSpPr>
-        <a:xfrm>
-          <a:off x="0" y="0"/>
-          <a:ext cx="0" cy="0"/>
-          <a:chOff x="0" y="0"/>
-          <a:chExt cx="0" cy="0"/>
-        </a:xfrm>
-      </p:grpSpPr>
-      <p:sp>
-        <p:nvSpPr>
-          <p:cNvPr id="2" name="Title 1">
-            <a:extLst>
-              <a:ext uri="{FF2B5EF4-FFF2-40B4-BE49-F238E27FC236}">
-                <a16:creationId xmlns:a16="http://schemas.microsoft.com/office/drawing/2014/main" id="{85B4BE4C-960D-E66A-D5D4-8E315A884690}"/>
-              </a:ext>
-            </a:extLst>
-          </p:cNvPr>
-          <p:cNvSpPr>
-            <a:spLocks noGrp="1"/>
-          </p:cNvSpPr>
-          <p:nvPr>
-            <p:ph type="title"/>
-          </p:nvPr>
-        </p:nvSpPr>
-        <p:spPr/>
-        <p:txBody>
-          <a:bodyPr/>
-          <a:lstStyle/>
-          <a:p>
-            <a:r>
-              <a:rPr lang="en-GB" dirty="0" err="1"/>
-              <a:t>whoami</a:t>
-            </a:r>
-            <a:endParaRPr lang="en-AU" dirty="0"/>
-          </a:p>
-        </p:txBody>
-      </p:sp>
-      <p:sp>
-        <p:nvSpPr>
-          <p:cNvPr id="3" name="Content Placeholder 2">
-            <a:extLst>
-              <a:ext uri="{FF2B5EF4-FFF2-40B4-BE49-F238E27FC236}">
-                <a16:creationId xmlns:a16="http://schemas.microsoft.com/office/drawing/2014/main" id="{808D3A3C-C0C3-C0B8-50E6-44C3A43B3072}"/>
-              </a:ext>
-            </a:extLst>
-          </p:cNvPr>
-          <p:cNvSpPr>
-            <a:spLocks noGrp="1"/>
-          </p:cNvSpPr>
-          <p:nvPr>
-            <p:ph sz="half" idx="1"/>
-          </p:nvPr>
-        </p:nvSpPr>
-        <p:spPr/>
-        <p:txBody>
-          <a:bodyPr/>
-          <a:lstStyle/>
-          <a:p>
-            <a:r>
-              <a:rPr lang="en-GB" dirty="0"/>
-              <a:t>Lead Software Engineer at </a:t>
-            </a:r>
-            <a:r>
-              <a:rPr lang="en-GB" dirty="0" err="1"/>
-              <a:t>Azenix</a:t>
-            </a:r>
-            <a:r>
-              <a:rPr lang="en-GB" dirty="0"/>
-              <a:t> by Mantel Group.</a:t>
-            </a:r>
-          </a:p>
-          <a:p>
-            <a:r>
-              <a:rPr lang="en-GB" dirty="0"/>
-              <a:t>Former </a:t>
-            </a:r>
-            <a:r>
-              <a:rPr lang="en-GB" dirty="0" err="1"/>
-              <a:t>MSFTer</a:t>
-            </a:r>
-            <a:r>
-              <a:rPr lang="en-GB" dirty="0"/>
-              <a:t> and Microsoft MVP based in Auckland – Moved to Melbourne this year</a:t>
-            </a:r>
-          </a:p>
-          <a:p>
-            <a:r>
-              <a:rPr lang="en-GB" dirty="0"/>
-              <a:t>.NET and Azure developer with experience in banking, agriculture, and health industries.</a:t>
-            </a:r>
-          </a:p>
-          <a:p>
-            <a:r>
-              <a:rPr lang="en-GB" dirty="0"/>
-              <a:t>Former average rugby player.</a:t>
-            </a:r>
-            <a:endParaRPr lang="en-AU" dirty="0"/>
-          </a:p>
-        </p:txBody>
-      </p:sp>
-      <p:sp>
-        <p:nvSpPr>
-          <p:cNvPr id="4" name="Content Placeholder 3">
-            <a:extLst>
-              <a:ext uri="{FF2B5EF4-FFF2-40B4-BE49-F238E27FC236}">
-                <a16:creationId xmlns:a16="http://schemas.microsoft.com/office/drawing/2014/main" id="{24C002BF-B02A-43E0-07B2-5B40F246AE73}"/>
-              </a:ext>
-            </a:extLst>
-          </p:cNvPr>
-          <p:cNvSpPr>
-            <a:spLocks noGrp="1"/>
-          </p:cNvSpPr>
-          <p:nvPr>
-            <p:ph sz="half" idx="2"/>
-          </p:nvPr>
-        </p:nvSpPr>
-        <p:spPr/>
-        <p:txBody>
-          <a:bodyPr/>
-          <a:lstStyle/>
-          <a:p>
-            <a:endParaRPr lang="en-AU" dirty="0"/>
-          </a:p>
-        </p:txBody>
-      </p:sp>
-    </p:spTree>
-    <p:extLst>
-      <p:ext uri="{BB962C8B-B14F-4D97-AF65-F5344CB8AC3E}">
-        <p14:creationId xmlns:p14="http://schemas.microsoft.com/office/powerpoint/2010/main" val="681677424"/>
-      </p:ext>
-    </p:extLst>
-  </p:cSld>
-  <p:clrMapOvr>
-    <a:masterClrMapping/>
-  </p:clrMapOvr>
-</p:sld>
-</file>
-
-<file path=ppt/slides/slide3.xml><?xml version="1.0" encoding="utf-8"?>
-<p:sld xmlns:a="http://schemas.openxmlformats.org/drawingml/2006/main" xmlns:r="http://schemas.openxmlformats.org/officeDocument/2006/relationships" xmlns:p="http://schemas.openxmlformats.org/presentationml/2006/main">
-  <p:cSld>
-    <p:spTree>
-      <p:nvGrpSpPr>
-        <p:cNvPr id="1" name=""/>
-        <p:cNvGrpSpPr/>
-        <p:nvPr/>
-      </p:nvGrpSpPr>
-      <p:grpSpPr>
-        <a:xfrm>
-          <a:off x="0" y="0"/>
-          <a:ext cx="0" cy="0"/>
-          <a:chOff x="0" y="0"/>
-          <a:chExt cx="0" cy="0"/>
-        </a:xfrm>
-      </p:grpSpPr>
-      <p:sp>
-        <p:nvSpPr>
-          <p:cNvPr id="5" name="Title 4">
-            <a:extLst>
-              <a:ext uri="{FF2B5EF4-FFF2-40B4-BE49-F238E27FC236}">
-                <a16:creationId xmlns:a16="http://schemas.microsoft.com/office/drawing/2014/main" id="{555A9DF2-D48E-78E3-1E9C-89F18C730719}"/>
-              </a:ext>
-            </a:extLst>
-          </p:cNvPr>
-          <p:cNvSpPr>
-            <a:spLocks noGrp="1"/>
-          </p:cNvSpPr>
-          <p:nvPr>
-            <p:ph type="title"/>
-          </p:nvPr>
-        </p:nvSpPr>
-        <p:spPr/>
-        <p:txBody>
-          <a:bodyPr/>
-          <a:lstStyle/>
-          <a:p>
-            <a:r>
-              <a:rPr lang="en-GB" dirty="0"/>
-              <a:t>Agenda</a:t>
-            </a:r>
-            <a:endParaRPr lang="en-AU" dirty="0"/>
-          </a:p>
-        </p:txBody>
-      </p:sp>
-      <p:sp>
-        <p:nvSpPr>
-          <p:cNvPr id="6" name="Content Placeholder 5">
-            <a:extLst>
-              <a:ext uri="{FF2B5EF4-FFF2-40B4-BE49-F238E27FC236}">
-                <a16:creationId xmlns:a16="http://schemas.microsoft.com/office/drawing/2014/main" id="{CF80A86E-9196-51F1-C7FC-09B91CBC8319}"/>
-              </a:ext>
-            </a:extLst>
-          </p:cNvPr>
-          <p:cNvSpPr>
-            <a:spLocks noGrp="1"/>
-          </p:cNvSpPr>
-          <p:nvPr>
-            <p:ph idx="1"/>
-          </p:nvPr>
-        </p:nvSpPr>
-        <p:spPr/>
-        <p:txBody>
-          <a:bodyPr/>
-          <a:lstStyle/>
-          <a:p>
-            <a:r>
-              <a:rPr lang="en-GB" dirty="0"/>
-              <a:t>Native AOT</a:t>
-            </a:r>
-          </a:p>
-          <a:p>
-            <a:r>
-              <a:rPr lang="en-GB" dirty="0"/>
-              <a:t>Resiliency improvements</a:t>
-            </a:r>
-          </a:p>
-          <a:p>
-            <a:r>
-              <a:rPr lang="en-GB" dirty="0"/>
-              <a:t>Open Telemetry improvements</a:t>
-            </a:r>
-          </a:p>
-          <a:p>
-            <a:r>
-              <a:rPr lang="en-GB" dirty="0"/>
-              <a:t>.NET Aspire</a:t>
-            </a:r>
-            <a:endParaRPr lang="en-AU" dirty="0"/>
-          </a:p>
-        </p:txBody>
-      </p:sp>
-    </p:spTree>
-    <p:extLst>
-      <p:ext uri="{BB962C8B-B14F-4D97-AF65-F5344CB8AC3E}">
-        <p14:creationId xmlns:p14="http://schemas.microsoft.com/office/powerpoint/2010/main" val="3378372525"/>
-      </p:ext>
-    </p:extLst>
-  </p:cSld>
-  <p:clrMapOvr>
-    <a:masterClrMapping/>
-  </p:clrMapOvr>
-</p:sld>
-</file>
-
-<file path=ppt/slides/slide4.xml><?xml version="1.0" encoding="utf-8"?>
-<p:sld xmlns:a="http://schemas.openxmlformats.org/drawingml/2006/main" xmlns:r="http://schemas.openxmlformats.org/officeDocument/2006/relationships" xmlns:p="http://schemas.openxmlformats.org/presentationml/2006/main">
-  <p:cSld>
-    <p:spTree>
-      <p:nvGrpSpPr>
-        <p:cNvPr id="1" name=""/>
-        <p:cNvGrpSpPr/>
-        <p:nvPr/>
-      </p:nvGrpSpPr>
-      <p:grpSpPr>
-        <a:xfrm>
-          <a:off x="0" y="0"/>
-          <a:ext cx="0" cy="0"/>
-          <a:chOff x="0" y="0"/>
-          <a:chExt cx="0" cy="0"/>
-        </a:xfrm>
-      </p:grpSpPr>
-      <p:sp>
-        <p:nvSpPr>
-          <p:cNvPr id="4" name="Title 3">
-            <a:extLst>
-              <a:ext uri="{FF2B5EF4-FFF2-40B4-BE49-F238E27FC236}">
-                <a16:creationId xmlns:a16="http://schemas.microsoft.com/office/drawing/2014/main" id="{36472B68-A178-1959-9FEC-7EBC6B579B04}"/>
-              </a:ext>
-            </a:extLst>
-          </p:cNvPr>
-          <p:cNvSpPr>
-            <a:spLocks noGrp="1"/>
-          </p:cNvSpPr>
-          <p:nvPr>
-            <p:ph type="title"/>
-          </p:nvPr>
-        </p:nvSpPr>
-        <p:spPr/>
-        <p:txBody>
-          <a:bodyPr/>
-          <a:lstStyle/>
-          <a:p>
-            <a:r>
-              <a:rPr lang="en-GB" dirty="0"/>
-              <a:t>Native AOT</a:t>
-            </a:r>
-            <a:endParaRPr lang="en-AU" dirty="0"/>
-          </a:p>
-        </p:txBody>
-      </p:sp>
-      <p:sp>
-        <p:nvSpPr>
-          <p:cNvPr id="5" name="Text Placeholder 4">
-            <a:extLst>
-              <a:ext uri="{FF2B5EF4-FFF2-40B4-BE49-F238E27FC236}">
-                <a16:creationId xmlns:a16="http://schemas.microsoft.com/office/drawing/2014/main" id="{0E8B857D-5DF8-6C29-3F88-631AB2CBF41D}"/>
-              </a:ext>
-            </a:extLst>
-          </p:cNvPr>
-          <p:cNvSpPr>
-            <a:spLocks noGrp="1"/>
-          </p:cNvSpPr>
-          <p:nvPr>
-            <p:ph type="body" idx="1"/>
-          </p:nvPr>
-        </p:nvSpPr>
-        <p:spPr/>
-        <p:txBody>
-          <a:bodyPr/>
-          <a:lstStyle/>
-          <a:p>
-            <a:endParaRPr lang="en-AU"/>
-          </a:p>
-        </p:txBody>
-      </p:sp>
-    </p:spTree>
-    <p:extLst>
-      <p:ext uri="{BB962C8B-B14F-4D97-AF65-F5344CB8AC3E}">
-        <p14:creationId xmlns:p14="http://schemas.microsoft.com/office/powerpoint/2010/main" val="1237346215"/>
-      </p:ext>
-    </p:extLst>
-  </p:cSld>
-  <p:clrMapOvr>
-    <a:masterClrMapping/>
-  </p:clrMapOvr>
-</p:sld>
-</file>
-
-<file path=ppt/slides/slide5.xml><?xml version="1.0" encoding="utf-8"?>
-<p:sld xmlns:a="http://schemas.openxmlformats.org/drawingml/2006/main" xmlns:r="http://schemas.openxmlformats.org/officeDocument/2006/relationships" xmlns:p="http://schemas.openxmlformats.org/presentationml/2006/main">
-  <p:cSld>
-    <p:spTree>
-      <p:nvGrpSpPr>
-        <p:cNvPr id="1" name=""/>
-        <p:cNvGrpSpPr/>
-        <p:nvPr/>
-      </p:nvGrpSpPr>
-      <p:grpSpPr>
-        <a:xfrm>
-          <a:off x="0" y="0"/>
-          <a:ext cx="0" cy="0"/>
-          <a:chOff x="0" y="0"/>
-          <a:chExt cx="0" cy="0"/>
-        </a:xfrm>
-      </p:grpSpPr>
-      <p:sp>
-        <p:nvSpPr>
-          <p:cNvPr id="4" name="Title 3">
-            <a:extLst>
-              <a:ext uri="{FF2B5EF4-FFF2-40B4-BE49-F238E27FC236}">
-                <a16:creationId xmlns:a16="http://schemas.microsoft.com/office/drawing/2014/main" id="{36472B68-A178-1959-9FEC-7EBC6B579B04}"/>
-              </a:ext>
-            </a:extLst>
-          </p:cNvPr>
-          <p:cNvSpPr>
-            <a:spLocks noGrp="1"/>
-          </p:cNvSpPr>
-          <p:nvPr>
-            <p:ph type="title"/>
-          </p:nvPr>
-        </p:nvSpPr>
-        <p:spPr/>
-        <p:txBody>
-          <a:bodyPr/>
-          <a:lstStyle/>
-          <a:p>
-            <a:r>
-              <a:rPr lang="en-GB" dirty="0"/>
-              <a:t>Why Native AOT?</a:t>
-            </a:r>
-            <a:endParaRPr lang="en-AU" dirty="0"/>
-          </a:p>
-        </p:txBody>
-      </p:sp>
-      <p:sp>
-        <p:nvSpPr>
-          <p:cNvPr id="5" name="Text Placeholder 4">
-            <a:extLst>
-              <a:ext uri="{FF2B5EF4-FFF2-40B4-BE49-F238E27FC236}">
-                <a16:creationId xmlns:a16="http://schemas.microsoft.com/office/drawing/2014/main" id="{0E8B857D-5DF8-6C29-3F88-631AB2CBF41D}"/>
-              </a:ext>
-            </a:extLst>
-          </p:cNvPr>
-          <p:cNvSpPr>
-            <a:spLocks noGrp="1"/>
-          </p:cNvSpPr>
-          <p:nvPr>
-            <p:ph type="body" idx="1"/>
-          </p:nvPr>
-        </p:nvSpPr>
-        <p:spPr/>
-        <p:txBody>
-          <a:bodyPr/>
-          <a:lstStyle/>
-          <a:p>
-            <a:r>
-              <a:rPr lang="en-GB" dirty="0"/>
-              <a:t>Smaller apps</a:t>
-            </a:r>
-          </a:p>
-          <a:p>
-            <a:r>
-              <a:rPr lang="en-GB" dirty="0"/>
-              <a:t>Faster startup</a:t>
-            </a:r>
-          </a:p>
-          <a:p>
-            <a:r>
-              <a:rPr lang="en-GB" dirty="0"/>
-              <a:t>Less memory use</a:t>
-            </a:r>
-            <a:endParaRPr lang="en-AU" dirty="0"/>
-          </a:p>
-        </p:txBody>
-      </p:sp>
-    </p:spTree>
-    <p:extLst>
-      <p:ext uri="{BB962C8B-B14F-4D97-AF65-F5344CB8AC3E}">
-        <p14:creationId xmlns:p14="http://schemas.microsoft.com/office/powerpoint/2010/main" val="87336337"/>
-      </p:ext>
-    </p:extLst>
-  </p:cSld>
-  <p:clrMapOvr>
-    <a:masterClrMapping/>
-  </p:clrMapOvr>
-</p:sld>
-</file>
-
-<file path=ppt/slides/slide6.xml><?xml version="1.0" encoding="utf-8"?>
-<p:sld xmlns:a="http://schemas.openxmlformats.org/drawingml/2006/main" xmlns:r="http://schemas.openxmlformats.org/officeDocument/2006/relationships" xmlns:p="http://schemas.openxmlformats.org/presentationml/2006/main">
-  <p:cSld>
-    <p:spTree>
-      <p:nvGrpSpPr>
-        <p:cNvPr id="1" name=""/>
-        <p:cNvGrpSpPr/>
-        <p:nvPr/>
-      </p:nvGrpSpPr>
-      <p:grpSpPr>
-        <a:xfrm>
-          <a:off x="0" y="0"/>
-          <a:ext cx="0" cy="0"/>
-          <a:chOff x="0" y="0"/>
-          <a:chExt cx="0" cy="0"/>
-        </a:xfrm>
-      </p:grpSpPr>
-      <p:sp>
-        <p:nvSpPr>
-          <p:cNvPr id="4" name="Title 3">
-            <a:extLst>
-              <a:ext uri="{FF2B5EF4-FFF2-40B4-BE49-F238E27FC236}">
-                <a16:creationId xmlns:a16="http://schemas.microsoft.com/office/drawing/2014/main" id="{9C5F3F56-184D-C324-9FD0-9004A515C337}"/>
-              </a:ext>
-            </a:extLst>
-          </p:cNvPr>
-          <p:cNvSpPr>
-            <a:spLocks noGrp="1"/>
-          </p:cNvSpPr>
-          <p:nvPr>
-            <p:ph type="title"/>
-          </p:nvPr>
-        </p:nvSpPr>
-        <p:spPr/>
-        <p:txBody>
-          <a:bodyPr/>
-          <a:lstStyle/>
-          <a:p>
-            <a:r>
-              <a:rPr lang="en-AU" dirty="0"/>
-              <a:t>How does native AOT work?</a:t>
-            </a:r>
-          </a:p>
-        </p:txBody>
-      </p:sp>
-      <p:sp>
-        <p:nvSpPr>
-          <p:cNvPr id="5" name="Content Placeholder 4">
-            <a:extLst>
-              <a:ext uri="{FF2B5EF4-FFF2-40B4-BE49-F238E27FC236}">
-                <a16:creationId xmlns:a16="http://schemas.microsoft.com/office/drawing/2014/main" id="{AD5781B7-8509-4495-41B9-1028316DE080}"/>
-              </a:ext>
-            </a:extLst>
-          </p:cNvPr>
-          <p:cNvSpPr>
-            <a:spLocks noGrp="1"/>
-          </p:cNvSpPr>
-          <p:nvPr>
-            <p:ph idx="1"/>
-          </p:nvPr>
-        </p:nvSpPr>
-        <p:spPr/>
-        <p:txBody>
-          <a:bodyPr/>
-          <a:lstStyle/>
-          <a:p>
-            <a:r>
-              <a:rPr lang="en-AU" dirty="0"/>
-              <a:t>C# is compiled to IL on build.</a:t>
-            </a:r>
-          </a:p>
-          <a:p>
-            <a:r>
-              <a:rPr lang="en-AU" dirty="0"/>
-              <a:t>IL is compiled to platform code on publish.</a:t>
-            </a:r>
-          </a:p>
-          <a:p>
-            <a:r>
-              <a:rPr lang="en-AU" dirty="0"/>
-              <a:t>Published app:</a:t>
-            </a:r>
-          </a:p>
-          <a:p>
-            <a:pPr lvl="1"/>
-            <a:r>
-              <a:rPr lang="en-AU" dirty="0"/>
-              <a:t>Has no JIT (Just-in-time) complier</a:t>
-            </a:r>
-          </a:p>
-          <a:p>
-            <a:pPr lvl="1"/>
-            <a:r>
-              <a:rPr lang="en-AU" dirty="0"/>
-              <a:t>Still contains a runtime &amp; GC (is still “managed”)</a:t>
-            </a:r>
-          </a:p>
-          <a:p>
-            <a:pPr lvl="1"/>
-            <a:r>
-              <a:rPr lang="en-AU" dirty="0"/>
-              <a:t>Is single-file</a:t>
-            </a:r>
-          </a:p>
-          <a:p>
-            <a:pPr lvl="1"/>
-            <a:r>
-              <a:rPr lang="en-AU" dirty="0"/>
-              <a:t>Is trimmed to reduce app size</a:t>
-            </a:r>
-          </a:p>
-          <a:p>
-            <a:pPr lvl="1"/>
-            <a:r>
-              <a:rPr lang="en-AU" dirty="0"/>
-              <a:t>Is OS &amp; architecture specific, e.g. linux-x64</a:t>
-            </a:r>
-          </a:p>
-        </p:txBody>
-      </p:sp>
-    </p:spTree>
-    <p:extLst>
-      <p:ext uri="{BB962C8B-B14F-4D97-AF65-F5344CB8AC3E}">
-        <p14:creationId xmlns:p14="http://schemas.microsoft.com/office/powerpoint/2010/main" val="1954448877"/>
-      </p:ext>
-    </p:extLst>
-  </p:cSld>
-  <p:clrMapOvr>
-    <a:masterClrMapping/>
-  </p:clrMapOvr>
-</p:sld>
-</file>
-
-<file path=ppt/slides/slide7.xml><?xml version="1.0" encoding="utf-8"?>
-<p:sld xmlns:a="http://schemas.openxmlformats.org/drawingml/2006/main" xmlns:r="http://schemas.openxmlformats.org/officeDocument/2006/relationships" xmlns:p="http://schemas.openxmlformats.org/presentationml/2006/main">
-  <p:cSld>
-    <p:spTree>
-      <p:nvGrpSpPr>
-        <p:cNvPr id="1" name=""/>
-        <p:cNvGrpSpPr/>
-        <p:nvPr/>
-      </p:nvGrpSpPr>
-      <p:grpSpPr>
-        <a:xfrm>
-          <a:off x="0" y="0"/>
-          <a:ext cx="0" cy="0"/>
-          <a:chOff x="0" y="0"/>
-          <a:chExt cx="0" cy="0"/>
-        </a:xfrm>
-      </p:grpSpPr>
-      <p:sp>
-        <p:nvSpPr>
-          <p:cNvPr id="4" name="Title 3">
-            <a:extLst>
-              <a:ext uri="{FF2B5EF4-FFF2-40B4-BE49-F238E27FC236}">
-                <a16:creationId xmlns:a16="http://schemas.microsoft.com/office/drawing/2014/main" id="{34B4E8A6-A076-8CDA-14AB-73E908A9F068}"/>
-              </a:ext>
-            </a:extLst>
-          </p:cNvPr>
-          <p:cNvSpPr>
-            <a:spLocks noGrp="1"/>
-          </p:cNvSpPr>
-          <p:nvPr>
-            <p:ph type="title"/>
-          </p:nvPr>
-        </p:nvSpPr>
-        <p:spPr/>
-        <p:txBody>
-          <a:bodyPr/>
-          <a:lstStyle/>
-          <a:p>
-            <a:r>
-              <a:rPr lang="en-GB" dirty="0"/>
-              <a:t>Resiliency Improvements</a:t>
-            </a:r>
-            <a:endParaRPr lang="en-AU" dirty="0"/>
-          </a:p>
-        </p:txBody>
-      </p:sp>
-      <p:sp>
-        <p:nvSpPr>
-          <p:cNvPr id="5" name="Text Placeholder 4">
-            <a:extLst>
-              <a:ext uri="{FF2B5EF4-FFF2-40B4-BE49-F238E27FC236}">
-                <a16:creationId xmlns:a16="http://schemas.microsoft.com/office/drawing/2014/main" id="{5BD88284-4DEE-229D-B193-C4CE028BCC8C}"/>
-              </a:ext>
-            </a:extLst>
-          </p:cNvPr>
-          <p:cNvSpPr>
-            <a:spLocks noGrp="1"/>
-          </p:cNvSpPr>
-          <p:nvPr>
-            <p:ph type="body" idx="1"/>
-          </p:nvPr>
-        </p:nvSpPr>
-        <p:spPr/>
-        <p:txBody>
-          <a:bodyPr/>
-          <a:lstStyle/>
-          <a:p>
-            <a:endParaRPr lang="en-AU"/>
-          </a:p>
-        </p:txBody>
-      </p:sp>
-    </p:spTree>
-    <p:extLst>
-      <p:ext uri="{BB962C8B-B14F-4D97-AF65-F5344CB8AC3E}">
-        <p14:creationId xmlns:p14="http://schemas.microsoft.com/office/powerpoint/2010/main" val="1199755510"/>
-      </p:ext>
-    </p:extLst>
-  </p:cSld>
-  <p:clrMapOvr>
-    <a:masterClrMapping/>
-  </p:clrMapOvr>
-</p:sld>
-</file>
-
-<file path=ppt/slides/slide8.xml><?xml version="1.0" encoding="utf-8"?>
-<p:sld xmlns:a="http://schemas.openxmlformats.org/drawingml/2006/main" xmlns:r="http://schemas.openxmlformats.org/officeDocument/2006/relationships" xmlns:p="http://schemas.openxmlformats.org/presentationml/2006/main">
-  <p:cSld>
-    <p:spTree>
-      <p:nvGrpSpPr>
-        <p:cNvPr id="1" name=""/>
-        <p:cNvGrpSpPr/>
-        <p:nvPr/>
-      </p:nvGrpSpPr>
-      <p:grpSpPr>
-        <a:xfrm>
-          <a:off x="0" y="0"/>
-          <a:ext cx="0" cy="0"/>
-          <a:chOff x="0" y="0"/>
-          <a:chExt cx="0" cy="0"/>
-        </a:xfrm>
-      </p:grpSpPr>
-      <p:sp>
-        <p:nvSpPr>
-          <p:cNvPr id="6" name="Title 5">
-            <a:extLst>
-              <a:ext uri="{FF2B5EF4-FFF2-40B4-BE49-F238E27FC236}">
-                <a16:creationId xmlns:a16="http://schemas.microsoft.com/office/drawing/2014/main" id="{22BFB6FC-B2C6-6C1F-0597-E3CBFFD5A639}"/>
-              </a:ext>
-            </a:extLst>
-          </p:cNvPr>
-          <p:cNvSpPr>
-            <a:spLocks noGrp="1"/>
-          </p:cNvSpPr>
-          <p:nvPr>
-            <p:ph type="ctrTitle"/>
-          </p:nvPr>
-        </p:nvSpPr>
-        <p:spPr/>
-        <p:txBody>
-          <a:bodyPr/>
-          <a:lstStyle/>
-          <a:p>
-            <a:r>
-              <a:rPr lang="en-AU" dirty="0"/>
-              <a:t>Failures will happen!</a:t>
-            </a:r>
-          </a:p>
-        </p:txBody>
-      </p:sp>
-      <p:sp>
-        <p:nvSpPr>
-          <p:cNvPr id="7" name="Subtitle 6">
-            <a:extLst>
-              <a:ext uri="{FF2B5EF4-FFF2-40B4-BE49-F238E27FC236}">
-                <a16:creationId xmlns:a16="http://schemas.microsoft.com/office/drawing/2014/main" id="{59E5AA5D-AE2C-C89E-1E1D-E3546CBA3BD5}"/>
-              </a:ext>
-            </a:extLst>
-          </p:cNvPr>
-          <p:cNvSpPr>
-            <a:spLocks noGrp="1"/>
-          </p:cNvSpPr>
-          <p:nvPr>
-            <p:ph type="subTitle" idx="1"/>
-          </p:nvPr>
-        </p:nvSpPr>
-        <p:spPr/>
-        <p:txBody>
-          <a:bodyPr/>
-          <a:lstStyle/>
-          <a:p>
-            <a:r>
-              <a:rPr lang="en-AU" dirty="0"/>
-              <a:t>Network outages</a:t>
-            </a:r>
-          </a:p>
-          <a:p>
-            <a:r>
-              <a:rPr lang="en-AU" dirty="0"/>
-              <a:t>Transient service errors</a:t>
-            </a:r>
-          </a:p>
-          <a:p>
-            <a:r>
-              <a:rPr lang="en-AU" dirty="0"/>
-              <a:t>Remote service outage</a:t>
-            </a:r>
-          </a:p>
-        </p:txBody>
-      </p:sp>
-    </p:spTree>
-    <p:extLst>
-      <p:ext uri="{BB962C8B-B14F-4D97-AF65-F5344CB8AC3E}">
-        <p14:creationId xmlns:p14="http://schemas.microsoft.com/office/powerpoint/2010/main" val="2072064123"/>
-      </p:ext>
-    </p:extLst>
-  </p:cSld>
-  <p:clrMapOvr>
-    <a:masterClrMapping/>
-  </p:clrMapOvr>
-</p:sld>
-</file>
-
-<file path=ppt/slides/slide9.xml><?xml version="1.0" encoding="utf-8"?>
-<p:sld xmlns:a="http://schemas.openxmlformats.org/drawingml/2006/main" xmlns:r="http://schemas.openxmlformats.org/officeDocument/2006/relationships" xmlns:p="http://schemas.openxmlformats.org/presentationml/2006/main">
-  <p:cSld>
-    <p:spTree>
-      <p:nvGrpSpPr>
-        <p:cNvPr id="1" name=""/>
-        <p:cNvGrpSpPr/>
-        <p:nvPr/>
-      </p:nvGrpSpPr>
-      <p:grpSpPr>
-        <a:xfrm>
-          <a:off x="0" y="0"/>
-          <a:ext cx="0" cy="0"/>
-          <a:chOff x="0" y="0"/>
-          <a:chExt cx="0" cy="0"/>
-        </a:xfrm>
-      </p:grpSpPr>
-      <p:sp>
-        <p:nvSpPr>
-          <p:cNvPr id="2" name="Title 1">
-            <a:extLst>
-              <a:ext uri="{FF2B5EF4-FFF2-40B4-BE49-F238E27FC236}">
                 <a16:creationId xmlns:a16="http://schemas.microsoft.com/office/drawing/2014/main" id="{195EA104-91C8-A314-5491-91F4CC12523E}"/>
               </a:ext>
             </a:extLst>
@@ -4764,7 +4754,7 @@
                       <a:r>
                         <a:rPr lang="en-AU" u="none" strike="noStrike">
                           <a:effectLst/>
-                          <a:hlinkClick r:id="rId2"/>
+                          <a:hlinkClick r:id="rId3"/>
                         </a:rPr>
                         <a:t>📦 Microsoft.Extensions.Resilience</a:t>
                       </a:r>
@@ -4807,7 +4797,7 @@
                       <a:r>
                         <a:rPr lang="en-AU" u="none" strike="noStrike">
                           <a:effectLst/>
-                          <a:hlinkClick r:id="rId3"/>
+                          <a:hlinkClick r:id="rId4"/>
                         </a:rPr>
                         <a:t>📦 Microsoft.Extensions.Http.Resilience</a:t>
                       </a:r>
@@ -4833,7 +4823,7 @@
                       <a:r>
                         <a:rPr lang="en-GB" u="none" strike="noStrike" dirty="0" err="1">
                           <a:effectLst/>
-                          <a:hlinkClick r:id="rId4"/>
+                          <a:hlinkClick r:id="rId5"/>
                         </a:rPr>
                         <a:t>HttpClient</a:t>
                       </a:r>
@@ -4916,7 +4906,7 @@
                 </a:solidFill>
                 <a:effectLst/>
                 <a:latin typeface="Segoe UI" panose="020B0502040204020203" pitchFamily="34" charset="0"/>
-                <a:hlinkClick r:id="rId5">
+                <a:hlinkClick r:id="rId6">
                   <a:extLst>
                     <a:ext uri="{A12FA001-AC4F-418D-AE19-62706E023703}">
                       <ahyp:hlinkClr xmlns:ahyp="http://schemas.microsoft.com/office/drawing/2018/hyperlinkcolor" val="tx"/>
@@ -4948,6 +4938,1478 @@
     <p:extLst>
       <p:ext uri="{BB962C8B-B14F-4D97-AF65-F5344CB8AC3E}">
         <p14:creationId xmlns:p14="http://schemas.microsoft.com/office/powerpoint/2010/main" val="715692543"/>
+      </p:ext>
+    </p:extLst>
+  </p:cSld>
+  <p:clrMapOvr>
+    <a:masterClrMapping/>
+  </p:clrMapOvr>
+</p:sld>
+</file>
+
+<file path=ppt/slides/slide11.xml><?xml version="1.0" encoding="utf-8"?>
+<p:sld xmlns:a="http://schemas.openxmlformats.org/drawingml/2006/main" xmlns:r="http://schemas.openxmlformats.org/officeDocument/2006/relationships" xmlns:p="http://schemas.openxmlformats.org/presentationml/2006/main">
+  <p:cSld>
+    <p:spTree>
+      <p:nvGrpSpPr>
+        <p:cNvPr id="1" name=""/>
+        <p:cNvGrpSpPr/>
+        <p:nvPr/>
+      </p:nvGrpSpPr>
+      <p:grpSpPr>
+        <a:xfrm>
+          <a:off x="0" y="0"/>
+          <a:ext cx="0" cy="0"/>
+          <a:chOff x="0" y="0"/>
+          <a:chExt cx="0" cy="0"/>
+        </a:xfrm>
+      </p:grpSpPr>
+      <p:sp>
+        <p:nvSpPr>
+          <p:cNvPr id="2" name="Title 1">
+            <a:extLst>
+              <a:ext uri="{FF2B5EF4-FFF2-40B4-BE49-F238E27FC236}">
+                <a16:creationId xmlns:a16="http://schemas.microsoft.com/office/drawing/2014/main" id="{63A35F26-3E9D-AA43-3FCA-D6D73F3028A4}"/>
+              </a:ext>
+            </a:extLst>
+          </p:cNvPr>
+          <p:cNvSpPr>
+            <a:spLocks noGrp="1"/>
+          </p:cNvSpPr>
+          <p:nvPr>
+            <p:ph type="title"/>
+          </p:nvPr>
+        </p:nvSpPr>
+        <p:spPr/>
+        <p:txBody>
+          <a:bodyPr/>
+          <a:lstStyle/>
+          <a:p>
+            <a:r>
+              <a:rPr lang="en-AU" dirty="0"/>
+              <a:t>Built on Polly - .NET resilience library</a:t>
+            </a:r>
+          </a:p>
+        </p:txBody>
+      </p:sp>
+      <p:sp>
+        <p:nvSpPr>
+          <p:cNvPr id="3" name="Content Placeholder 2">
+            <a:extLst>
+              <a:ext uri="{FF2B5EF4-FFF2-40B4-BE49-F238E27FC236}">
+                <a16:creationId xmlns:a16="http://schemas.microsoft.com/office/drawing/2014/main" id="{ED066E45-362E-2584-0DD0-76B5F5305028}"/>
+              </a:ext>
+            </a:extLst>
+          </p:cNvPr>
+          <p:cNvSpPr>
+            <a:spLocks noGrp="1"/>
+          </p:cNvSpPr>
+          <p:nvPr>
+            <p:ph idx="1"/>
+          </p:nvPr>
+        </p:nvSpPr>
+        <p:spPr/>
+        <p:txBody>
+          <a:bodyPr/>
+          <a:lstStyle/>
+          <a:p>
+            <a:r>
+              <a:rPr lang="en-AU" dirty="0"/>
+              <a:t>Handles Transient failures</a:t>
+            </a:r>
+          </a:p>
+          <a:p>
+            <a:r>
+              <a:rPr lang="en-AU" dirty="0"/>
+              <a:t>Protects system resources</a:t>
+            </a:r>
+          </a:p>
+          <a:p>
+            <a:r>
+              <a:rPr lang="en-AU" dirty="0"/>
+              <a:t>Policies that you can implement include:</a:t>
+            </a:r>
+          </a:p>
+          <a:p>
+            <a:pPr lvl="1"/>
+            <a:r>
+              <a:rPr lang="en-AU" dirty="0"/>
+              <a:t>Retry – Try again if something fails.</a:t>
+            </a:r>
+          </a:p>
+          <a:p>
+            <a:pPr lvl="1"/>
+            <a:r>
+              <a:rPr lang="en-AU" dirty="0"/>
+              <a:t>Circuit breaker – Stop trying if something is broken or busy.</a:t>
+            </a:r>
+          </a:p>
+          <a:p>
+            <a:pPr lvl="1"/>
+            <a:r>
+              <a:rPr lang="en-AU" dirty="0"/>
+              <a:t>Timeout – Give up if something takes too long.</a:t>
+            </a:r>
+          </a:p>
+          <a:p>
+            <a:pPr lvl="1"/>
+            <a:r>
+              <a:rPr lang="en-AU" dirty="0"/>
+              <a:t>Fallback – Do something else if something fails.</a:t>
+            </a:r>
+          </a:p>
+          <a:p>
+            <a:pPr lvl="1"/>
+            <a:r>
+              <a:rPr lang="en-AU" dirty="0"/>
+              <a:t>Rate limiting – Limit how many requests you make or accept.</a:t>
+            </a:r>
+          </a:p>
+        </p:txBody>
+      </p:sp>
+    </p:spTree>
+    <p:extLst>
+      <p:ext uri="{BB962C8B-B14F-4D97-AF65-F5344CB8AC3E}">
+        <p14:creationId xmlns:p14="http://schemas.microsoft.com/office/powerpoint/2010/main" val="1294719519"/>
+      </p:ext>
+    </p:extLst>
+  </p:cSld>
+  <p:clrMapOvr>
+    <a:masterClrMapping/>
+  </p:clrMapOvr>
+</p:sld>
+</file>
+
+<file path=ppt/slides/slide12.xml><?xml version="1.0" encoding="utf-8"?>
+<p:sld xmlns:a="http://schemas.openxmlformats.org/drawingml/2006/main" xmlns:r="http://schemas.openxmlformats.org/officeDocument/2006/relationships" xmlns:p="http://schemas.openxmlformats.org/presentationml/2006/main">
+  <p:cSld>
+    <p:spTree>
+      <p:nvGrpSpPr>
+        <p:cNvPr id="1" name=""/>
+        <p:cNvGrpSpPr/>
+        <p:nvPr/>
+      </p:nvGrpSpPr>
+      <p:grpSpPr>
+        <a:xfrm>
+          <a:off x="0" y="0"/>
+          <a:ext cx="0" cy="0"/>
+          <a:chOff x="0" y="0"/>
+          <a:chExt cx="0" cy="0"/>
+        </a:xfrm>
+      </p:grpSpPr>
+      <p:sp>
+        <p:nvSpPr>
+          <p:cNvPr id="4" name="Title 3">
+            <a:extLst>
+              <a:ext uri="{FF2B5EF4-FFF2-40B4-BE49-F238E27FC236}">
+                <a16:creationId xmlns:a16="http://schemas.microsoft.com/office/drawing/2014/main" id="{010E0517-B83B-A9C3-4D5A-1C090AA7581B}"/>
+              </a:ext>
+            </a:extLst>
+          </p:cNvPr>
+          <p:cNvSpPr>
+            <a:spLocks noGrp="1"/>
+          </p:cNvSpPr>
+          <p:nvPr>
+            <p:ph type="title"/>
+          </p:nvPr>
+        </p:nvSpPr>
+        <p:spPr/>
+        <p:txBody>
+          <a:bodyPr/>
+          <a:lstStyle/>
+          <a:p>
+            <a:r>
+              <a:rPr lang="en-NZ" dirty="0"/>
+              <a:t>Resiliency Demo</a:t>
+            </a:r>
+          </a:p>
+        </p:txBody>
+      </p:sp>
+      <p:sp>
+        <p:nvSpPr>
+          <p:cNvPr id="5" name="Text Placeholder 4">
+            <a:extLst>
+              <a:ext uri="{FF2B5EF4-FFF2-40B4-BE49-F238E27FC236}">
+                <a16:creationId xmlns:a16="http://schemas.microsoft.com/office/drawing/2014/main" id="{907BDE63-28BA-9E65-E41D-7C3BC6308C52}"/>
+              </a:ext>
+            </a:extLst>
+          </p:cNvPr>
+          <p:cNvSpPr>
+            <a:spLocks noGrp="1"/>
+          </p:cNvSpPr>
+          <p:nvPr>
+            <p:ph type="body" idx="1"/>
+          </p:nvPr>
+        </p:nvSpPr>
+        <p:spPr/>
+        <p:txBody>
+          <a:bodyPr/>
+          <a:lstStyle/>
+          <a:p>
+            <a:endParaRPr lang="en-NZ"/>
+          </a:p>
+        </p:txBody>
+      </p:sp>
+    </p:spTree>
+    <p:extLst>
+      <p:ext uri="{BB962C8B-B14F-4D97-AF65-F5344CB8AC3E}">
+        <p14:creationId xmlns:p14="http://schemas.microsoft.com/office/powerpoint/2010/main" val="1886326166"/>
+      </p:ext>
+    </p:extLst>
+  </p:cSld>
+  <p:clrMapOvr>
+    <a:masterClrMapping/>
+  </p:clrMapOvr>
+</p:sld>
+</file>
+
+<file path=ppt/slides/slide13.xml><?xml version="1.0" encoding="utf-8"?>
+<p:sld xmlns:a="http://schemas.openxmlformats.org/drawingml/2006/main" xmlns:r="http://schemas.openxmlformats.org/officeDocument/2006/relationships" xmlns:p="http://schemas.openxmlformats.org/presentationml/2006/main">
+  <p:cSld>
+    <p:spTree>
+      <p:nvGrpSpPr>
+        <p:cNvPr id="1" name=""/>
+        <p:cNvGrpSpPr/>
+        <p:nvPr/>
+      </p:nvGrpSpPr>
+      <p:grpSpPr>
+        <a:xfrm>
+          <a:off x="0" y="0"/>
+          <a:ext cx="0" cy="0"/>
+          <a:chOff x="0" y="0"/>
+          <a:chExt cx="0" cy="0"/>
+        </a:xfrm>
+      </p:grpSpPr>
+      <p:sp>
+        <p:nvSpPr>
+          <p:cNvPr id="2" name="Title 1">
+            <a:extLst>
+              <a:ext uri="{FF2B5EF4-FFF2-40B4-BE49-F238E27FC236}">
+                <a16:creationId xmlns:a16="http://schemas.microsoft.com/office/drawing/2014/main" id="{2F9DE934-FD49-E778-32F6-AE46E71CECCB}"/>
+              </a:ext>
+            </a:extLst>
+          </p:cNvPr>
+          <p:cNvSpPr>
+            <a:spLocks noGrp="1"/>
+          </p:cNvSpPr>
+          <p:nvPr>
+            <p:ph type="title"/>
+          </p:nvPr>
+        </p:nvSpPr>
+        <p:spPr/>
+        <p:txBody>
+          <a:bodyPr/>
+          <a:lstStyle/>
+          <a:p>
+            <a:r>
+              <a:rPr lang="en-NZ" dirty="0" err="1"/>
+              <a:t>Microsoft.Extensions.Http.Resilience</a:t>
+            </a:r>
+            <a:endParaRPr lang="en-NZ" dirty="0"/>
+          </a:p>
+        </p:txBody>
+      </p:sp>
+      <p:sp>
+        <p:nvSpPr>
+          <p:cNvPr id="3" name="Content Placeholder 2">
+            <a:extLst>
+              <a:ext uri="{FF2B5EF4-FFF2-40B4-BE49-F238E27FC236}">
+                <a16:creationId xmlns:a16="http://schemas.microsoft.com/office/drawing/2014/main" id="{82AD9ABB-687B-BCF5-D26D-C6C2FDB1DB45}"/>
+              </a:ext>
+            </a:extLst>
+          </p:cNvPr>
+          <p:cNvSpPr>
+            <a:spLocks noGrp="1"/>
+          </p:cNvSpPr>
+          <p:nvPr>
+            <p:ph idx="1"/>
+          </p:nvPr>
+        </p:nvSpPr>
+        <p:spPr/>
+        <p:txBody>
+          <a:bodyPr/>
+          <a:lstStyle/>
+          <a:p>
+            <a:r>
+              <a:rPr lang="en-NZ" b="1" dirty="0" err="1"/>
+              <a:t>AddResilienceHandler</a:t>
+            </a:r>
+            <a:endParaRPr lang="en-NZ" b="1" dirty="0"/>
+          </a:p>
+          <a:p>
+            <a:pPr lvl="1"/>
+            <a:r>
+              <a:rPr lang="en-NZ" dirty="0"/>
+              <a:t>Used for custom resilience pipelines</a:t>
+            </a:r>
+          </a:p>
+          <a:p>
+            <a:pPr lvl="1"/>
+            <a:r>
+              <a:rPr lang="en-NZ" dirty="0"/>
+              <a:t>Used when standard resilience or standard hedging is not suitable</a:t>
+            </a:r>
+          </a:p>
+          <a:p>
+            <a:r>
+              <a:rPr lang="en-NZ" b="1" dirty="0" err="1"/>
+              <a:t>AddStandardResilienceHandler</a:t>
+            </a:r>
+            <a:endParaRPr lang="en-NZ" b="1" dirty="0"/>
+          </a:p>
+          <a:p>
+            <a:pPr lvl="1"/>
+            <a:r>
+              <a:rPr lang="en-NZ" dirty="0"/>
+              <a:t>Recommended out-of-the-box resilience solution.</a:t>
+            </a:r>
+          </a:p>
+          <a:p>
+            <a:r>
+              <a:rPr lang="en-NZ" b="1" dirty="0" err="1"/>
+              <a:t>AddStandardHedgingHandler</a:t>
+            </a:r>
+            <a:endParaRPr lang="en-NZ" b="1" dirty="0"/>
+          </a:p>
+          <a:p>
+            <a:pPr lvl="1"/>
+            <a:r>
+              <a:rPr lang="en-NZ" dirty="0"/>
+              <a:t>Improves latencies, increases costs</a:t>
+            </a:r>
+          </a:p>
+          <a:p>
+            <a:pPr lvl="1"/>
+            <a:r>
+              <a:rPr lang="en-NZ" dirty="0"/>
+              <a:t>Can send requests concurrently</a:t>
+            </a:r>
+          </a:p>
+          <a:p>
+            <a:pPr lvl="1"/>
+            <a:r>
+              <a:rPr lang="en-NZ" dirty="0"/>
+              <a:t>Supports routing</a:t>
+            </a:r>
+          </a:p>
+          <a:p>
+            <a:pPr lvl="1"/>
+            <a:r>
+              <a:rPr lang="en-NZ" dirty="0"/>
+              <a:t>Used for idempotent request only.</a:t>
+            </a:r>
+          </a:p>
+        </p:txBody>
+      </p:sp>
+    </p:spTree>
+    <p:extLst>
+      <p:ext uri="{BB962C8B-B14F-4D97-AF65-F5344CB8AC3E}">
+        <p14:creationId xmlns:p14="http://schemas.microsoft.com/office/powerpoint/2010/main" val="3123102304"/>
+      </p:ext>
+    </p:extLst>
+  </p:cSld>
+  <p:clrMapOvr>
+    <a:masterClrMapping/>
+  </p:clrMapOvr>
+</p:sld>
+</file>
+
+<file path=ppt/slides/slide14.xml><?xml version="1.0" encoding="utf-8"?>
+<p:sld xmlns:a="http://schemas.openxmlformats.org/drawingml/2006/main" xmlns:r="http://schemas.openxmlformats.org/officeDocument/2006/relationships" xmlns:p="http://schemas.openxmlformats.org/presentationml/2006/main">
+  <p:cSld>
+    <p:spTree>
+      <p:nvGrpSpPr>
+        <p:cNvPr id="1" name=""/>
+        <p:cNvGrpSpPr/>
+        <p:nvPr/>
+      </p:nvGrpSpPr>
+      <p:grpSpPr>
+        <a:xfrm>
+          <a:off x="0" y="0"/>
+          <a:ext cx="0" cy="0"/>
+          <a:chOff x="0" y="0"/>
+          <a:chExt cx="0" cy="0"/>
+        </a:xfrm>
+      </p:grpSpPr>
+      <p:sp>
+        <p:nvSpPr>
+          <p:cNvPr id="4" name="Title 3">
+            <a:extLst>
+              <a:ext uri="{FF2B5EF4-FFF2-40B4-BE49-F238E27FC236}">
+                <a16:creationId xmlns:a16="http://schemas.microsoft.com/office/drawing/2014/main" id="{13AB46B6-6F9A-086E-4E9F-689A28982F82}"/>
+              </a:ext>
+            </a:extLst>
+          </p:cNvPr>
+          <p:cNvSpPr>
+            <a:spLocks noGrp="1"/>
+          </p:cNvSpPr>
+          <p:nvPr>
+            <p:ph type="title"/>
+          </p:nvPr>
+        </p:nvSpPr>
+        <p:spPr/>
+        <p:txBody>
+          <a:bodyPr/>
+          <a:lstStyle/>
+          <a:p>
+            <a:r>
+              <a:rPr lang="en-GB" dirty="0"/>
+              <a:t>Open Telemetry Improvements</a:t>
+            </a:r>
+            <a:endParaRPr lang="en-AU" dirty="0"/>
+          </a:p>
+        </p:txBody>
+      </p:sp>
+      <p:sp>
+        <p:nvSpPr>
+          <p:cNvPr id="5" name="Text Placeholder 4">
+            <a:extLst>
+              <a:ext uri="{FF2B5EF4-FFF2-40B4-BE49-F238E27FC236}">
+                <a16:creationId xmlns:a16="http://schemas.microsoft.com/office/drawing/2014/main" id="{239FE560-E3D2-C5D4-7E61-3C34AC9F81A8}"/>
+              </a:ext>
+            </a:extLst>
+          </p:cNvPr>
+          <p:cNvSpPr>
+            <a:spLocks noGrp="1"/>
+          </p:cNvSpPr>
+          <p:nvPr>
+            <p:ph type="body" idx="1"/>
+          </p:nvPr>
+        </p:nvSpPr>
+        <p:spPr/>
+        <p:txBody>
+          <a:bodyPr/>
+          <a:lstStyle/>
+          <a:p>
+            <a:endParaRPr lang="en-AU"/>
+          </a:p>
+        </p:txBody>
+      </p:sp>
+    </p:spTree>
+    <p:extLst>
+      <p:ext uri="{BB962C8B-B14F-4D97-AF65-F5344CB8AC3E}">
+        <p14:creationId xmlns:p14="http://schemas.microsoft.com/office/powerpoint/2010/main" val="3593118543"/>
+      </p:ext>
+    </p:extLst>
+  </p:cSld>
+  <p:clrMapOvr>
+    <a:masterClrMapping/>
+  </p:clrMapOvr>
+</p:sld>
+</file>
+
+<file path=ppt/slides/slide15.xml><?xml version="1.0" encoding="utf-8"?>
+<p:sld xmlns:a="http://schemas.openxmlformats.org/drawingml/2006/main" xmlns:r="http://schemas.openxmlformats.org/officeDocument/2006/relationships" xmlns:p="http://schemas.openxmlformats.org/presentationml/2006/main">
+  <p:cSld>
+    <p:spTree>
+      <p:nvGrpSpPr>
+        <p:cNvPr id="1" name=""/>
+        <p:cNvGrpSpPr/>
+        <p:nvPr/>
+      </p:nvGrpSpPr>
+      <p:grpSpPr>
+        <a:xfrm>
+          <a:off x="0" y="0"/>
+          <a:ext cx="0" cy="0"/>
+          <a:chOff x="0" y="0"/>
+          <a:chExt cx="0" cy="0"/>
+        </a:xfrm>
+      </p:grpSpPr>
+      <p:sp>
+        <p:nvSpPr>
+          <p:cNvPr id="4" name="Title 3">
+            <a:extLst>
+              <a:ext uri="{FF2B5EF4-FFF2-40B4-BE49-F238E27FC236}">
+                <a16:creationId xmlns:a16="http://schemas.microsoft.com/office/drawing/2014/main" id="{AA1C4710-A126-C372-A67C-F36740142F95}"/>
+              </a:ext>
+            </a:extLst>
+          </p:cNvPr>
+          <p:cNvSpPr>
+            <a:spLocks noGrp="1"/>
+          </p:cNvSpPr>
+          <p:nvPr>
+            <p:ph type="title"/>
+          </p:nvPr>
+        </p:nvSpPr>
+        <p:spPr/>
+        <p:txBody>
+          <a:bodyPr/>
+          <a:lstStyle/>
+          <a:p>
+            <a:r>
+              <a:rPr lang="en-GB" dirty="0"/>
+              <a:t>.NET Aspire</a:t>
+            </a:r>
+            <a:endParaRPr lang="en-AU" dirty="0"/>
+          </a:p>
+        </p:txBody>
+      </p:sp>
+      <p:sp>
+        <p:nvSpPr>
+          <p:cNvPr id="5" name="Text Placeholder 4">
+            <a:extLst>
+              <a:ext uri="{FF2B5EF4-FFF2-40B4-BE49-F238E27FC236}">
+                <a16:creationId xmlns:a16="http://schemas.microsoft.com/office/drawing/2014/main" id="{416B9012-16C5-B06C-BD2B-8E4EF0756FB1}"/>
+              </a:ext>
+            </a:extLst>
+          </p:cNvPr>
+          <p:cNvSpPr>
+            <a:spLocks noGrp="1"/>
+          </p:cNvSpPr>
+          <p:nvPr>
+            <p:ph type="body" idx="1"/>
+          </p:nvPr>
+        </p:nvSpPr>
+        <p:spPr/>
+        <p:txBody>
+          <a:bodyPr/>
+          <a:lstStyle/>
+          <a:p>
+            <a:endParaRPr lang="en-AU"/>
+          </a:p>
+        </p:txBody>
+      </p:sp>
+    </p:spTree>
+    <p:extLst>
+      <p:ext uri="{BB962C8B-B14F-4D97-AF65-F5344CB8AC3E}">
+        <p14:creationId xmlns:p14="http://schemas.microsoft.com/office/powerpoint/2010/main" val="3026749814"/>
+      </p:ext>
+    </p:extLst>
+  </p:cSld>
+  <p:clrMapOvr>
+    <a:masterClrMapping/>
+  </p:clrMapOvr>
+</p:sld>
+</file>
+
+<file path=ppt/slides/slide16.xml><?xml version="1.0" encoding="utf-8"?>
+<p:sld xmlns:a="http://schemas.openxmlformats.org/drawingml/2006/main" xmlns:r="http://schemas.openxmlformats.org/officeDocument/2006/relationships" xmlns:p="http://schemas.openxmlformats.org/presentationml/2006/main">
+  <p:cSld>
+    <p:spTree>
+      <p:nvGrpSpPr>
+        <p:cNvPr id="1" name=""/>
+        <p:cNvGrpSpPr/>
+        <p:nvPr/>
+      </p:nvGrpSpPr>
+      <p:grpSpPr>
+        <a:xfrm>
+          <a:off x="0" y="0"/>
+          <a:ext cx="0" cy="0"/>
+          <a:chOff x="0" y="0"/>
+          <a:chExt cx="0" cy="0"/>
+        </a:xfrm>
+      </p:grpSpPr>
+      <p:sp>
+        <p:nvSpPr>
+          <p:cNvPr id="4" name="Title 3">
+            <a:extLst>
+              <a:ext uri="{FF2B5EF4-FFF2-40B4-BE49-F238E27FC236}">
+                <a16:creationId xmlns:a16="http://schemas.microsoft.com/office/drawing/2014/main" id="{FCBE0EC1-0495-D530-865F-A2FDCD50E28E}"/>
+              </a:ext>
+            </a:extLst>
+          </p:cNvPr>
+          <p:cNvSpPr>
+            <a:spLocks noGrp="1"/>
+          </p:cNvSpPr>
+          <p:nvPr>
+            <p:ph type="ctrTitle"/>
+          </p:nvPr>
+        </p:nvSpPr>
+        <p:spPr/>
+        <p:txBody>
+          <a:bodyPr/>
+          <a:lstStyle/>
+          <a:p>
+            <a:r>
+              <a:rPr lang="en-GB" dirty="0"/>
+              <a:t>Thanks for listening!</a:t>
+            </a:r>
+            <a:endParaRPr lang="en-AU" dirty="0"/>
+          </a:p>
+        </p:txBody>
+      </p:sp>
+      <p:sp>
+        <p:nvSpPr>
+          <p:cNvPr id="2" name="Subtitle 1">
+            <a:extLst>
+              <a:ext uri="{FF2B5EF4-FFF2-40B4-BE49-F238E27FC236}">
+                <a16:creationId xmlns:a16="http://schemas.microsoft.com/office/drawing/2014/main" id="{8DE72F54-D803-AEE7-D706-6F1C1F30C03F}"/>
+              </a:ext>
+            </a:extLst>
+          </p:cNvPr>
+          <p:cNvSpPr>
+            <a:spLocks noGrp="1"/>
+          </p:cNvSpPr>
+          <p:nvPr>
+            <p:ph type="subTitle" idx="1"/>
+          </p:nvPr>
+        </p:nvSpPr>
+        <p:spPr/>
+        <p:txBody>
+          <a:bodyPr>
+            <a:normAutofit/>
+          </a:bodyPr>
+          <a:lstStyle/>
+          <a:p>
+            <a:r>
+              <a:rPr lang="en-NZ" sz="1800" dirty="0"/>
+              <a:t>https://github.com/willvelida/talks/tree/main/whats-new-cloud-native-dev-dotnet8</a:t>
+            </a:r>
+          </a:p>
+        </p:txBody>
+      </p:sp>
+    </p:spTree>
+    <p:extLst>
+      <p:ext uri="{BB962C8B-B14F-4D97-AF65-F5344CB8AC3E}">
+        <p14:creationId xmlns:p14="http://schemas.microsoft.com/office/powerpoint/2010/main" val="2929817112"/>
+      </p:ext>
+    </p:extLst>
+  </p:cSld>
+  <p:clrMapOvr>
+    <a:masterClrMapping/>
+  </p:clrMapOvr>
+</p:sld>
+</file>
+
+<file path=ppt/slides/slide2.xml><?xml version="1.0" encoding="utf-8"?>
+<p:sld xmlns:a="http://schemas.openxmlformats.org/drawingml/2006/main" xmlns:r="http://schemas.openxmlformats.org/officeDocument/2006/relationships" xmlns:p="http://schemas.openxmlformats.org/presentationml/2006/main">
+  <p:cSld>
+    <p:spTree>
+      <p:nvGrpSpPr>
+        <p:cNvPr id="1" name=""/>
+        <p:cNvGrpSpPr/>
+        <p:nvPr/>
+      </p:nvGrpSpPr>
+      <p:grpSpPr>
+        <a:xfrm>
+          <a:off x="0" y="0"/>
+          <a:ext cx="0" cy="0"/>
+          <a:chOff x="0" y="0"/>
+          <a:chExt cx="0" cy="0"/>
+        </a:xfrm>
+      </p:grpSpPr>
+      <p:sp>
+        <p:nvSpPr>
+          <p:cNvPr id="2" name="Title 1">
+            <a:extLst>
+              <a:ext uri="{FF2B5EF4-FFF2-40B4-BE49-F238E27FC236}">
+                <a16:creationId xmlns:a16="http://schemas.microsoft.com/office/drawing/2014/main" id="{85B4BE4C-960D-E66A-D5D4-8E315A884690}"/>
+              </a:ext>
+            </a:extLst>
+          </p:cNvPr>
+          <p:cNvSpPr>
+            <a:spLocks noGrp="1"/>
+          </p:cNvSpPr>
+          <p:nvPr>
+            <p:ph type="title"/>
+          </p:nvPr>
+        </p:nvSpPr>
+        <p:spPr/>
+        <p:txBody>
+          <a:bodyPr/>
+          <a:lstStyle/>
+          <a:p>
+            <a:r>
+              <a:rPr lang="en-GB" dirty="0" err="1"/>
+              <a:t>whoami</a:t>
+            </a:r>
+            <a:endParaRPr lang="en-AU" dirty="0"/>
+          </a:p>
+        </p:txBody>
+      </p:sp>
+      <p:sp>
+        <p:nvSpPr>
+          <p:cNvPr id="3" name="Content Placeholder 2">
+            <a:extLst>
+              <a:ext uri="{FF2B5EF4-FFF2-40B4-BE49-F238E27FC236}">
+                <a16:creationId xmlns:a16="http://schemas.microsoft.com/office/drawing/2014/main" id="{808D3A3C-C0C3-C0B8-50E6-44C3A43B3072}"/>
+              </a:ext>
+            </a:extLst>
+          </p:cNvPr>
+          <p:cNvSpPr>
+            <a:spLocks noGrp="1"/>
+          </p:cNvSpPr>
+          <p:nvPr>
+            <p:ph sz="half" idx="1"/>
+          </p:nvPr>
+        </p:nvSpPr>
+        <p:spPr/>
+        <p:txBody>
+          <a:bodyPr/>
+          <a:lstStyle/>
+          <a:p>
+            <a:r>
+              <a:rPr lang="en-GB" dirty="0"/>
+              <a:t>Lead Software Engineer at </a:t>
+            </a:r>
+            <a:r>
+              <a:rPr lang="en-GB" dirty="0" err="1"/>
+              <a:t>Azenix</a:t>
+            </a:r>
+            <a:r>
+              <a:rPr lang="en-GB" dirty="0"/>
+              <a:t> by Mantel Group.</a:t>
+            </a:r>
+          </a:p>
+          <a:p>
+            <a:r>
+              <a:rPr lang="en-GB" dirty="0"/>
+              <a:t>Former </a:t>
+            </a:r>
+            <a:r>
+              <a:rPr lang="en-GB" dirty="0" err="1"/>
+              <a:t>MSFTer</a:t>
+            </a:r>
+            <a:r>
+              <a:rPr lang="en-GB" dirty="0"/>
+              <a:t> and Microsoft MVP based in Auckland – Moved to Melbourne this year</a:t>
+            </a:r>
+          </a:p>
+          <a:p>
+            <a:r>
+              <a:rPr lang="en-GB" dirty="0"/>
+              <a:t>.NET and Azure developer with experience in banking, agriculture, and health industries.</a:t>
+            </a:r>
+          </a:p>
+          <a:p>
+            <a:r>
+              <a:rPr lang="en-GB" dirty="0"/>
+              <a:t>Former average rugby player.</a:t>
+            </a:r>
+            <a:endParaRPr lang="en-AU" dirty="0"/>
+          </a:p>
+        </p:txBody>
+      </p:sp>
+      <p:sp>
+        <p:nvSpPr>
+          <p:cNvPr id="4" name="Content Placeholder 3">
+            <a:extLst>
+              <a:ext uri="{FF2B5EF4-FFF2-40B4-BE49-F238E27FC236}">
+                <a16:creationId xmlns:a16="http://schemas.microsoft.com/office/drawing/2014/main" id="{24C002BF-B02A-43E0-07B2-5B40F246AE73}"/>
+              </a:ext>
+            </a:extLst>
+          </p:cNvPr>
+          <p:cNvSpPr>
+            <a:spLocks noGrp="1"/>
+          </p:cNvSpPr>
+          <p:nvPr>
+            <p:ph sz="half" idx="2"/>
+          </p:nvPr>
+        </p:nvSpPr>
+        <p:spPr/>
+        <p:txBody>
+          <a:bodyPr/>
+          <a:lstStyle/>
+          <a:p>
+            <a:endParaRPr lang="en-AU" dirty="0"/>
+          </a:p>
+        </p:txBody>
+      </p:sp>
+    </p:spTree>
+    <p:extLst>
+      <p:ext uri="{BB962C8B-B14F-4D97-AF65-F5344CB8AC3E}">
+        <p14:creationId xmlns:p14="http://schemas.microsoft.com/office/powerpoint/2010/main" val="681677424"/>
+      </p:ext>
+    </p:extLst>
+  </p:cSld>
+  <p:clrMapOvr>
+    <a:masterClrMapping/>
+  </p:clrMapOvr>
+</p:sld>
+</file>
+
+<file path=ppt/slides/slide3.xml><?xml version="1.0" encoding="utf-8"?>
+<p:sld xmlns:a="http://schemas.openxmlformats.org/drawingml/2006/main" xmlns:r="http://schemas.openxmlformats.org/officeDocument/2006/relationships" xmlns:p="http://schemas.openxmlformats.org/presentationml/2006/main">
+  <p:cSld>
+    <p:spTree>
+      <p:nvGrpSpPr>
+        <p:cNvPr id="1" name=""/>
+        <p:cNvGrpSpPr/>
+        <p:nvPr/>
+      </p:nvGrpSpPr>
+      <p:grpSpPr>
+        <a:xfrm>
+          <a:off x="0" y="0"/>
+          <a:ext cx="0" cy="0"/>
+          <a:chOff x="0" y="0"/>
+          <a:chExt cx="0" cy="0"/>
+        </a:xfrm>
+      </p:grpSpPr>
+      <p:sp>
+        <p:nvSpPr>
+          <p:cNvPr id="5" name="Title 4">
+            <a:extLst>
+              <a:ext uri="{FF2B5EF4-FFF2-40B4-BE49-F238E27FC236}">
+                <a16:creationId xmlns:a16="http://schemas.microsoft.com/office/drawing/2014/main" id="{555A9DF2-D48E-78E3-1E9C-89F18C730719}"/>
+              </a:ext>
+            </a:extLst>
+          </p:cNvPr>
+          <p:cNvSpPr>
+            <a:spLocks noGrp="1"/>
+          </p:cNvSpPr>
+          <p:nvPr>
+            <p:ph type="title"/>
+          </p:nvPr>
+        </p:nvSpPr>
+        <p:spPr/>
+        <p:txBody>
+          <a:bodyPr/>
+          <a:lstStyle/>
+          <a:p>
+            <a:r>
+              <a:rPr lang="en-GB" dirty="0"/>
+              <a:t>Agenda</a:t>
+            </a:r>
+            <a:endParaRPr lang="en-AU" dirty="0"/>
+          </a:p>
+        </p:txBody>
+      </p:sp>
+      <p:sp>
+        <p:nvSpPr>
+          <p:cNvPr id="6" name="Content Placeholder 5">
+            <a:extLst>
+              <a:ext uri="{FF2B5EF4-FFF2-40B4-BE49-F238E27FC236}">
+                <a16:creationId xmlns:a16="http://schemas.microsoft.com/office/drawing/2014/main" id="{CF80A86E-9196-51F1-C7FC-09B91CBC8319}"/>
+              </a:ext>
+            </a:extLst>
+          </p:cNvPr>
+          <p:cNvSpPr>
+            <a:spLocks noGrp="1"/>
+          </p:cNvSpPr>
+          <p:nvPr>
+            <p:ph idx="1"/>
+          </p:nvPr>
+        </p:nvSpPr>
+        <p:spPr/>
+        <p:txBody>
+          <a:bodyPr/>
+          <a:lstStyle/>
+          <a:p>
+            <a:r>
+              <a:rPr lang="en-GB" dirty="0"/>
+              <a:t>Native AOT</a:t>
+            </a:r>
+          </a:p>
+          <a:p>
+            <a:r>
+              <a:rPr lang="en-GB" dirty="0"/>
+              <a:t>Resiliency improvements</a:t>
+            </a:r>
+          </a:p>
+          <a:p>
+            <a:r>
+              <a:rPr lang="en-GB" dirty="0"/>
+              <a:t>Open Telemetry improvements</a:t>
+            </a:r>
+          </a:p>
+          <a:p>
+            <a:r>
+              <a:rPr lang="en-GB" dirty="0"/>
+              <a:t>.NET Aspire</a:t>
+            </a:r>
+            <a:endParaRPr lang="en-AU" dirty="0"/>
+          </a:p>
+        </p:txBody>
+      </p:sp>
+    </p:spTree>
+    <p:extLst>
+      <p:ext uri="{BB962C8B-B14F-4D97-AF65-F5344CB8AC3E}">
+        <p14:creationId xmlns:p14="http://schemas.microsoft.com/office/powerpoint/2010/main" val="3378372525"/>
+      </p:ext>
+    </p:extLst>
+  </p:cSld>
+  <p:clrMapOvr>
+    <a:masterClrMapping/>
+  </p:clrMapOvr>
+</p:sld>
+</file>
+
+<file path=ppt/slides/slide4.xml><?xml version="1.0" encoding="utf-8"?>
+<p:sld xmlns:a="http://schemas.openxmlformats.org/drawingml/2006/main" xmlns:r="http://schemas.openxmlformats.org/officeDocument/2006/relationships" xmlns:p="http://schemas.openxmlformats.org/presentationml/2006/main">
+  <p:cSld>
+    <p:spTree>
+      <p:nvGrpSpPr>
+        <p:cNvPr id="1" name=""/>
+        <p:cNvGrpSpPr/>
+        <p:nvPr/>
+      </p:nvGrpSpPr>
+      <p:grpSpPr>
+        <a:xfrm>
+          <a:off x="0" y="0"/>
+          <a:ext cx="0" cy="0"/>
+          <a:chOff x="0" y="0"/>
+          <a:chExt cx="0" cy="0"/>
+        </a:xfrm>
+      </p:grpSpPr>
+      <p:sp>
+        <p:nvSpPr>
+          <p:cNvPr id="4" name="Title 3">
+            <a:extLst>
+              <a:ext uri="{FF2B5EF4-FFF2-40B4-BE49-F238E27FC236}">
+                <a16:creationId xmlns:a16="http://schemas.microsoft.com/office/drawing/2014/main" id="{36472B68-A178-1959-9FEC-7EBC6B579B04}"/>
+              </a:ext>
+            </a:extLst>
+          </p:cNvPr>
+          <p:cNvSpPr>
+            <a:spLocks noGrp="1"/>
+          </p:cNvSpPr>
+          <p:nvPr>
+            <p:ph type="title"/>
+          </p:nvPr>
+        </p:nvSpPr>
+        <p:spPr/>
+        <p:txBody>
+          <a:bodyPr/>
+          <a:lstStyle/>
+          <a:p>
+            <a:r>
+              <a:rPr lang="en-GB" dirty="0"/>
+              <a:t>Native AOT (Ahead-of-time)</a:t>
+            </a:r>
+            <a:endParaRPr lang="en-AU" dirty="0"/>
+          </a:p>
+        </p:txBody>
+      </p:sp>
+      <p:sp>
+        <p:nvSpPr>
+          <p:cNvPr id="5" name="Text Placeholder 4">
+            <a:extLst>
+              <a:ext uri="{FF2B5EF4-FFF2-40B4-BE49-F238E27FC236}">
+                <a16:creationId xmlns:a16="http://schemas.microsoft.com/office/drawing/2014/main" id="{0E8B857D-5DF8-6C29-3F88-631AB2CBF41D}"/>
+              </a:ext>
+            </a:extLst>
+          </p:cNvPr>
+          <p:cNvSpPr>
+            <a:spLocks noGrp="1"/>
+          </p:cNvSpPr>
+          <p:nvPr>
+            <p:ph type="body" idx="1"/>
+          </p:nvPr>
+        </p:nvSpPr>
+        <p:spPr/>
+        <p:txBody>
+          <a:bodyPr/>
+          <a:lstStyle/>
+          <a:p>
+            <a:r>
+              <a:rPr lang="en-AU" dirty="0"/>
+              <a:t>Smaller apps</a:t>
+            </a:r>
+          </a:p>
+          <a:p>
+            <a:r>
+              <a:rPr lang="en-AU" dirty="0"/>
+              <a:t>Faster Startup</a:t>
+            </a:r>
+          </a:p>
+          <a:p>
+            <a:r>
+              <a:rPr lang="en-AU" dirty="0"/>
+              <a:t>Less Memory Apps</a:t>
+            </a:r>
+          </a:p>
+        </p:txBody>
+      </p:sp>
+    </p:spTree>
+    <p:extLst>
+      <p:ext uri="{BB962C8B-B14F-4D97-AF65-F5344CB8AC3E}">
+        <p14:creationId xmlns:p14="http://schemas.microsoft.com/office/powerpoint/2010/main" val="1237346215"/>
+      </p:ext>
+    </p:extLst>
+  </p:cSld>
+  <p:clrMapOvr>
+    <a:masterClrMapping/>
+  </p:clrMapOvr>
+</p:sld>
+</file>
+
+<file path=ppt/slides/slide5.xml><?xml version="1.0" encoding="utf-8"?>
+<p:sld xmlns:a="http://schemas.openxmlformats.org/drawingml/2006/main" xmlns:r="http://schemas.openxmlformats.org/officeDocument/2006/relationships" xmlns:p="http://schemas.openxmlformats.org/presentationml/2006/main">
+  <p:cSld>
+    <p:spTree>
+      <p:nvGrpSpPr>
+        <p:cNvPr id="1" name=""/>
+        <p:cNvGrpSpPr/>
+        <p:nvPr/>
+      </p:nvGrpSpPr>
+      <p:grpSpPr>
+        <a:xfrm>
+          <a:off x="0" y="0"/>
+          <a:ext cx="0" cy="0"/>
+          <a:chOff x="0" y="0"/>
+          <a:chExt cx="0" cy="0"/>
+        </a:xfrm>
+      </p:grpSpPr>
+      <p:sp>
+        <p:nvSpPr>
+          <p:cNvPr id="4" name="Title 3">
+            <a:extLst>
+              <a:ext uri="{FF2B5EF4-FFF2-40B4-BE49-F238E27FC236}">
+                <a16:creationId xmlns:a16="http://schemas.microsoft.com/office/drawing/2014/main" id="{9C5F3F56-184D-C324-9FD0-9004A515C337}"/>
+              </a:ext>
+            </a:extLst>
+          </p:cNvPr>
+          <p:cNvSpPr>
+            <a:spLocks noGrp="1"/>
+          </p:cNvSpPr>
+          <p:nvPr>
+            <p:ph type="title"/>
+          </p:nvPr>
+        </p:nvSpPr>
+        <p:spPr/>
+        <p:txBody>
+          <a:bodyPr/>
+          <a:lstStyle/>
+          <a:p>
+            <a:r>
+              <a:rPr lang="en-AU" dirty="0"/>
+              <a:t>How does native AOT work?</a:t>
+            </a:r>
+          </a:p>
+        </p:txBody>
+      </p:sp>
+      <p:sp>
+        <p:nvSpPr>
+          <p:cNvPr id="5" name="Content Placeholder 4">
+            <a:extLst>
+              <a:ext uri="{FF2B5EF4-FFF2-40B4-BE49-F238E27FC236}">
+                <a16:creationId xmlns:a16="http://schemas.microsoft.com/office/drawing/2014/main" id="{AD5781B7-8509-4495-41B9-1028316DE080}"/>
+              </a:ext>
+            </a:extLst>
+          </p:cNvPr>
+          <p:cNvSpPr>
+            <a:spLocks noGrp="1"/>
+          </p:cNvSpPr>
+          <p:nvPr>
+            <p:ph idx="1"/>
+          </p:nvPr>
+        </p:nvSpPr>
+        <p:spPr/>
+        <p:txBody>
+          <a:bodyPr/>
+          <a:lstStyle/>
+          <a:p>
+            <a:r>
+              <a:rPr lang="en-AU" dirty="0"/>
+              <a:t>C# is compiled to Intermediate Language (IL) on build.</a:t>
+            </a:r>
+          </a:p>
+          <a:p>
+            <a:r>
+              <a:rPr lang="en-AU" dirty="0"/>
+              <a:t>IL is compiled to platform code on publish.</a:t>
+            </a:r>
+          </a:p>
+          <a:p>
+            <a:r>
+              <a:rPr lang="en-AU" dirty="0"/>
+              <a:t>Published app:</a:t>
+            </a:r>
+          </a:p>
+          <a:p>
+            <a:pPr lvl="1"/>
+            <a:r>
+              <a:rPr lang="en-AU" dirty="0"/>
+              <a:t>Has no JIT (Just-in-time) complier</a:t>
+            </a:r>
+          </a:p>
+          <a:p>
+            <a:pPr lvl="1"/>
+            <a:r>
+              <a:rPr lang="en-AU" dirty="0"/>
+              <a:t>Still contains a runtime &amp; GC (is still “managed”)</a:t>
+            </a:r>
+          </a:p>
+          <a:p>
+            <a:pPr lvl="1"/>
+            <a:r>
+              <a:rPr lang="en-AU" dirty="0"/>
+              <a:t>Is single-file</a:t>
+            </a:r>
+          </a:p>
+          <a:p>
+            <a:pPr lvl="1"/>
+            <a:r>
+              <a:rPr lang="en-AU" dirty="0"/>
+              <a:t>Is trimmed to reduce app size</a:t>
+            </a:r>
+          </a:p>
+          <a:p>
+            <a:pPr lvl="1"/>
+            <a:r>
+              <a:rPr lang="en-AU" dirty="0"/>
+              <a:t>Is OS &amp; architecture specific, e.g. linux-x64</a:t>
+            </a:r>
+          </a:p>
+        </p:txBody>
+      </p:sp>
+    </p:spTree>
+    <p:extLst>
+      <p:ext uri="{BB962C8B-B14F-4D97-AF65-F5344CB8AC3E}">
+        <p14:creationId xmlns:p14="http://schemas.microsoft.com/office/powerpoint/2010/main" val="1954448877"/>
+      </p:ext>
+    </p:extLst>
+  </p:cSld>
+  <p:clrMapOvr>
+    <a:masterClrMapping/>
+  </p:clrMapOvr>
+</p:sld>
+</file>
+
+<file path=ppt/slides/slide6.xml><?xml version="1.0" encoding="utf-8"?>
+<p:sld xmlns:a="http://schemas.openxmlformats.org/drawingml/2006/main" xmlns:r="http://schemas.openxmlformats.org/officeDocument/2006/relationships" xmlns:p="http://schemas.openxmlformats.org/presentationml/2006/main">
+  <p:cSld>
+    <p:spTree>
+      <p:nvGrpSpPr>
+        <p:cNvPr id="1" name=""/>
+        <p:cNvGrpSpPr/>
+        <p:nvPr/>
+      </p:nvGrpSpPr>
+      <p:grpSpPr>
+        <a:xfrm>
+          <a:off x="0" y="0"/>
+          <a:ext cx="0" cy="0"/>
+          <a:chOff x="0" y="0"/>
+          <a:chExt cx="0" cy="0"/>
+        </a:xfrm>
+      </p:grpSpPr>
+      <p:sp>
+        <p:nvSpPr>
+          <p:cNvPr id="2" name="Title 1">
+            <a:extLst>
+              <a:ext uri="{FF2B5EF4-FFF2-40B4-BE49-F238E27FC236}">
+                <a16:creationId xmlns:a16="http://schemas.microsoft.com/office/drawing/2014/main" id="{93D5D8DC-4DDD-2A04-59AC-319262BE7065}"/>
+              </a:ext>
+            </a:extLst>
+          </p:cNvPr>
+          <p:cNvSpPr>
+            <a:spLocks noGrp="1"/>
+          </p:cNvSpPr>
+          <p:nvPr>
+            <p:ph type="title"/>
+          </p:nvPr>
+        </p:nvSpPr>
+        <p:spPr/>
+        <p:txBody>
+          <a:bodyPr/>
+          <a:lstStyle/>
+          <a:p>
+            <a:r>
+              <a:rPr lang="en-NZ" dirty="0"/>
+              <a:t>Why Native AOT with ASP.NET Core?</a:t>
+            </a:r>
+          </a:p>
+        </p:txBody>
+      </p:sp>
+      <p:sp>
+        <p:nvSpPr>
+          <p:cNvPr id="3" name="Content Placeholder 2">
+            <a:extLst>
+              <a:ext uri="{FF2B5EF4-FFF2-40B4-BE49-F238E27FC236}">
+                <a16:creationId xmlns:a16="http://schemas.microsoft.com/office/drawing/2014/main" id="{625CA74E-0983-E64D-A773-04730C5EE424}"/>
+              </a:ext>
+            </a:extLst>
+          </p:cNvPr>
+          <p:cNvSpPr>
+            <a:spLocks noGrp="1"/>
+          </p:cNvSpPr>
+          <p:nvPr>
+            <p:ph idx="1"/>
+          </p:nvPr>
+        </p:nvSpPr>
+        <p:spPr/>
+        <p:txBody>
+          <a:bodyPr/>
+          <a:lstStyle/>
+          <a:p>
+            <a:r>
+              <a:rPr lang="en-NZ" dirty="0"/>
+              <a:t>Minimized disk footprint</a:t>
+            </a:r>
+          </a:p>
+          <a:p>
+            <a:r>
+              <a:rPr lang="en-NZ" dirty="0"/>
+              <a:t>Reduced startup time</a:t>
+            </a:r>
+          </a:p>
+          <a:p>
+            <a:r>
+              <a:rPr lang="en-NZ" dirty="0"/>
+              <a:t>Reduced memory demand</a:t>
+            </a:r>
+          </a:p>
+        </p:txBody>
+      </p:sp>
+    </p:spTree>
+    <p:extLst>
+      <p:ext uri="{BB962C8B-B14F-4D97-AF65-F5344CB8AC3E}">
+        <p14:creationId xmlns:p14="http://schemas.microsoft.com/office/powerpoint/2010/main" val="3949879286"/>
+      </p:ext>
+    </p:extLst>
+  </p:cSld>
+  <p:clrMapOvr>
+    <a:masterClrMapping/>
+  </p:clrMapOvr>
+</p:sld>
+</file>
+
+<file path=ppt/slides/slide7.xml><?xml version="1.0" encoding="utf-8"?>
+<p:sld xmlns:a="http://schemas.openxmlformats.org/drawingml/2006/main" xmlns:r="http://schemas.openxmlformats.org/officeDocument/2006/relationships" xmlns:p="http://schemas.openxmlformats.org/presentationml/2006/main">
+  <p:cSld>
+    <p:spTree>
+      <p:nvGrpSpPr>
+        <p:cNvPr id="1" name=""/>
+        <p:cNvGrpSpPr/>
+        <p:nvPr/>
+      </p:nvGrpSpPr>
+      <p:grpSpPr>
+        <a:xfrm>
+          <a:off x="0" y="0"/>
+          <a:ext cx="0" cy="0"/>
+          <a:chOff x="0" y="0"/>
+          <a:chExt cx="0" cy="0"/>
+        </a:xfrm>
+      </p:grpSpPr>
+      <p:sp>
+        <p:nvSpPr>
+          <p:cNvPr id="4" name="Title 3">
+            <a:extLst>
+              <a:ext uri="{FF2B5EF4-FFF2-40B4-BE49-F238E27FC236}">
+                <a16:creationId xmlns:a16="http://schemas.microsoft.com/office/drawing/2014/main" id="{93530DC9-BA81-169B-CE67-D23C99F2F022}"/>
+              </a:ext>
+            </a:extLst>
+          </p:cNvPr>
+          <p:cNvSpPr>
+            <a:spLocks noGrp="1"/>
+          </p:cNvSpPr>
+          <p:nvPr>
+            <p:ph type="title"/>
+          </p:nvPr>
+        </p:nvSpPr>
+        <p:spPr/>
+        <p:txBody>
+          <a:bodyPr/>
+          <a:lstStyle/>
+          <a:p>
+            <a:r>
+              <a:rPr lang="en-NZ" dirty="0"/>
+              <a:t>Native AOT Demo</a:t>
+            </a:r>
+          </a:p>
+        </p:txBody>
+      </p:sp>
+      <p:sp>
+        <p:nvSpPr>
+          <p:cNvPr id="5" name="Text Placeholder 4">
+            <a:extLst>
+              <a:ext uri="{FF2B5EF4-FFF2-40B4-BE49-F238E27FC236}">
+                <a16:creationId xmlns:a16="http://schemas.microsoft.com/office/drawing/2014/main" id="{C28E54BF-5799-92D1-6C59-66B261CCBAD9}"/>
+              </a:ext>
+            </a:extLst>
+          </p:cNvPr>
+          <p:cNvSpPr>
+            <a:spLocks noGrp="1"/>
+          </p:cNvSpPr>
+          <p:nvPr>
+            <p:ph type="body" idx="1"/>
+          </p:nvPr>
+        </p:nvSpPr>
+        <p:spPr/>
+        <p:txBody>
+          <a:bodyPr/>
+          <a:lstStyle/>
+          <a:p>
+            <a:endParaRPr lang="en-NZ"/>
+          </a:p>
+        </p:txBody>
+      </p:sp>
+    </p:spTree>
+    <p:extLst>
+      <p:ext uri="{BB962C8B-B14F-4D97-AF65-F5344CB8AC3E}">
+        <p14:creationId xmlns:p14="http://schemas.microsoft.com/office/powerpoint/2010/main" val="159064269"/>
+      </p:ext>
+    </p:extLst>
+  </p:cSld>
+  <p:clrMapOvr>
+    <a:masterClrMapping/>
+  </p:clrMapOvr>
+</p:sld>
+</file>
+
+<file path=ppt/slides/slide8.xml><?xml version="1.0" encoding="utf-8"?>
+<p:sld xmlns:a="http://schemas.openxmlformats.org/drawingml/2006/main" xmlns:r="http://schemas.openxmlformats.org/officeDocument/2006/relationships" xmlns:p="http://schemas.openxmlformats.org/presentationml/2006/main">
+  <p:cSld>
+    <p:spTree>
+      <p:nvGrpSpPr>
+        <p:cNvPr id="1" name=""/>
+        <p:cNvGrpSpPr/>
+        <p:nvPr/>
+      </p:nvGrpSpPr>
+      <p:grpSpPr>
+        <a:xfrm>
+          <a:off x="0" y="0"/>
+          <a:ext cx="0" cy="0"/>
+          <a:chOff x="0" y="0"/>
+          <a:chExt cx="0" cy="0"/>
+        </a:xfrm>
+      </p:grpSpPr>
+      <p:sp>
+        <p:nvSpPr>
+          <p:cNvPr id="4" name="Title 3">
+            <a:extLst>
+              <a:ext uri="{FF2B5EF4-FFF2-40B4-BE49-F238E27FC236}">
+                <a16:creationId xmlns:a16="http://schemas.microsoft.com/office/drawing/2014/main" id="{34B4E8A6-A076-8CDA-14AB-73E908A9F068}"/>
+              </a:ext>
+            </a:extLst>
+          </p:cNvPr>
+          <p:cNvSpPr>
+            <a:spLocks noGrp="1"/>
+          </p:cNvSpPr>
+          <p:nvPr>
+            <p:ph type="title"/>
+          </p:nvPr>
+        </p:nvSpPr>
+        <p:spPr/>
+        <p:txBody>
+          <a:bodyPr/>
+          <a:lstStyle/>
+          <a:p>
+            <a:r>
+              <a:rPr lang="en-GB" dirty="0"/>
+              <a:t>Resiliency Improvements</a:t>
+            </a:r>
+            <a:endParaRPr lang="en-AU" dirty="0"/>
+          </a:p>
+        </p:txBody>
+      </p:sp>
+      <p:sp>
+        <p:nvSpPr>
+          <p:cNvPr id="5" name="Text Placeholder 4">
+            <a:extLst>
+              <a:ext uri="{FF2B5EF4-FFF2-40B4-BE49-F238E27FC236}">
+                <a16:creationId xmlns:a16="http://schemas.microsoft.com/office/drawing/2014/main" id="{5BD88284-4DEE-229D-B193-C4CE028BCC8C}"/>
+              </a:ext>
+            </a:extLst>
+          </p:cNvPr>
+          <p:cNvSpPr>
+            <a:spLocks noGrp="1"/>
+          </p:cNvSpPr>
+          <p:nvPr>
+            <p:ph type="body" idx="1"/>
+          </p:nvPr>
+        </p:nvSpPr>
+        <p:spPr/>
+        <p:txBody>
+          <a:bodyPr/>
+          <a:lstStyle/>
+          <a:p>
+            <a:endParaRPr lang="en-AU"/>
+          </a:p>
+        </p:txBody>
+      </p:sp>
+    </p:spTree>
+    <p:extLst>
+      <p:ext uri="{BB962C8B-B14F-4D97-AF65-F5344CB8AC3E}">
+        <p14:creationId xmlns:p14="http://schemas.microsoft.com/office/powerpoint/2010/main" val="1199755510"/>
+      </p:ext>
+    </p:extLst>
+  </p:cSld>
+  <p:clrMapOvr>
+    <a:masterClrMapping/>
+  </p:clrMapOvr>
+</p:sld>
+</file>
+
+<file path=ppt/slides/slide9.xml><?xml version="1.0" encoding="utf-8"?>
+<p:sld xmlns:a="http://schemas.openxmlformats.org/drawingml/2006/main" xmlns:r="http://schemas.openxmlformats.org/officeDocument/2006/relationships" xmlns:p="http://schemas.openxmlformats.org/presentationml/2006/main">
+  <p:cSld>
+    <p:spTree>
+      <p:nvGrpSpPr>
+        <p:cNvPr id="1" name=""/>
+        <p:cNvGrpSpPr/>
+        <p:nvPr/>
+      </p:nvGrpSpPr>
+      <p:grpSpPr>
+        <a:xfrm>
+          <a:off x="0" y="0"/>
+          <a:ext cx="0" cy="0"/>
+          <a:chOff x="0" y="0"/>
+          <a:chExt cx="0" cy="0"/>
+        </a:xfrm>
+      </p:grpSpPr>
+      <p:sp>
+        <p:nvSpPr>
+          <p:cNvPr id="6" name="Title 5">
+            <a:extLst>
+              <a:ext uri="{FF2B5EF4-FFF2-40B4-BE49-F238E27FC236}">
+                <a16:creationId xmlns:a16="http://schemas.microsoft.com/office/drawing/2014/main" id="{22BFB6FC-B2C6-6C1F-0597-E3CBFFD5A639}"/>
+              </a:ext>
+            </a:extLst>
+          </p:cNvPr>
+          <p:cNvSpPr>
+            <a:spLocks noGrp="1"/>
+          </p:cNvSpPr>
+          <p:nvPr>
+            <p:ph type="ctrTitle"/>
+          </p:nvPr>
+        </p:nvSpPr>
+        <p:spPr/>
+        <p:txBody>
+          <a:bodyPr/>
+          <a:lstStyle/>
+          <a:p>
+            <a:r>
+              <a:rPr lang="en-AU" dirty="0"/>
+              <a:t>Failures will happen!</a:t>
+            </a:r>
+          </a:p>
+        </p:txBody>
+      </p:sp>
+      <p:sp>
+        <p:nvSpPr>
+          <p:cNvPr id="7" name="Subtitle 6">
+            <a:extLst>
+              <a:ext uri="{FF2B5EF4-FFF2-40B4-BE49-F238E27FC236}">
+                <a16:creationId xmlns:a16="http://schemas.microsoft.com/office/drawing/2014/main" id="{59E5AA5D-AE2C-C89E-1E1D-E3546CBA3BD5}"/>
+              </a:ext>
+            </a:extLst>
+          </p:cNvPr>
+          <p:cNvSpPr>
+            <a:spLocks noGrp="1"/>
+          </p:cNvSpPr>
+          <p:nvPr>
+            <p:ph type="subTitle" idx="1"/>
+          </p:nvPr>
+        </p:nvSpPr>
+        <p:spPr/>
+        <p:txBody>
+          <a:bodyPr/>
+          <a:lstStyle/>
+          <a:p>
+            <a:r>
+              <a:rPr lang="en-AU" dirty="0"/>
+              <a:t>Network outages</a:t>
+            </a:r>
+          </a:p>
+          <a:p>
+            <a:r>
+              <a:rPr lang="en-AU" dirty="0"/>
+              <a:t>Transient service errors</a:t>
+            </a:r>
+          </a:p>
+          <a:p>
+            <a:r>
+              <a:rPr lang="en-AU" dirty="0"/>
+              <a:t>Remote service outage</a:t>
+            </a:r>
+          </a:p>
+        </p:txBody>
+      </p:sp>
+    </p:spTree>
+    <p:extLst>
+      <p:ext uri="{BB962C8B-B14F-4D97-AF65-F5344CB8AC3E}">
+        <p14:creationId xmlns:p14="http://schemas.microsoft.com/office/powerpoint/2010/main" val="2072064123"/>
       </p:ext>
     </p:extLst>
   </p:cSld>
@@ -5250,4 +6712,299 @@
     </a:ext>
   </a:extLst>
 </a:theme>
+</file>
+
+<file path=ppt/theme/theme2.xml><?xml version="1.0" encoding="utf-8"?>
+<a:theme xmlns:a="http://schemas.openxmlformats.org/drawingml/2006/main" name="Office Theme">
+  <a:themeElements>
+    <a:clrScheme name="Office">
+      <a:dk1>
+        <a:sysClr val="windowText" lastClr="000000"/>
+      </a:dk1>
+      <a:lt1>
+        <a:sysClr val="window" lastClr="FFFFFF"/>
+      </a:lt1>
+      <a:dk2>
+        <a:srgbClr val="44546A"/>
+      </a:dk2>
+      <a:lt2>
+        <a:srgbClr val="E7E6E6"/>
+      </a:lt2>
+      <a:accent1>
+        <a:srgbClr val="4472C4"/>
+      </a:accent1>
+      <a:accent2>
+        <a:srgbClr val="ED7D31"/>
+      </a:accent2>
+      <a:accent3>
+        <a:srgbClr val="A5A5A5"/>
+      </a:accent3>
+      <a:accent4>
+        <a:srgbClr val="FFC000"/>
+      </a:accent4>
+      <a:accent5>
+        <a:srgbClr val="5B9BD5"/>
+      </a:accent5>
+      <a:accent6>
+        <a:srgbClr val="70AD47"/>
+      </a:accent6>
+      <a:hlink>
+        <a:srgbClr val="0563C1"/>
+      </a:hlink>
+      <a:folHlink>
+        <a:srgbClr val="954F72"/>
+      </a:folHlink>
+    </a:clrScheme>
+    <a:fontScheme name="Office">
+      <a:majorFont>
+        <a:latin typeface="Calibri Light" panose="020F0302020204030204"/>
+        <a:ea typeface=""/>
+        <a:cs typeface=""/>
+        <a:font script="Jpan" typeface="游ゴシック Light"/>
+        <a:font script="Hang" typeface="맑은 고딕"/>
+        <a:font script="Hans" typeface="等线 Light"/>
+        <a:font script="Hant" typeface="新細明體"/>
+        <a:font script="Arab" typeface="Times New Roman"/>
+        <a:font script="Hebr" typeface="Times New Roman"/>
+        <a:font script="Thai" typeface="Angsana New"/>
+        <a:font script="Ethi" typeface="Nyala"/>
+        <a:font script="Beng" typeface="Vrinda"/>
+        <a:font script="Gujr" typeface="Shruti"/>
+        <a:font script="Khmr" typeface="MoolBoran"/>
+        <a:font script="Knda" typeface="Tunga"/>
+        <a:font script="Guru" typeface="Raavi"/>
+        <a:font script="Cans" typeface="Euphemia"/>
+        <a:font script="Cher" typeface="Plantagenet Cherokee"/>
+        <a:font script="Yiii" typeface="Microsoft Yi Baiti"/>
+        <a:font script="Tibt" typeface="Microsoft Himalaya"/>
+        <a:font script="Thaa" typeface="MV Boli"/>
+        <a:font script="Deva" typeface="Mangal"/>
+        <a:font script="Telu" typeface="Gautami"/>
+        <a:font script="Taml" typeface="Latha"/>
+        <a:font script="Syrc" typeface="Estrangelo Edessa"/>
+        <a:font script="Orya" typeface="Kalinga"/>
+        <a:font script="Mlym" typeface="Kartika"/>
+        <a:font script="Laoo" typeface="DokChampa"/>
+        <a:font script="Sinh" typeface="Iskoola Pota"/>
+        <a:font script="Mong" typeface="Mongolian Baiti"/>
+        <a:font script="Viet" typeface="Times New Roman"/>
+        <a:font script="Uigh" typeface="Microsoft Uighur"/>
+        <a:font script="Geor" typeface="Sylfaen"/>
+        <a:font script="Armn" typeface="Arial"/>
+        <a:font script="Bugi" typeface="Leelawadee UI"/>
+        <a:font script="Bopo" typeface="Microsoft JhengHei"/>
+        <a:font script="Java" typeface="Javanese Text"/>
+        <a:font script="Lisu" typeface="Segoe UI"/>
+        <a:font script="Mymr" typeface="Myanmar Text"/>
+        <a:font script="Nkoo" typeface="Ebrima"/>
+        <a:font script="Olck" typeface="Nirmala UI"/>
+        <a:font script="Osma" typeface="Ebrima"/>
+        <a:font script="Phag" typeface="Phagspa"/>
+        <a:font script="Syrn" typeface="Estrangelo Edessa"/>
+        <a:font script="Syrj" typeface="Estrangelo Edessa"/>
+        <a:font script="Syre" typeface="Estrangelo Edessa"/>
+        <a:font script="Sora" typeface="Nirmala UI"/>
+        <a:font script="Tale" typeface="Microsoft Tai Le"/>
+        <a:font script="Talu" typeface="Microsoft New Tai Lue"/>
+        <a:font script="Tfng" typeface="Ebrima"/>
+      </a:majorFont>
+      <a:minorFont>
+        <a:latin typeface="Calibri" panose="020F0502020204030204"/>
+        <a:ea typeface=""/>
+        <a:cs typeface=""/>
+        <a:font script="Jpan" typeface="游ゴシック"/>
+        <a:font script="Hang" typeface="맑은 고딕"/>
+        <a:font script="Hans" typeface="等线"/>
+        <a:font script="Hant" typeface="新細明體"/>
+        <a:font script="Arab" typeface="Arial"/>
+        <a:font script="Hebr" typeface="Arial"/>
+        <a:font script="Thai" typeface="Cordia New"/>
+        <a:font script="Ethi" typeface="Nyala"/>
+        <a:font script="Beng" typeface="Vrinda"/>
+        <a:font script="Gujr" typeface="Shruti"/>
+        <a:font script="Khmr" typeface="DaunPenh"/>
+        <a:font script="Knda" typeface="Tunga"/>
+        <a:font script="Guru" typeface="Raavi"/>
+        <a:font script="Cans" typeface="Euphemia"/>
+        <a:font script="Cher" typeface="Plantagenet Cherokee"/>
+        <a:font script="Yiii" typeface="Microsoft Yi Baiti"/>
+        <a:font script="Tibt" typeface="Microsoft Himalaya"/>
+        <a:font script="Thaa" typeface="MV Boli"/>
+        <a:font script="Deva" typeface="Mangal"/>
+        <a:font script="Telu" typeface="Gautami"/>
+        <a:font script="Taml" typeface="Latha"/>
+        <a:font script="Syrc" typeface="Estrangelo Edessa"/>
+        <a:font script="Orya" typeface="Kalinga"/>
+        <a:font script="Mlym" typeface="Kartika"/>
+        <a:font script="Laoo" typeface="DokChampa"/>
+        <a:font script="Sinh" typeface="Iskoola Pota"/>
+        <a:font script="Mong" typeface="Mongolian Baiti"/>
+        <a:font script="Viet" typeface="Arial"/>
+        <a:font script="Uigh" typeface="Microsoft Uighur"/>
+        <a:font script="Geor" typeface="Sylfaen"/>
+        <a:font script="Armn" typeface="Arial"/>
+        <a:font script="Bugi" typeface="Leelawadee UI"/>
+        <a:font script="Bopo" typeface="Microsoft JhengHei"/>
+        <a:font script="Java" typeface="Javanese Text"/>
+        <a:font script="Lisu" typeface="Segoe UI"/>
+        <a:font script="Mymr" typeface="Myanmar Text"/>
+        <a:font script="Nkoo" typeface="Ebrima"/>
+        <a:font script="Olck" typeface="Nirmala UI"/>
+        <a:font script="Osma" typeface="Ebrima"/>
+        <a:font script="Phag" typeface="Phagspa"/>
+        <a:font script="Syrn" typeface="Estrangelo Edessa"/>
+        <a:font script="Syrj" typeface="Estrangelo Edessa"/>
+        <a:font script="Syre" typeface="Estrangelo Edessa"/>
+        <a:font script="Sora" typeface="Nirmala UI"/>
+        <a:font script="Tale" typeface="Microsoft Tai Le"/>
+        <a:font script="Talu" typeface="Microsoft New Tai Lue"/>
+        <a:font script="Tfng" typeface="Ebrima"/>
+      </a:minorFont>
+    </a:fontScheme>
+    <a:fmtScheme name="Office">
+      <a:fillStyleLst>
+        <a:solidFill>
+          <a:schemeClr val="phClr"/>
+        </a:solidFill>
+        <a:gradFill rotWithShape="1">
+          <a:gsLst>
+            <a:gs pos="0">
+              <a:schemeClr val="phClr">
+                <a:lumMod val="110000"/>
+                <a:satMod val="105000"/>
+                <a:tint val="67000"/>
+              </a:schemeClr>
+            </a:gs>
+            <a:gs pos="50000">
+              <a:schemeClr val="phClr">
+                <a:lumMod val="105000"/>
+                <a:satMod val="103000"/>
+                <a:tint val="73000"/>
+              </a:schemeClr>
+            </a:gs>
+            <a:gs pos="100000">
+              <a:schemeClr val="phClr">
+                <a:lumMod val="105000"/>
+                <a:satMod val="109000"/>
+                <a:tint val="81000"/>
+              </a:schemeClr>
+            </a:gs>
+          </a:gsLst>
+          <a:lin ang="5400000" scaled="0"/>
+        </a:gradFill>
+        <a:gradFill rotWithShape="1">
+          <a:gsLst>
+            <a:gs pos="0">
+              <a:schemeClr val="phClr">
+                <a:satMod val="103000"/>
+                <a:lumMod val="102000"/>
+                <a:tint val="94000"/>
+              </a:schemeClr>
+            </a:gs>
+            <a:gs pos="50000">
+              <a:schemeClr val="phClr">
+                <a:satMod val="110000"/>
+                <a:lumMod val="100000"/>
+                <a:shade val="100000"/>
+              </a:schemeClr>
+            </a:gs>
+            <a:gs pos="100000">
+              <a:schemeClr val="phClr">
+                <a:lumMod val="99000"/>
+                <a:satMod val="120000"/>
+                <a:shade val="78000"/>
+              </a:schemeClr>
+            </a:gs>
+          </a:gsLst>
+          <a:lin ang="5400000" scaled="0"/>
+        </a:gradFill>
+      </a:fillStyleLst>
+      <a:lnStyleLst>
+        <a:ln w="6350" cap="flat" cmpd="sng" algn="ctr">
+          <a:solidFill>
+            <a:schemeClr val="phClr"/>
+          </a:solidFill>
+          <a:prstDash val="solid"/>
+          <a:miter lim="800000"/>
+        </a:ln>
+        <a:ln w="12700" cap="flat" cmpd="sng" algn="ctr">
+          <a:solidFill>
+            <a:schemeClr val="phClr"/>
+          </a:solidFill>
+          <a:prstDash val="solid"/>
+          <a:miter lim="800000"/>
+        </a:ln>
+        <a:ln w="19050" cap="flat" cmpd="sng" algn="ctr">
+          <a:solidFill>
+            <a:schemeClr val="phClr"/>
+          </a:solidFill>
+          <a:prstDash val="solid"/>
+          <a:miter lim="800000"/>
+        </a:ln>
+      </a:lnStyleLst>
+      <a:effectStyleLst>
+        <a:effectStyle>
+          <a:effectLst/>
+        </a:effectStyle>
+        <a:effectStyle>
+          <a:effectLst/>
+        </a:effectStyle>
+        <a:effectStyle>
+          <a:effectLst>
+            <a:outerShdw blurRad="57150" dist="19050" dir="5400000" algn="ctr" rotWithShape="0">
+              <a:srgbClr val="000000">
+                <a:alpha val="63000"/>
+              </a:srgbClr>
+            </a:outerShdw>
+          </a:effectLst>
+        </a:effectStyle>
+      </a:effectStyleLst>
+      <a:bgFillStyleLst>
+        <a:solidFill>
+          <a:schemeClr val="phClr"/>
+        </a:solidFill>
+        <a:solidFill>
+          <a:schemeClr val="phClr">
+            <a:tint val="95000"/>
+            <a:satMod val="170000"/>
+          </a:schemeClr>
+        </a:solidFill>
+        <a:gradFill rotWithShape="1">
+          <a:gsLst>
+            <a:gs pos="0">
+              <a:schemeClr val="phClr">
+                <a:tint val="93000"/>
+                <a:satMod val="150000"/>
+                <a:shade val="98000"/>
+                <a:lumMod val="102000"/>
+              </a:schemeClr>
+            </a:gs>
+            <a:gs pos="50000">
+              <a:schemeClr val="phClr">
+                <a:tint val="98000"/>
+                <a:satMod val="130000"/>
+                <a:shade val="90000"/>
+                <a:lumMod val="103000"/>
+              </a:schemeClr>
+            </a:gs>
+            <a:gs pos="100000">
+              <a:schemeClr val="phClr">
+                <a:shade val="63000"/>
+                <a:satMod val="120000"/>
+              </a:schemeClr>
+            </a:gs>
+          </a:gsLst>
+          <a:lin ang="5400000" scaled="0"/>
+        </a:gradFill>
+      </a:bgFillStyleLst>
+    </a:fmtScheme>
+  </a:themeElements>
+  <a:objectDefaults/>
+  <a:extraClrSchemeLst/>
+  <a:extLst>
+    <a:ext uri="{05A4C25C-085E-4340-85A3-A5531E510DB2}">
+      <thm15:themeFamily xmlns:thm15="http://schemas.microsoft.com/office/thememl/2012/main" name="Office Theme" id="{62F939B6-93AF-4DB8-9C6B-D6C7DFDC589F}" vid="{4A3C46E8-61CC-4603-A589-7422A47A8E4A}"/>
+    </a:ext>
+  </a:extLst>
+</a:theme>
 </file>
--- a/whats-new-cloud-native-dev-dotnet8/slide_deck.pptx
+++ b/whats-new-cloud-native-dev-dotnet8/slide_deck.pptx
@@ -5,7 +5,7 @@
     <p:sldMasterId id="2147483648" r:id="rId1"/>
   </p:sldMasterIdLst>
   <p:notesMasterIdLst>
-    <p:notesMasterId r:id="rId18"/>
+    <p:notesMasterId r:id="rId20"/>
   </p:notesMasterIdLst>
   <p:sldIdLst>
     <p:sldId id="256" r:id="rId2"/>
@@ -22,8 +22,10 @@
     <p:sldId id="272" r:id="rId13"/>
     <p:sldId id="271" r:id="rId14"/>
     <p:sldId id="261" r:id="rId15"/>
-    <p:sldId id="260" r:id="rId16"/>
-    <p:sldId id="259" r:id="rId17"/>
+    <p:sldId id="273" r:id="rId16"/>
+    <p:sldId id="274" r:id="rId17"/>
+    <p:sldId id="260" r:id="rId18"/>
+    <p:sldId id="259" r:id="rId19"/>
   </p:sldIdLst>
   <p:sldSz cx="12192000" cy="6858000"/>
   <p:notesSz cx="6858000" cy="9144000"/>
@@ -153,6 +155,8 @@
         <p14:section name="Open Telemetry" id="{48B0B115-B9DF-4647-AD04-F084920AEB36}">
           <p14:sldIdLst>
             <p14:sldId id="261"/>
+            <p14:sldId id="273"/>
+            <p14:sldId id="274"/>
           </p14:sldIdLst>
         </p14:section>
         <p14:section name=".NET Aspire" id="{1E2FD5A5-DEB1-4AAC-9598-5DFD0590E05E}">
@@ -5354,9 +5358,8 @@
           <a:p>
             <a:r>
               <a:rPr lang="en-GB" dirty="0"/>
-              <a:t>Open Telemetry Improvements</a:t>
-            </a:r>
-            <a:endParaRPr lang="en-AU" dirty="0"/>
+              <a:t>New metrics in ASP.NET Core</a:t>
+            </a:r>
           </a:p>
         </p:txBody>
       </p:sp>
@@ -5420,6 +5423,217 @@
           <p:cNvPr id="4" name="Title 3">
             <a:extLst>
               <a:ext uri="{FF2B5EF4-FFF2-40B4-BE49-F238E27FC236}">
+                <a16:creationId xmlns:a16="http://schemas.microsoft.com/office/drawing/2014/main" id="{245154A3-E20E-E8DD-EA18-AA2C20916E08}"/>
+              </a:ext>
+            </a:extLst>
+          </p:cNvPr>
+          <p:cNvSpPr>
+            <a:spLocks noGrp="1"/>
+          </p:cNvSpPr>
+          <p:nvPr>
+            <p:ph type="title"/>
+          </p:nvPr>
+        </p:nvSpPr>
+        <p:spPr/>
+        <p:txBody>
+          <a:bodyPr/>
+          <a:lstStyle/>
+          <a:p>
+            <a:r>
+              <a:rPr lang="en-NZ" dirty="0" err="1"/>
+              <a:t>System.Diagnostics.Metrics</a:t>
+            </a:r>
+            <a:endParaRPr lang="en-NZ" dirty="0"/>
+          </a:p>
+        </p:txBody>
+      </p:sp>
+      <p:sp>
+        <p:nvSpPr>
+          <p:cNvPr id="5" name="Content Placeholder 4">
+            <a:extLst>
+              <a:ext uri="{FF2B5EF4-FFF2-40B4-BE49-F238E27FC236}">
+                <a16:creationId xmlns:a16="http://schemas.microsoft.com/office/drawing/2014/main" id="{93C1D270-49FE-79F3-8AA6-0251BDDCE78C}"/>
+              </a:ext>
+            </a:extLst>
+          </p:cNvPr>
+          <p:cNvSpPr>
+            <a:spLocks noGrp="1"/>
+          </p:cNvSpPr>
+          <p:nvPr>
+            <p:ph idx="1"/>
+          </p:nvPr>
+        </p:nvSpPr>
+        <p:spPr/>
+        <p:txBody>
+          <a:bodyPr/>
+          <a:lstStyle/>
+          <a:p>
+            <a:r>
+              <a:rPr lang="en-NZ" dirty="0"/>
+              <a:t>ASP.NET Core now provides runtime metrics through </a:t>
+            </a:r>
+            <a:r>
+              <a:rPr lang="en-NZ" dirty="0" err="1"/>
+              <a:t>System.Diagnostics.Metrics</a:t>
+            </a:r>
+            <a:r>
+              <a:rPr lang="en-NZ" dirty="0"/>
+              <a:t>.</a:t>
+            </a:r>
+          </a:p>
+          <a:p>
+            <a:r>
+              <a:rPr lang="en-NZ" dirty="0"/>
+              <a:t>Designed in collaboration with OpenTelemetry Community.</a:t>
+            </a:r>
+          </a:p>
+          <a:p>
+            <a:r>
+              <a:rPr lang="en-NZ" dirty="0"/>
+              <a:t>Metrics offer improvements, such as:</a:t>
+            </a:r>
+          </a:p>
+          <a:p>
+            <a:pPr lvl="1"/>
+            <a:r>
+              <a:rPr lang="en-NZ" dirty="0"/>
+              <a:t>New counters, gauges, and histograms.</a:t>
+            </a:r>
+          </a:p>
+          <a:p>
+            <a:pPr lvl="1"/>
+            <a:r>
+              <a:rPr lang="en-NZ" dirty="0"/>
+              <a:t>Reporting with multi-dimensional values.</a:t>
+            </a:r>
+          </a:p>
+          <a:p>
+            <a:pPr lvl="1"/>
+            <a:r>
+              <a:rPr lang="en-NZ" dirty="0"/>
+              <a:t>Integration with wider cloud native ecosystem by aligning to OpenTelemetry standards.</a:t>
+            </a:r>
+          </a:p>
+        </p:txBody>
+      </p:sp>
+    </p:spTree>
+    <p:extLst>
+      <p:ext uri="{BB962C8B-B14F-4D97-AF65-F5344CB8AC3E}">
+        <p14:creationId xmlns:p14="http://schemas.microsoft.com/office/powerpoint/2010/main" val="484744134"/>
+      </p:ext>
+    </p:extLst>
+  </p:cSld>
+  <p:clrMapOvr>
+    <a:masterClrMapping/>
+  </p:clrMapOvr>
+</p:sld>
+</file>
+
+<file path=ppt/slides/slide16.xml><?xml version="1.0" encoding="utf-8"?>
+<p:sld xmlns:a="http://schemas.openxmlformats.org/drawingml/2006/main" xmlns:r="http://schemas.openxmlformats.org/officeDocument/2006/relationships" xmlns:p="http://schemas.openxmlformats.org/presentationml/2006/main">
+  <p:cSld>
+    <p:spTree>
+      <p:nvGrpSpPr>
+        <p:cNvPr id="1" name=""/>
+        <p:cNvGrpSpPr/>
+        <p:nvPr/>
+      </p:nvGrpSpPr>
+      <p:grpSpPr>
+        <a:xfrm>
+          <a:off x="0" y="0"/>
+          <a:ext cx="0" cy="0"/>
+          <a:chOff x="0" y="0"/>
+          <a:chExt cx="0" cy="0"/>
+        </a:xfrm>
+      </p:grpSpPr>
+      <p:sp>
+        <p:nvSpPr>
+          <p:cNvPr id="4" name="Title 3">
+            <a:extLst>
+              <a:ext uri="{FF2B5EF4-FFF2-40B4-BE49-F238E27FC236}">
+                <a16:creationId xmlns:a16="http://schemas.microsoft.com/office/drawing/2014/main" id="{778C75F7-737E-36CE-EA7B-379EFA669552}"/>
+              </a:ext>
+            </a:extLst>
+          </p:cNvPr>
+          <p:cNvSpPr>
+            <a:spLocks noGrp="1"/>
+          </p:cNvSpPr>
+          <p:nvPr>
+            <p:ph type="title"/>
+          </p:nvPr>
+        </p:nvSpPr>
+        <p:spPr/>
+        <p:txBody>
+          <a:bodyPr/>
+          <a:lstStyle/>
+          <a:p>
+            <a:r>
+              <a:rPr lang="en-NZ" dirty="0"/>
+              <a:t>Metrics Demo</a:t>
+            </a:r>
+          </a:p>
+        </p:txBody>
+      </p:sp>
+      <p:sp>
+        <p:nvSpPr>
+          <p:cNvPr id="5" name="Text Placeholder 4">
+            <a:extLst>
+              <a:ext uri="{FF2B5EF4-FFF2-40B4-BE49-F238E27FC236}">
+                <a16:creationId xmlns:a16="http://schemas.microsoft.com/office/drawing/2014/main" id="{52907351-17D6-2321-7964-95761955CBD4}"/>
+              </a:ext>
+            </a:extLst>
+          </p:cNvPr>
+          <p:cNvSpPr>
+            <a:spLocks noGrp="1"/>
+          </p:cNvSpPr>
+          <p:nvPr>
+            <p:ph type="body" idx="1"/>
+          </p:nvPr>
+        </p:nvSpPr>
+        <p:spPr/>
+        <p:txBody>
+          <a:bodyPr/>
+          <a:lstStyle/>
+          <a:p>
+            <a:endParaRPr lang="en-NZ"/>
+          </a:p>
+        </p:txBody>
+      </p:sp>
+    </p:spTree>
+    <p:extLst>
+      <p:ext uri="{BB962C8B-B14F-4D97-AF65-F5344CB8AC3E}">
+        <p14:creationId xmlns:p14="http://schemas.microsoft.com/office/powerpoint/2010/main" val="3255049392"/>
+      </p:ext>
+    </p:extLst>
+  </p:cSld>
+  <p:clrMapOvr>
+    <a:masterClrMapping/>
+  </p:clrMapOvr>
+</p:sld>
+</file>
+
+<file path=ppt/slides/slide17.xml><?xml version="1.0" encoding="utf-8"?>
+<p:sld xmlns:a="http://schemas.openxmlformats.org/drawingml/2006/main" xmlns:r="http://schemas.openxmlformats.org/officeDocument/2006/relationships" xmlns:p="http://schemas.openxmlformats.org/presentationml/2006/main">
+  <p:cSld>
+    <p:spTree>
+      <p:nvGrpSpPr>
+        <p:cNvPr id="1" name=""/>
+        <p:cNvGrpSpPr/>
+        <p:nvPr/>
+      </p:nvGrpSpPr>
+      <p:grpSpPr>
+        <a:xfrm>
+          <a:off x="0" y="0"/>
+          <a:ext cx="0" cy="0"/>
+          <a:chOff x="0" y="0"/>
+          <a:chExt cx="0" cy="0"/>
+        </a:xfrm>
+      </p:grpSpPr>
+      <p:sp>
+        <p:nvSpPr>
+          <p:cNvPr id="4" name="Title 3">
+            <a:extLst>
+              <a:ext uri="{FF2B5EF4-FFF2-40B4-BE49-F238E27FC236}">
                 <a16:creationId xmlns:a16="http://schemas.microsoft.com/office/drawing/2014/main" id="{AA1C4710-A126-C372-A67C-F36740142F95}"/>
               </a:ext>
             </a:extLst>
@@ -5482,7 +5696,7 @@
 </p:sld>
 </file>
 
-<file path=ppt/slides/slide16.xml><?xml version="1.0" encoding="utf-8"?>
+<file path=ppt/slides/slide18.xml><?xml version="1.0" encoding="utf-8"?>
 <p:sld xmlns:a="http://schemas.openxmlformats.org/drawingml/2006/main" xmlns:r="http://schemas.openxmlformats.org/officeDocument/2006/relationships" xmlns:p="http://schemas.openxmlformats.org/presentationml/2006/main">
   <p:cSld>
     <p:spTree>
@@ -5799,7 +6013,7 @@
           <a:p>
             <a:r>
               <a:rPr lang="en-GB" dirty="0"/>
-              <a:t>Open Telemetry improvements</a:t>
+              <a:t>New metrics in ASP.NET Core</a:t>
             </a:r>
           </a:p>
           <a:p>

--- a/whats-new-cloud-native-dev-dotnet8/slide_deck.pptx
+++ b/whats-new-cloud-native-dev-dotnet8/slide_deck.pptx
@@ -2,7 +2,7 @@
 <file path=ppt/presentation.xml><?xml version="1.0" encoding="utf-8"?>
 <p:presentation xmlns:a="http://schemas.openxmlformats.org/drawingml/2006/main" xmlns:r="http://schemas.openxmlformats.org/officeDocument/2006/relationships" xmlns:p="http://schemas.openxmlformats.org/presentationml/2006/main" saveSubsetFonts="1">
   <p:sldMasterIdLst>
-    <p:sldMasterId id="2147483768" r:id="rId1"/>
+    <p:sldMasterId id="2147483900" r:id="rId1"/>
   </p:sldMasterIdLst>
   <p:notesMasterIdLst>
     <p:notesMasterId r:id="rId28"/>
@@ -2430,8 +2430,8 @@
       </dsp:nvSpPr>
       <dsp:spPr>
         <a:xfrm rot="10800000">
-          <a:off x="1716861" y="1114"/>
-          <a:ext cx="5869063" cy="954252"/>
+          <a:off x="1716715" y="1235"/>
+          <a:ext cx="5868567" cy="954172"/>
         </a:xfrm>
         <a:prstGeom prst="homePlate">
           <a:avLst/>
@@ -2472,7 +2472,7 @@
         </a:fontRef>
       </dsp:style>
       <dsp:txBody>
-        <a:bodyPr spcFirstLastPara="0" vert="horz" wrap="square" lIns="420799" tIns="129540" rIns="241808" bIns="129540" numCol="1" spcCol="1270" anchor="ctr" anchorCtr="0">
+        <a:bodyPr spcFirstLastPara="0" vert="horz" wrap="square" lIns="420763" tIns="129540" rIns="241808" bIns="129540" numCol="1" spcCol="1270" anchor="ctr" anchorCtr="0">
           <a:noAutofit/>
         </a:bodyPr>
         <a:lstStyle/>
@@ -2497,8 +2497,8 @@
         </a:p>
       </dsp:txBody>
       <dsp:txXfrm rot="10800000">
-        <a:off x="1955424" y="1114"/>
-        <a:ext cx="5630500" cy="954252"/>
+        <a:off x="1955258" y="1235"/>
+        <a:ext cx="5630024" cy="954172"/>
       </dsp:txXfrm>
     </dsp:sp>
     <dsp:sp modelId="{3ABA2712-2F4F-42A6-90A0-148FF652CB18}">
@@ -2508,8 +2508,8 @@
       </dsp:nvSpPr>
       <dsp:spPr>
         <a:xfrm>
-          <a:off x="1239734" y="1114"/>
-          <a:ext cx="954252" cy="954252"/>
+          <a:off x="1239629" y="1235"/>
+          <a:ext cx="954172" cy="954172"/>
         </a:xfrm>
         <a:prstGeom prst="ellipse">
           <a:avLst/>
@@ -2563,8 +2563,8 @@
       </dsp:nvSpPr>
       <dsp:spPr>
         <a:xfrm rot="10800000">
-          <a:off x="1716861" y="1231023"/>
-          <a:ext cx="5869063" cy="954252"/>
+          <a:off x="1716715" y="1231063"/>
+          <a:ext cx="5868567" cy="954172"/>
         </a:xfrm>
         <a:prstGeom prst="homePlate">
           <a:avLst/>
@@ -2605,7 +2605,7 @@
         </a:fontRef>
       </dsp:style>
       <dsp:txBody>
-        <a:bodyPr spcFirstLastPara="0" vert="horz" wrap="square" lIns="420799" tIns="129540" rIns="241808" bIns="129540" numCol="1" spcCol="1270" anchor="ctr" anchorCtr="0">
+        <a:bodyPr spcFirstLastPara="0" vert="horz" wrap="square" lIns="420763" tIns="129540" rIns="241808" bIns="129540" numCol="1" spcCol="1270" anchor="ctr" anchorCtr="0">
           <a:noAutofit/>
         </a:bodyPr>
         <a:lstStyle/>
@@ -2630,8 +2630,8 @@
         </a:p>
       </dsp:txBody>
       <dsp:txXfrm rot="10800000">
-        <a:off x="1955424" y="1231023"/>
-        <a:ext cx="5630500" cy="954252"/>
+        <a:off x="1955258" y="1231063"/>
+        <a:ext cx="5630024" cy="954172"/>
       </dsp:txXfrm>
     </dsp:sp>
     <dsp:sp modelId="{2F4AD194-A574-4357-9931-974A0B6026D1}">
@@ -2641,8 +2641,8 @@
       </dsp:nvSpPr>
       <dsp:spPr>
         <a:xfrm>
-          <a:off x="1239734" y="1231023"/>
-          <a:ext cx="954252" cy="954252"/>
+          <a:off x="1239629" y="1231063"/>
+          <a:ext cx="954172" cy="954172"/>
         </a:xfrm>
         <a:prstGeom prst="ellipse">
           <a:avLst/>
@@ -2696,8 +2696,8 @@
       </dsp:nvSpPr>
       <dsp:spPr>
         <a:xfrm rot="10800000">
-          <a:off x="1716861" y="2460932"/>
-          <a:ext cx="5869063" cy="954252"/>
+          <a:off x="1716715" y="2460892"/>
+          <a:ext cx="5868567" cy="954172"/>
         </a:xfrm>
         <a:prstGeom prst="homePlate">
           <a:avLst/>
@@ -2738,7 +2738,7 @@
         </a:fontRef>
       </dsp:style>
       <dsp:txBody>
-        <a:bodyPr spcFirstLastPara="0" vert="horz" wrap="square" lIns="420799" tIns="129540" rIns="241808" bIns="129540" numCol="1" spcCol="1270" anchor="ctr" anchorCtr="0">
+        <a:bodyPr spcFirstLastPara="0" vert="horz" wrap="square" lIns="420763" tIns="129540" rIns="241808" bIns="129540" numCol="1" spcCol="1270" anchor="ctr" anchorCtr="0">
           <a:noAutofit/>
         </a:bodyPr>
         <a:lstStyle/>
@@ -2763,8 +2763,8 @@
         </a:p>
       </dsp:txBody>
       <dsp:txXfrm rot="10800000">
-        <a:off x="1955424" y="2460932"/>
-        <a:ext cx="5630500" cy="954252"/>
+        <a:off x="1955258" y="2460892"/>
+        <a:ext cx="5630024" cy="954172"/>
       </dsp:txXfrm>
     </dsp:sp>
     <dsp:sp modelId="{80504092-3F37-4086-A3AB-B04556B5BB17}">
@@ -2774,8 +2774,8 @@
       </dsp:nvSpPr>
       <dsp:spPr>
         <a:xfrm>
-          <a:off x="1239734" y="2460932"/>
-          <a:ext cx="954252" cy="954252"/>
+          <a:off x="1239629" y="2460892"/>
+          <a:ext cx="954172" cy="954172"/>
         </a:xfrm>
         <a:prstGeom prst="ellipse">
           <a:avLst/>
@@ -6345,6 +6345,195 @@
 </p:notes>
 </file>
 
+<file path=ppt/notesSlides/notesSlide9.xml><?xml version="1.0" encoding="utf-8"?>
+<p:notes xmlns:a="http://schemas.openxmlformats.org/drawingml/2006/main" xmlns:r="http://schemas.openxmlformats.org/officeDocument/2006/relationships" xmlns:p="http://schemas.openxmlformats.org/presentationml/2006/main">
+  <p:cSld>
+    <p:spTree>
+      <p:nvGrpSpPr>
+        <p:cNvPr id="1" name=""/>
+        <p:cNvGrpSpPr/>
+        <p:nvPr/>
+      </p:nvGrpSpPr>
+      <p:grpSpPr>
+        <a:xfrm>
+          <a:off x="0" y="0"/>
+          <a:ext cx="0" cy="0"/>
+          <a:chOff x="0" y="0"/>
+          <a:chExt cx="0" cy="0"/>
+        </a:xfrm>
+      </p:grpSpPr>
+      <p:sp>
+        <p:nvSpPr>
+          <p:cNvPr id="2" name="Slide Image Placeholder 1"/>
+          <p:cNvSpPr>
+            <a:spLocks noGrp="1" noRot="1" noChangeAspect="1"/>
+          </p:cNvSpPr>
+          <p:nvPr>
+            <p:ph type="sldImg"/>
+          </p:nvPr>
+        </p:nvSpPr>
+        <p:spPr/>
+      </p:sp>
+      <p:sp>
+        <p:nvSpPr>
+          <p:cNvPr id="3" name="Notes Placeholder 2"/>
+          <p:cNvSpPr>
+            <a:spLocks noGrp="1"/>
+          </p:cNvSpPr>
+          <p:nvPr>
+            <p:ph type="body" idx="1"/>
+          </p:nvPr>
+        </p:nvSpPr>
+        <p:spPr/>
+        <p:txBody>
+          <a:bodyPr/>
+          <a:lstStyle/>
+          <a:p>
+            <a:r>
+              <a:rPr lang="en-NZ" dirty="0" err="1"/>
+              <a:t>System.Diagnotics.Metrics</a:t>
+            </a:r>
+            <a:r>
+              <a:rPr lang="en-NZ" dirty="0"/>
+              <a:t> APIs are the newest cross-platform APIs, and Microsoft worked with OpenTelemetry project to design them.</a:t>
+            </a:r>
+          </a:p>
+          <a:p>
+            <a:r>
+              <a:rPr lang="en-NZ" dirty="0"/>
+              <a:t>It’s available for .NET 6+, and the API add support for things such as:</a:t>
+            </a:r>
+          </a:p>
+          <a:p>
+            <a:endParaRPr lang="en-NZ" dirty="0"/>
+          </a:p>
+          <a:p>
+            <a:pPr algn="l">
+              <a:buFont typeface="Arial" panose="020B0604020202020204" pitchFamily="34" charset="0"/>
+              <a:buChar char="•"/>
+            </a:pPr>
+            <a:r>
+              <a:rPr lang="en-GB" b="0" i="0" dirty="0">
+                <a:solidFill>
+                  <a:srgbClr val="E6E6E6"/>
+                </a:solidFill>
+                <a:effectLst/>
+                <a:latin typeface="Segoe UI" panose="020B0502040204020203" pitchFamily="34" charset="0"/>
+              </a:rPr>
+              <a:t>Histograms and percentiles</a:t>
+            </a:r>
+          </a:p>
+          <a:p>
+            <a:pPr algn="l">
+              <a:buFont typeface="Arial" panose="020B0604020202020204" pitchFamily="34" charset="0"/>
+              <a:buChar char="•"/>
+            </a:pPr>
+            <a:r>
+              <a:rPr lang="en-GB" b="0" i="0" dirty="0">
+                <a:solidFill>
+                  <a:srgbClr val="E6E6E6"/>
+                </a:solidFill>
+                <a:effectLst/>
+                <a:latin typeface="Segoe UI" panose="020B0502040204020203" pitchFamily="34" charset="0"/>
+              </a:rPr>
+              <a:t>Multi-dimensional metrics</a:t>
+            </a:r>
+          </a:p>
+          <a:p>
+            <a:pPr algn="l">
+              <a:buFont typeface="Arial" panose="020B0604020202020204" pitchFamily="34" charset="0"/>
+              <a:buChar char="•"/>
+            </a:pPr>
+            <a:r>
+              <a:rPr lang="en-GB" b="0" i="0" dirty="0">
+                <a:solidFill>
+                  <a:srgbClr val="E6E6E6"/>
+                </a:solidFill>
+                <a:effectLst/>
+                <a:latin typeface="Segoe UI" panose="020B0502040204020203" pitchFamily="34" charset="0"/>
+              </a:rPr>
+              <a:t>Strongly typed high-performance listener API</a:t>
+            </a:r>
+          </a:p>
+          <a:p>
+            <a:pPr algn="l">
+              <a:buFont typeface="Arial" panose="020B0604020202020204" pitchFamily="34" charset="0"/>
+              <a:buChar char="•"/>
+            </a:pPr>
+            <a:r>
+              <a:rPr lang="en-GB" b="0" i="0" dirty="0">
+                <a:solidFill>
+                  <a:srgbClr val="E6E6E6"/>
+                </a:solidFill>
+                <a:effectLst/>
+                <a:latin typeface="Segoe UI" panose="020B0502040204020203" pitchFamily="34" charset="0"/>
+              </a:rPr>
+              <a:t>Multiple simultaneous listeners</a:t>
+            </a:r>
+          </a:p>
+          <a:p>
+            <a:pPr algn="l">
+              <a:buFont typeface="Arial" panose="020B0604020202020204" pitchFamily="34" charset="0"/>
+              <a:buChar char="•"/>
+            </a:pPr>
+            <a:r>
+              <a:rPr lang="en-GB" b="0" i="0" dirty="0">
+                <a:solidFill>
+                  <a:srgbClr val="E6E6E6"/>
+                </a:solidFill>
+                <a:effectLst/>
+                <a:latin typeface="Segoe UI" panose="020B0502040204020203" pitchFamily="34" charset="0"/>
+              </a:rPr>
+              <a:t>Listener access to unaggregated measurements</a:t>
+            </a:r>
+          </a:p>
+          <a:p>
+            <a:endParaRPr lang="en-NZ" dirty="0"/>
+          </a:p>
+          <a:p>
+            <a:r>
+              <a:rPr lang="en-NZ" dirty="0"/>
+              <a:t>Although the API was designed with OpenTelemetry in mind, it can work with .NET built in listener APIs directly.</a:t>
+            </a:r>
+          </a:p>
+        </p:txBody>
+      </p:sp>
+      <p:sp>
+        <p:nvSpPr>
+          <p:cNvPr id="4" name="Slide Number Placeholder 3"/>
+          <p:cNvSpPr>
+            <a:spLocks noGrp="1"/>
+          </p:cNvSpPr>
+          <p:nvPr>
+            <p:ph type="sldNum" sz="quarter" idx="5"/>
+          </p:nvPr>
+        </p:nvSpPr>
+        <p:spPr/>
+        <p:txBody>
+          <a:bodyPr/>
+          <a:lstStyle/>
+          <a:p>
+            <a:fld id="{360642DD-F651-47DC-B7D5-5290C747C85D}" type="slidenum">
+              <a:rPr lang="en-NZ" smtClean="0"/>
+              <a:t>15</a:t>
+            </a:fld>
+            <a:endParaRPr lang="en-NZ"/>
+          </a:p>
+        </p:txBody>
+      </p:sp>
+    </p:spTree>
+    <p:extLst>
+      <p:ext uri="{BB962C8B-B14F-4D97-AF65-F5344CB8AC3E}">
+        <p14:creationId xmlns:p14="http://schemas.microsoft.com/office/powerpoint/2010/main" val="2198279014"/>
+      </p:ext>
+    </p:extLst>
+  </p:cSld>
+  <p:clrMapOvr>
+    <a:masterClrMapping/>
+  </p:clrMapOvr>
+</p:notes>
+</file>
+
 <file path=ppt/slideLayouts/slideLayout1.xml><?xml version="1.0" encoding="utf-8"?>
 <p:sldLayout xmlns:a="http://schemas.openxmlformats.org/drawingml/2006/main" xmlns:r="http://schemas.openxmlformats.org/officeDocument/2006/relationships" xmlns:p="http://schemas.openxmlformats.org/presentationml/2006/main" showMasterSp="0" type="title" preserve="1">
   <p:cSld name="Title Slide">
@@ -6787,7 +6976,7 @@
     </p:spTree>
     <p:extLst>
       <p:ext uri="{BB962C8B-B14F-4D97-AF65-F5344CB8AC3E}">
-        <p14:creationId xmlns:p14="http://schemas.microsoft.com/office/powerpoint/2010/main" val="3619261331"/>
+        <p14:creationId xmlns:p14="http://schemas.microsoft.com/office/powerpoint/2010/main" val="4195536038"/>
       </p:ext>
     </p:extLst>
   </p:cSld>
@@ -7855,7 +8044,7 @@
     </p:spTree>
     <p:extLst>
       <p:ext uri="{BB962C8B-B14F-4D97-AF65-F5344CB8AC3E}">
-        <p14:creationId xmlns:p14="http://schemas.microsoft.com/office/powerpoint/2010/main" val="2624775374"/>
+        <p14:creationId xmlns:p14="http://schemas.microsoft.com/office/powerpoint/2010/main" val="1871317680"/>
       </p:ext>
     </p:extLst>
   </p:cSld>
@@ -8835,7 +9024,7 @@
     </p:spTree>
     <p:extLst>
       <p:ext uri="{BB962C8B-B14F-4D97-AF65-F5344CB8AC3E}">
-        <p14:creationId xmlns:p14="http://schemas.microsoft.com/office/powerpoint/2010/main" val="1606127091"/>
+        <p14:creationId xmlns:p14="http://schemas.microsoft.com/office/powerpoint/2010/main" val="1482350872"/>
       </p:ext>
     </p:extLst>
   </p:cSld>
@@ -9969,7 +10158,7 @@
     </p:spTree>
     <p:extLst>
       <p:ext uri="{BB962C8B-B14F-4D97-AF65-F5344CB8AC3E}">
-        <p14:creationId xmlns:p14="http://schemas.microsoft.com/office/powerpoint/2010/main" val="2249065938"/>
+        <p14:creationId xmlns:p14="http://schemas.microsoft.com/office/powerpoint/2010/main" val="841790330"/>
       </p:ext>
     </p:extLst>
   </p:cSld>
@@ -11002,7 +11191,7 @@
     </p:spTree>
     <p:extLst>
       <p:ext uri="{BB962C8B-B14F-4D97-AF65-F5344CB8AC3E}">
-        <p14:creationId xmlns:p14="http://schemas.microsoft.com/office/powerpoint/2010/main" val="1447495885"/>
+        <p14:creationId xmlns:p14="http://schemas.microsoft.com/office/powerpoint/2010/main" val="967468312"/>
       </p:ext>
     </p:extLst>
   </p:cSld>
@@ -11626,7 +11815,7 @@
     </p:spTree>
     <p:extLst>
       <p:ext uri="{BB962C8B-B14F-4D97-AF65-F5344CB8AC3E}">
-        <p14:creationId xmlns:p14="http://schemas.microsoft.com/office/powerpoint/2010/main" val="709035613"/>
+        <p14:creationId xmlns:p14="http://schemas.microsoft.com/office/powerpoint/2010/main" val="232086399"/>
       </p:ext>
     </p:extLst>
   </p:cSld>
@@ -12492,7 +12681,7 @@
     </p:spTree>
     <p:extLst>
       <p:ext uri="{BB962C8B-B14F-4D97-AF65-F5344CB8AC3E}">
-        <p14:creationId xmlns:p14="http://schemas.microsoft.com/office/powerpoint/2010/main" val="413302494"/>
+        <p14:creationId xmlns:p14="http://schemas.microsoft.com/office/powerpoint/2010/main" val="2604818361"/>
       </p:ext>
     </p:extLst>
   </p:cSld>
@@ -12677,7 +12866,7 @@
     </p:spTree>
     <p:extLst>
       <p:ext uri="{BB962C8B-B14F-4D97-AF65-F5344CB8AC3E}">
-        <p14:creationId xmlns:p14="http://schemas.microsoft.com/office/powerpoint/2010/main" val="910538351"/>
+        <p14:creationId xmlns:p14="http://schemas.microsoft.com/office/powerpoint/2010/main" val="125950902"/>
       </p:ext>
     </p:extLst>
   </p:cSld>
@@ -13685,7 +13874,7 @@
     </p:spTree>
     <p:extLst>
       <p:ext uri="{BB962C8B-B14F-4D97-AF65-F5344CB8AC3E}">
-        <p14:creationId xmlns:p14="http://schemas.microsoft.com/office/powerpoint/2010/main" val="3966305280"/>
+        <p14:creationId xmlns:p14="http://schemas.microsoft.com/office/powerpoint/2010/main" val="2896776219"/>
       </p:ext>
     </p:extLst>
   </p:cSld>
@@ -13860,7 +14049,7 @@
     </p:spTree>
     <p:extLst>
       <p:ext uri="{BB962C8B-B14F-4D97-AF65-F5344CB8AC3E}">
-        <p14:creationId xmlns:p14="http://schemas.microsoft.com/office/powerpoint/2010/main" val="1678299420"/>
+        <p14:creationId xmlns:p14="http://schemas.microsoft.com/office/powerpoint/2010/main" val="696029158"/>
       </p:ext>
     </p:extLst>
   </p:cSld>
@@ -14930,7 +15119,7 @@
     </p:spTree>
     <p:extLst>
       <p:ext uri="{BB962C8B-B14F-4D97-AF65-F5344CB8AC3E}">
-        <p14:creationId xmlns:p14="http://schemas.microsoft.com/office/powerpoint/2010/main" val="3278991254"/>
+        <p14:creationId xmlns:p14="http://schemas.microsoft.com/office/powerpoint/2010/main" val="2926137983"/>
       </p:ext>
     </p:extLst>
   </p:cSld>
@@ -15166,7 +15355,7 @@
     </p:spTree>
     <p:extLst>
       <p:ext uri="{BB962C8B-B14F-4D97-AF65-F5344CB8AC3E}">
-        <p14:creationId xmlns:p14="http://schemas.microsoft.com/office/powerpoint/2010/main" val="2137131099"/>
+        <p14:creationId xmlns:p14="http://schemas.microsoft.com/office/powerpoint/2010/main" val="3009521796"/>
       </p:ext>
     </p:extLst>
   </p:cSld>
@@ -15576,7 +15765,7 @@
     </p:spTree>
     <p:extLst>
       <p:ext uri="{BB962C8B-B14F-4D97-AF65-F5344CB8AC3E}">
-        <p14:creationId xmlns:p14="http://schemas.microsoft.com/office/powerpoint/2010/main" val="2255656529"/>
+        <p14:creationId xmlns:p14="http://schemas.microsoft.com/office/powerpoint/2010/main" val="3289253747"/>
       </p:ext>
     </p:extLst>
   </p:cSld>
@@ -15703,7 +15892,7 @@
     </p:spTree>
     <p:extLst>
       <p:ext uri="{BB962C8B-B14F-4D97-AF65-F5344CB8AC3E}">
-        <p14:creationId xmlns:p14="http://schemas.microsoft.com/office/powerpoint/2010/main" val="1642224265"/>
+        <p14:creationId xmlns:p14="http://schemas.microsoft.com/office/powerpoint/2010/main" val="2130452446"/>
       </p:ext>
     </p:extLst>
   </p:cSld>
@@ -15834,7 +16023,7 @@
     </p:spTree>
     <p:extLst>
       <p:ext uri="{BB962C8B-B14F-4D97-AF65-F5344CB8AC3E}">
-        <p14:creationId xmlns:p14="http://schemas.microsoft.com/office/powerpoint/2010/main" val="119315319"/>
+        <p14:creationId xmlns:p14="http://schemas.microsoft.com/office/powerpoint/2010/main" val="2095865092"/>
       </p:ext>
     </p:extLst>
   </p:cSld>
@@ -16915,7 +17104,7 @@
     </p:spTree>
     <p:extLst>
       <p:ext uri="{BB962C8B-B14F-4D97-AF65-F5344CB8AC3E}">
-        <p14:creationId xmlns:p14="http://schemas.microsoft.com/office/powerpoint/2010/main" val="1524327443"/>
+        <p14:creationId xmlns:p14="http://schemas.microsoft.com/office/powerpoint/2010/main" val="2970279133"/>
       </p:ext>
     </p:extLst>
   </p:cSld>
@@ -18023,7 +18212,7 @@
     </p:spTree>
     <p:extLst>
       <p:ext uri="{BB962C8B-B14F-4D97-AF65-F5344CB8AC3E}">
-        <p14:creationId xmlns:p14="http://schemas.microsoft.com/office/powerpoint/2010/main" val="157964331"/>
+        <p14:creationId xmlns:p14="http://schemas.microsoft.com/office/powerpoint/2010/main" val="569331130"/>
       </p:ext>
     </p:extLst>
   </p:cSld>
@@ -19052,29 +19241,29 @@
     </p:spTree>
     <p:extLst>
       <p:ext uri="{BB962C8B-B14F-4D97-AF65-F5344CB8AC3E}">
-        <p14:creationId xmlns:p14="http://schemas.microsoft.com/office/powerpoint/2010/main" val="1614522098"/>
+        <p14:creationId xmlns:p14="http://schemas.microsoft.com/office/powerpoint/2010/main" val="3852658653"/>
       </p:ext>
     </p:extLst>
   </p:cSld>
   <p:clrMap bg1="lt1" tx1="dk1" bg2="lt2" tx2="dk2" accent1="accent1" accent2="accent2" accent3="accent3" accent4="accent4" accent5="accent5" accent6="accent6" hlink="hlink" folHlink="folHlink"/>
   <p:sldLayoutIdLst>
-    <p:sldLayoutId id="2147483769" r:id="rId1"/>
-    <p:sldLayoutId id="2147483770" r:id="rId2"/>
-    <p:sldLayoutId id="2147483771" r:id="rId3"/>
-    <p:sldLayoutId id="2147483772" r:id="rId4"/>
-    <p:sldLayoutId id="2147483773" r:id="rId5"/>
-    <p:sldLayoutId id="2147483774" r:id="rId6"/>
-    <p:sldLayoutId id="2147483775" r:id="rId7"/>
-    <p:sldLayoutId id="2147483776" r:id="rId8"/>
-    <p:sldLayoutId id="2147483777" r:id="rId9"/>
-    <p:sldLayoutId id="2147483778" r:id="rId10"/>
-    <p:sldLayoutId id="2147483779" r:id="rId11"/>
-    <p:sldLayoutId id="2147483780" r:id="rId12"/>
-    <p:sldLayoutId id="2147483781" r:id="rId13"/>
-    <p:sldLayoutId id="2147483782" r:id="rId14"/>
-    <p:sldLayoutId id="2147483783" r:id="rId15"/>
-    <p:sldLayoutId id="2147483784" r:id="rId16"/>
-    <p:sldLayoutId id="2147483785" r:id="rId17"/>
+    <p:sldLayoutId id="2147483901" r:id="rId1"/>
+    <p:sldLayoutId id="2147483902" r:id="rId2"/>
+    <p:sldLayoutId id="2147483903" r:id="rId3"/>
+    <p:sldLayoutId id="2147483904" r:id="rId4"/>
+    <p:sldLayoutId id="2147483905" r:id="rId5"/>
+    <p:sldLayoutId id="2147483906" r:id="rId6"/>
+    <p:sldLayoutId id="2147483907" r:id="rId7"/>
+    <p:sldLayoutId id="2147483908" r:id="rId8"/>
+    <p:sldLayoutId id="2147483909" r:id="rId9"/>
+    <p:sldLayoutId id="2147483910" r:id="rId10"/>
+    <p:sldLayoutId id="2147483911" r:id="rId11"/>
+    <p:sldLayoutId id="2147483912" r:id="rId12"/>
+    <p:sldLayoutId id="2147483913" r:id="rId13"/>
+    <p:sldLayoutId id="2147483914" r:id="rId14"/>
+    <p:sldLayoutId id="2147483915" r:id="rId15"/>
+    <p:sldLayoutId id="2147483916" r:id="rId16"/>
+    <p:sldLayoutId id="2147483917" r:id="rId17"/>
   </p:sldLayoutIdLst>
   <p:txStyles>
     <p:titleStyle>
@@ -19648,7 +19837,7 @@
         </p:nvGraphicFramePr>
         <p:xfrm>
           <a:off x="1155700" y="2603500"/>
-          <a:ext cx="8824912" cy="2199640"/>
+          <a:ext cx="8824913" cy="3416300"/>
         </p:xfrm>
         <a:graphic>
           <a:graphicData uri="http://schemas.openxmlformats.org/drawingml/2006/table">
@@ -21261,8 +21450,8 @@
         </p:blipFill>
         <p:spPr>
           <a:xfrm>
-            <a:off x="1386946" y="2422596"/>
-            <a:ext cx="9418107" cy="4435404"/>
+            <a:off x="1941082" y="2603500"/>
+            <a:ext cx="7254148" cy="3416300"/>
           </a:xfrm>
         </p:spPr>
       </p:pic>
@@ -22158,7 +22347,9 @@
         </p:nvSpPr>
         <p:spPr/>
         <p:txBody>
-          <a:bodyPr/>
+          <a:bodyPr>
+            <a:normAutofit/>
+          </a:bodyPr>
           <a:lstStyle/>
           <a:p>
             <a:r>
@@ -22664,8 +22855,8 @@
           </p:nvPr>
         </p:nvGraphicFramePr>
         <p:xfrm>
-          <a:off x="1154954" y="2603500"/>
-          <a:ext cx="8825659" cy="3416300"/>
+          <a:off x="1155700" y="2603500"/>
+          <a:ext cx="8824913" cy="3416300"/>
         </p:xfrm>
         <a:graphic>
           <a:graphicData uri="http://schemas.openxmlformats.org/drawingml/2006/diagram">

--- a/whats-new-cloud-native-dev-dotnet8/slide_deck.pptx
+++ b/whats-new-cloud-native-dev-dotnet8/slide_deck.pptx
@@ -19746,10 +19746,18 @@
           </a:p>
           <a:p>
             <a:r>
-              <a:rPr lang="en-GB" dirty="0"/>
+              <a:rPr lang="en-GB" dirty="0">
+                <a:solidFill>
+                  <a:schemeClr val="bg1"/>
+                </a:solidFill>
+              </a:rPr>
               <a:t>@willvelida</a:t>
             </a:r>
-            <a:endParaRPr lang="en-AU" dirty="0"/>
+            <a:endParaRPr lang="en-AU" dirty="0">
+              <a:solidFill>
+                <a:schemeClr val="bg1"/>
+              </a:solidFill>
+            </a:endParaRPr>
           </a:p>
         </p:txBody>
       </p:sp>
@@ -19837,7 +19845,7 @@
         </p:nvGraphicFramePr>
         <p:xfrm>
           <a:off x="1155700" y="2603500"/>
-          <a:ext cx="8824913" cy="3416300"/>
+          <a:ext cx="8824912" cy="2199640"/>
         </p:xfrm>
         <a:graphic>
           <a:graphicData uri="http://schemas.openxmlformats.org/drawingml/2006/table">
@@ -22366,8 +22374,13 @@
           <a:p>
             <a:r>
               <a:rPr lang="en-AU" dirty="0"/>
-              <a:t>Less Memory Apps</a:t>
+              <a:t>Less </a:t>
             </a:r>
+            <a:r>
+              <a:rPr lang="en-AU" dirty="0" err="1"/>
+              <a:t>MemorY</a:t>
+            </a:r>
+            <a:endParaRPr lang="en-AU" dirty="0"/>
           </a:p>
         </p:txBody>
       </p:sp>
